--- a/less-6-合并.pptx
+++ b/less-6-合并.pptx
@@ -5,7 +5,7 @@
     <p:sldMasterId id="2147483648" r:id="rId1"/>
   </p:sldMasterIdLst>
   <p:notesMasterIdLst>
-    <p:notesMasterId r:id="rId9"/>
+    <p:notesMasterId r:id="rId15"/>
   </p:notesMasterIdLst>
   <p:sldIdLst>
     <p:sldId id="256" r:id="rId2"/>
@@ -15,6 +15,12 @@
     <p:sldId id="582" r:id="rId6"/>
     <p:sldId id="579" r:id="rId7"/>
     <p:sldId id="583" r:id="rId8"/>
+    <p:sldId id="584" r:id="rId9"/>
+    <p:sldId id="585" r:id="rId10"/>
+    <p:sldId id="586" r:id="rId11"/>
+    <p:sldId id="587" r:id="rId12"/>
+    <p:sldId id="588" r:id="rId13"/>
+    <p:sldId id="589" r:id="rId14"/>
   </p:sldIdLst>
   <p:sldSz cx="9144000" cy="6858000" type="screen4x3"/>
   <p:notesSz cx="6858000" cy="9144000"/>
@@ -115,7 +121,7 @@
   </p:defaultTextStyle>
   <p:extLst>
     <p:ext uri="{EFAFB233-063F-42B5-8137-9DF3F51BA10A}">
-      <p15:sldGuideLst xmlns:p15="http://schemas.microsoft.com/office/powerpoint/2012/main" xmlns="">
+      <p15:sldGuideLst xmlns:p15="http://schemas.microsoft.com/office/powerpoint/2012/main">
         <p15:guide id="1" orient="horz" pos="2160">
           <p15:clr>
             <a:srgbClr val="A4A3A4"/>
@@ -3649,6 +3655,1433 @@
 </p:sld>
 </file>
 
+<file path=ppt/slides/slide10.xml><?xml version="1.0" encoding="utf-8"?>
+<p:sld xmlns:a="http://schemas.openxmlformats.org/drawingml/2006/main" xmlns:r="http://schemas.openxmlformats.org/officeDocument/2006/relationships" xmlns:p="http://schemas.openxmlformats.org/presentationml/2006/main">
+  <p:cSld>
+    <p:spTree>
+      <p:nvGrpSpPr>
+        <p:cNvPr id="1" name=""/>
+        <p:cNvGrpSpPr/>
+        <p:nvPr/>
+      </p:nvGrpSpPr>
+      <p:grpSpPr>
+        <a:xfrm>
+          <a:off x="0" y="0"/>
+          <a:ext cx="0" cy="0"/>
+          <a:chOff x="0" y="0"/>
+          <a:chExt cx="0" cy="0"/>
+        </a:xfrm>
+      </p:grpSpPr>
+      <p:sp>
+        <p:nvSpPr>
+          <p:cNvPr id="5" name="TextBox 1"/>
+          <p:cNvSpPr txBox="1"/>
+          <p:nvPr/>
+        </p:nvSpPr>
+        <p:spPr>
+          <a:xfrm>
+            <a:off x="684000" y="260648"/>
+            <a:ext cx="7776000" cy="581057"/>
+          </a:xfrm>
+          <a:prstGeom prst="rect">
+            <a:avLst/>
+          </a:prstGeom>
+          <a:noFill/>
+        </p:spPr>
+        <p:txBody>
+          <a:bodyPr wrap="square" rtlCol="0">
+            <a:spAutoFit/>
+          </a:bodyPr>
+          <a:lstStyle/>
+          <a:p>
+            <a:pPr marL="342900" indent="-342900">
+              <a:lnSpc>
+                <a:spcPct val="150000"/>
+              </a:lnSpc>
+              <a:buFont typeface="Arial" panose="020B0604020202020204" pitchFamily="34" charset="0"/>
+              <a:buChar char="•"/>
+            </a:pPr>
+            <a:r>
+              <a:rPr lang="en-US" altLang="zh-CN" sz="2400" dirty="0" smtClean="0">
+                <a:solidFill>
+                  <a:schemeClr val="tx1">
+                    <a:lumMod val="75000"/>
+                    <a:lumOff val="25000"/>
+                  </a:schemeClr>
+                </a:solidFill>
+                <a:latin typeface="微软雅黑" pitchFamily="34" charset="-122"/>
+                <a:ea typeface="微软雅黑" pitchFamily="34" charset="-122"/>
+              </a:rPr>
+              <a:t>extend()</a:t>
+            </a:r>
+            <a:r>
+              <a:rPr lang="zh-CN" altLang="en-US" sz="2400" dirty="0" smtClean="0">
+                <a:solidFill>
+                  <a:schemeClr val="tx1">
+                    <a:lumMod val="75000"/>
+                    <a:lumOff val="25000"/>
+                  </a:schemeClr>
+                </a:solidFill>
+                <a:latin typeface="微软雅黑" pitchFamily="34" charset="-122"/>
+                <a:ea typeface="微软雅黑" pitchFamily="34" charset="-122"/>
+              </a:rPr>
+              <a:t>是精确匹配的</a:t>
+            </a:r>
+            <a:endParaRPr lang="en-US" altLang="zh-CN" sz="2400" dirty="0" smtClean="0">
+              <a:solidFill>
+                <a:schemeClr val="tx1">
+                  <a:lumMod val="75000"/>
+                  <a:lumOff val="25000"/>
+                </a:schemeClr>
+              </a:solidFill>
+              <a:latin typeface="微软雅黑" pitchFamily="34" charset="-122"/>
+              <a:ea typeface="微软雅黑" pitchFamily="34" charset="-122"/>
+            </a:endParaRPr>
+          </a:p>
+        </p:txBody>
+      </p:sp>
+      <p:pic>
+        <p:nvPicPr>
+          <p:cNvPr id="2" name="图片 1" descr="屏幕剪辑"/>
+          <p:cNvPicPr>
+            <a:picLocks noChangeAspect="1"/>
+          </p:cNvPicPr>
+          <p:nvPr/>
+        </p:nvPicPr>
+        <p:blipFill>
+          <a:blip r:embed="rId2">
+            <a:extLst>
+              <a:ext uri="{28A0092B-C50C-407E-A947-70E740481C1C}">
+                <a14:useLocalDpi xmlns:a14="http://schemas.microsoft.com/office/drawing/2010/main" val="0"/>
+              </a:ext>
+            </a:extLst>
+          </a:blip>
+          <a:stretch>
+            <a:fillRect/>
+          </a:stretch>
+        </p:blipFill>
+        <p:spPr>
+          <a:xfrm>
+            <a:off x="1187624" y="1268760"/>
+            <a:ext cx="2642837" cy="2843052"/>
+          </a:xfrm>
+          <a:prstGeom prst="rect">
+            <a:avLst/>
+          </a:prstGeom>
+        </p:spPr>
+      </p:pic>
+      <p:pic>
+        <p:nvPicPr>
+          <p:cNvPr id="3" name="图片 2" descr="屏幕剪辑"/>
+          <p:cNvPicPr>
+            <a:picLocks noChangeAspect="1"/>
+          </p:cNvPicPr>
+          <p:nvPr/>
+        </p:nvPicPr>
+        <p:blipFill>
+          <a:blip r:embed="rId3">
+            <a:extLst>
+              <a:ext uri="{28A0092B-C50C-407E-A947-70E740481C1C}">
+                <a14:useLocalDpi xmlns:a14="http://schemas.microsoft.com/office/drawing/2010/main" val="0"/>
+              </a:ext>
+            </a:extLst>
+          </a:blip>
+          <a:stretch>
+            <a:fillRect/>
+          </a:stretch>
+        </p:blipFill>
+        <p:spPr>
+          <a:xfrm>
+            <a:off x="4860032" y="1268760"/>
+            <a:ext cx="3029373" cy="3448531"/>
+          </a:xfrm>
+          <a:prstGeom prst="rect">
+            <a:avLst/>
+          </a:prstGeom>
+        </p:spPr>
+      </p:pic>
+      <p:sp>
+        <p:nvSpPr>
+          <p:cNvPr id="12" name="右箭头 11"/>
+          <p:cNvSpPr/>
+          <p:nvPr/>
+        </p:nvSpPr>
+        <p:spPr>
+          <a:xfrm>
+            <a:off x="4000128" y="2420888"/>
+            <a:ext cx="576064" cy="648072"/>
+          </a:xfrm>
+          <a:prstGeom prst="rightArrow">
+            <a:avLst/>
+          </a:prstGeom>
+        </p:spPr>
+        <p:style>
+          <a:lnRef idx="1">
+            <a:schemeClr val="accent3"/>
+          </a:lnRef>
+          <a:fillRef idx="3">
+            <a:schemeClr val="accent3"/>
+          </a:fillRef>
+          <a:effectRef idx="2">
+            <a:schemeClr val="accent3"/>
+          </a:effectRef>
+          <a:fontRef idx="minor">
+            <a:schemeClr val="lt1"/>
+          </a:fontRef>
+        </p:style>
+        <p:txBody>
+          <a:bodyPr rtlCol="0" anchor="ctr"/>
+          <a:lstStyle/>
+          <a:p>
+            <a:pPr algn="ctr"/>
+            <a:endParaRPr lang="zh-CN" altLang="en-US"/>
+          </a:p>
+        </p:txBody>
+      </p:sp>
+      <p:sp>
+        <p:nvSpPr>
+          <p:cNvPr id="13" name="圆角矩形标注 12"/>
+          <p:cNvSpPr/>
+          <p:nvPr/>
+        </p:nvSpPr>
+        <p:spPr>
+          <a:xfrm>
+            <a:off x="1117837" y="4432119"/>
+            <a:ext cx="2882291" cy="432048"/>
+          </a:xfrm>
+          <a:prstGeom prst="wedgeRoundRectCallout">
+            <a:avLst>
+              <a:gd name="adj1" fmla="val -31322"/>
+              <a:gd name="adj2" fmla="val -90534"/>
+              <a:gd name="adj3" fmla="val 16667"/>
+            </a:avLst>
+          </a:prstGeom>
+        </p:spPr>
+        <p:style>
+          <a:lnRef idx="2">
+            <a:schemeClr val="accent5"/>
+          </a:lnRef>
+          <a:fillRef idx="1">
+            <a:schemeClr val="lt1"/>
+          </a:fillRef>
+          <a:effectRef idx="0">
+            <a:schemeClr val="accent5"/>
+          </a:effectRef>
+          <a:fontRef idx="minor">
+            <a:schemeClr val="dk1"/>
+          </a:fontRef>
+        </p:style>
+        <p:txBody>
+          <a:bodyPr rtlCol="0" anchor="ctr"/>
+          <a:lstStyle/>
+          <a:p>
+            <a:pPr algn="ctr"/>
+            <a:r>
+              <a:rPr lang="zh-CN" altLang="en-US" dirty="0" smtClean="0">
+                <a:latin typeface="微软雅黑" pitchFamily="34" charset="-122"/>
+                <a:ea typeface="微软雅黑" pitchFamily="34" charset="-122"/>
+              </a:rPr>
+              <a:t>精确匹配</a:t>
+            </a:r>
+            <a:r>
+              <a:rPr lang="en-US" altLang="zh-CN" dirty="0" smtClean="0">
+                <a:latin typeface="微软雅黑" pitchFamily="34" charset="-122"/>
+                <a:ea typeface="微软雅黑" pitchFamily="34" charset="-122"/>
+              </a:rPr>
+              <a:t>.class</a:t>
+            </a:r>
+            <a:r>
+              <a:rPr lang="zh-CN" altLang="en-US" dirty="0" smtClean="0">
+                <a:latin typeface="微软雅黑" pitchFamily="34" charset="-122"/>
+                <a:ea typeface="微软雅黑" pitchFamily="34" charset="-122"/>
+              </a:rPr>
+              <a:t>，但是没有</a:t>
+            </a:r>
+            <a:endParaRPr lang="zh-CN" altLang="en-US" dirty="0">
+              <a:latin typeface="微软雅黑" pitchFamily="34" charset="-122"/>
+              <a:ea typeface="微软雅黑" pitchFamily="34" charset="-122"/>
+            </a:endParaRPr>
+          </a:p>
+        </p:txBody>
+      </p:sp>
+      <p:sp>
+        <p:nvSpPr>
+          <p:cNvPr id="14" name="圆角矩形标注 13"/>
+          <p:cNvSpPr/>
+          <p:nvPr/>
+        </p:nvSpPr>
+        <p:spPr>
+          <a:xfrm>
+            <a:off x="4860032" y="4745689"/>
+            <a:ext cx="2882291" cy="432048"/>
+          </a:xfrm>
+          <a:prstGeom prst="wedgeRoundRectCallout">
+            <a:avLst>
+              <a:gd name="adj1" fmla="val -31322"/>
+              <a:gd name="adj2" fmla="val -90534"/>
+              <a:gd name="adj3" fmla="val 16667"/>
+            </a:avLst>
+          </a:prstGeom>
+        </p:spPr>
+        <p:style>
+          <a:lnRef idx="2">
+            <a:schemeClr val="accent5"/>
+          </a:lnRef>
+          <a:fillRef idx="1">
+            <a:schemeClr val="lt1"/>
+          </a:fillRef>
+          <a:effectRef idx="0">
+            <a:schemeClr val="accent5"/>
+          </a:effectRef>
+          <a:fontRef idx="minor">
+            <a:schemeClr val="dk1"/>
+          </a:fontRef>
+        </p:style>
+        <p:txBody>
+          <a:bodyPr rtlCol="0" anchor="ctr"/>
+          <a:lstStyle/>
+          <a:p>
+            <a:pPr algn="ctr"/>
+            <a:r>
+              <a:rPr lang="zh-CN" altLang="en-US" dirty="0" smtClean="0">
+                <a:latin typeface="微软雅黑" pitchFamily="34" charset="-122"/>
+                <a:ea typeface="微软雅黑" pitchFamily="34" charset="-122"/>
+              </a:rPr>
+              <a:t>所以没有匹配任何一个</a:t>
+            </a:r>
+            <a:endParaRPr lang="zh-CN" altLang="en-US" dirty="0">
+              <a:latin typeface="微软雅黑" pitchFamily="34" charset="-122"/>
+              <a:ea typeface="微软雅黑" pitchFamily="34" charset="-122"/>
+            </a:endParaRPr>
+          </a:p>
+        </p:txBody>
+      </p:sp>
+    </p:spTree>
+    <p:extLst>
+      <p:ext uri="{BB962C8B-B14F-4D97-AF65-F5344CB8AC3E}">
+        <p14:creationId xmlns:p14="http://schemas.microsoft.com/office/powerpoint/2010/main" val="2789702502"/>
+      </p:ext>
+    </p:extLst>
+  </p:cSld>
+  <p:clrMapOvr>
+    <a:masterClrMapping/>
+  </p:clrMapOvr>
+</p:sld>
+</file>
+
+<file path=ppt/slides/slide11.xml><?xml version="1.0" encoding="utf-8"?>
+<p:sld xmlns:a="http://schemas.openxmlformats.org/drawingml/2006/main" xmlns:r="http://schemas.openxmlformats.org/officeDocument/2006/relationships" xmlns:p="http://schemas.openxmlformats.org/presentationml/2006/main">
+  <p:cSld>
+    <p:spTree>
+      <p:nvGrpSpPr>
+        <p:cNvPr id="1" name=""/>
+        <p:cNvGrpSpPr/>
+        <p:nvPr/>
+      </p:nvGrpSpPr>
+      <p:grpSpPr>
+        <a:xfrm>
+          <a:off x="0" y="0"/>
+          <a:ext cx="0" cy="0"/>
+          <a:chOff x="0" y="0"/>
+          <a:chExt cx="0" cy="0"/>
+        </a:xfrm>
+      </p:grpSpPr>
+      <p:sp>
+        <p:nvSpPr>
+          <p:cNvPr id="5" name="TextBox 1"/>
+          <p:cNvSpPr txBox="1"/>
+          <p:nvPr/>
+        </p:nvSpPr>
+        <p:spPr>
+          <a:xfrm>
+            <a:off x="684000" y="260648"/>
+            <a:ext cx="7776000" cy="581057"/>
+          </a:xfrm>
+          <a:prstGeom prst="rect">
+            <a:avLst/>
+          </a:prstGeom>
+          <a:noFill/>
+        </p:spPr>
+        <p:txBody>
+          <a:bodyPr wrap="square" rtlCol="0">
+            <a:spAutoFit/>
+          </a:bodyPr>
+          <a:lstStyle/>
+          <a:p>
+            <a:pPr marL="342900" indent="-342900">
+              <a:lnSpc>
+                <a:spcPct val="150000"/>
+              </a:lnSpc>
+              <a:buFont typeface="Arial" panose="020B0604020202020204" pitchFamily="34" charset="0"/>
+              <a:buChar char="•"/>
+            </a:pPr>
+            <a:r>
+              <a:rPr lang="zh-CN" altLang="en-US" sz="2400" dirty="0" smtClean="0">
+                <a:solidFill>
+                  <a:schemeClr val="tx1">
+                    <a:lumMod val="75000"/>
+                    <a:lumOff val="25000"/>
+                  </a:schemeClr>
+                </a:solidFill>
+                <a:latin typeface="微软雅黑" pitchFamily="34" charset="-122"/>
+                <a:ea typeface="微软雅黑" pitchFamily="34" charset="-122"/>
+              </a:rPr>
+              <a:t>等价单不相同的</a:t>
+            </a:r>
+            <a:r>
+              <a:rPr lang="en-US" altLang="zh-CN" sz="2400" dirty="0" smtClean="0">
+                <a:solidFill>
+                  <a:schemeClr val="tx1">
+                    <a:lumMod val="75000"/>
+                    <a:lumOff val="25000"/>
+                  </a:schemeClr>
+                </a:solidFill>
+                <a:latin typeface="微软雅黑" pitchFamily="34" charset="-122"/>
+                <a:ea typeface="微软雅黑" pitchFamily="34" charset="-122"/>
+              </a:rPr>
+              <a:t>nth-</a:t>
+            </a:r>
+            <a:r>
+              <a:rPr lang="en-US" altLang="zh-CN" sz="2400" dirty="0" err="1" smtClean="0">
+                <a:solidFill>
+                  <a:schemeClr val="tx1">
+                    <a:lumMod val="75000"/>
+                    <a:lumOff val="25000"/>
+                  </a:schemeClr>
+                </a:solidFill>
+                <a:latin typeface="微软雅黑" pitchFamily="34" charset="-122"/>
+                <a:ea typeface="微软雅黑" pitchFamily="34" charset="-122"/>
+              </a:rPr>
+              <a:t>exp</a:t>
+            </a:r>
+            <a:r>
+              <a:rPr lang="zh-CN" altLang="en-US" sz="2400" dirty="0" smtClean="0">
+                <a:solidFill>
+                  <a:schemeClr val="tx1">
+                    <a:lumMod val="75000"/>
+                    <a:lumOff val="25000"/>
+                  </a:schemeClr>
+                </a:solidFill>
+                <a:latin typeface="微软雅黑" pitchFamily="34" charset="-122"/>
+                <a:ea typeface="微软雅黑" pitchFamily="34" charset="-122"/>
+              </a:rPr>
+              <a:t>也不会匹配</a:t>
+            </a:r>
+            <a:endParaRPr lang="en-US" altLang="zh-CN" sz="2400" dirty="0" smtClean="0">
+              <a:solidFill>
+                <a:schemeClr val="tx1">
+                  <a:lumMod val="75000"/>
+                  <a:lumOff val="25000"/>
+                </a:schemeClr>
+              </a:solidFill>
+              <a:latin typeface="微软雅黑" pitchFamily="34" charset="-122"/>
+              <a:ea typeface="微软雅黑" pitchFamily="34" charset="-122"/>
+            </a:endParaRPr>
+          </a:p>
+        </p:txBody>
+      </p:sp>
+      <p:sp>
+        <p:nvSpPr>
+          <p:cNvPr id="12" name="右箭头 11"/>
+          <p:cNvSpPr/>
+          <p:nvPr/>
+        </p:nvSpPr>
+        <p:spPr>
+          <a:xfrm>
+            <a:off x="4057424" y="1556792"/>
+            <a:ext cx="576064" cy="648072"/>
+          </a:xfrm>
+          <a:prstGeom prst="rightArrow">
+            <a:avLst/>
+          </a:prstGeom>
+        </p:spPr>
+        <p:style>
+          <a:lnRef idx="1">
+            <a:schemeClr val="accent3"/>
+          </a:lnRef>
+          <a:fillRef idx="3">
+            <a:schemeClr val="accent3"/>
+          </a:fillRef>
+          <a:effectRef idx="2">
+            <a:schemeClr val="accent3"/>
+          </a:effectRef>
+          <a:fontRef idx="minor">
+            <a:schemeClr val="lt1"/>
+          </a:fontRef>
+        </p:style>
+        <p:txBody>
+          <a:bodyPr rtlCol="0" anchor="ctr"/>
+          <a:lstStyle/>
+          <a:p>
+            <a:pPr algn="ctr"/>
+            <a:endParaRPr lang="zh-CN" altLang="en-US"/>
+          </a:p>
+        </p:txBody>
+      </p:sp>
+      <p:pic>
+        <p:nvPicPr>
+          <p:cNvPr id="4" name="图片 3" descr="屏幕剪辑"/>
+          <p:cNvPicPr>
+            <a:picLocks noChangeAspect="1"/>
+          </p:cNvPicPr>
+          <p:nvPr/>
+        </p:nvPicPr>
+        <p:blipFill>
+          <a:blip r:embed="rId2">
+            <a:extLst>
+              <a:ext uri="{28A0092B-C50C-407E-A947-70E740481C1C}">
+                <a14:useLocalDpi xmlns:a14="http://schemas.microsoft.com/office/drawing/2010/main" val="0"/>
+              </a:ext>
+            </a:extLst>
+          </a:blip>
+          <a:stretch>
+            <a:fillRect/>
+          </a:stretch>
+        </p:blipFill>
+        <p:spPr>
+          <a:xfrm>
+            <a:off x="827584" y="1124744"/>
+            <a:ext cx="3172544" cy="1706124"/>
+          </a:xfrm>
+          <a:prstGeom prst="rect">
+            <a:avLst/>
+          </a:prstGeom>
+          <a:ln>
+            <a:noFill/>
+          </a:ln>
+          <a:effectLst>
+            <a:outerShdw blurRad="292100" dist="139700" dir="2700000" algn="tl" rotWithShape="0">
+              <a:srgbClr val="333333">
+                <a:alpha val="65000"/>
+              </a:srgbClr>
+            </a:outerShdw>
+          </a:effectLst>
+        </p:spPr>
+      </p:pic>
+      <p:pic>
+        <p:nvPicPr>
+          <p:cNvPr id="6" name="图片 5" descr="屏幕剪辑"/>
+          <p:cNvPicPr>
+            <a:picLocks noChangeAspect="1"/>
+          </p:cNvPicPr>
+          <p:nvPr/>
+        </p:nvPicPr>
+        <p:blipFill>
+          <a:blip r:embed="rId3">
+            <a:extLst>
+              <a:ext uri="{28A0092B-C50C-407E-A947-70E740481C1C}">
+                <a14:useLocalDpi xmlns:a14="http://schemas.microsoft.com/office/drawing/2010/main" val="0"/>
+              </a:ext>
+            </a:extLst>
+          </a:blip>
+          <a:stretch>
+            <a:fillRect/>
+          </a:stretch>
+        </p:blipFill>
+        <p:spPr>
+          <a:xfrm>
+            <a:off x="4690784" y="1124744"/>
+            <a:ext cx="2329488" cy="1727159"/>
+          </a:xfrm>
+          <a:prstGeom prst="rect">
+            <a:avLst/>
+          </a:prstGeom>
+          <a:ln>
+            <a:noFill/>
+          </a:ln>
+          <a:effectLst>
+            <a:outerShdw blurRad="292100" dist="139700" dir="2700000" algn="tl" rotWithShape="0">
+              <a:srgbClr val="333333">
+                <a:alpha val="65000"/>
+              </a:srgbClr>
+            </a:outerShdw>
+          </a:effectLst>
+        </p:spPr>
+      </p:pic>
+    </p:spTree>
+    <p:extLst>
+      <p:ext uri="{BB962C8B-B14F-4D97-AF65-F5344CB8AC3E}">
+        <p14:creationId xmlns:p14="http://schemas.microsoft.com/office/powerpoint/2010/main" val="1658803519"/>
+      </p:ext>
+    </p:extLst>
+  </p:cSld>
+  <p:clrMapOvr>
+    <a:masterClrMapping/>
+  </p:clrMapOvr>
+</p:sld>
+</file>
+
+<file path=ppt/slides/slide12.xml><?xml version="1.0" encoding="utf-8"?>
+<p:sld xmlns:a="http://schemas.openxmlformats.org/drawingml/2006/main" xmlns:r="http://schemas.openxmlformats.org/officeDocument/2006/relationships" xmlns:p="http://schemas.openxmlformats.org/presentationml/2006/main">
+  <p:cSld>
+    <p:spTree>
+      <p:nvGrpSpPr>
+        <p:cNvPr id="1" name=""/>
+        <p:cNvGrpSpPr/>
+        <p:nvPr/>
+      </p:nvGrpSpPr>
+      <p:grpSpPr>
+        <a:xfrm>
+          <a:off x="0" y="0"/>
+          <a:ext cx="0" cy="0"/>
+          <a:chOff x="0" y="0"/>
+          <a:chExt cx="0" cy="0"/>
+        </a:xfrm>
+      </p:grpSpPr>
+      <p:sp>
+        <p:nvSpPr>
+          <p:cNvPr id="2" name="TextBox 1"/>
+          <p:cNvSpPr txBox="1"/>
+          <p:nvPr/>
+        </p:nvSpPr>
+        <p:spPr>
+          <a:xfrm>
+            <a:off x="971600" y="332656"/>
+            <a:ext cx="7776000" cy="581057"/>
+          </a:xfrm>
+          <a:prstGeom prst="rect">
+            <a:avLst/>
+          </a:prstGeom>
+          <a:noFill/>
+        </p:spPr>
+        <p:txBody>
+          <a:bodyPr wrap="square" rtlCol="0">
+            <a:spAutoFit/>
+          </a:bodyPr>
+          <a:lstStyle/>
+          <a:p>
+            <a:pPr marL="342900" indent="-342900">
+              <a:lnSpc>
+                <a:spcPct val="150000"/>
+              </a:lnSpc>
+              <a:buFont typeface="Arial" panose="020B0604020202020204" pitchFamily="34" charset="0"/>
+              <a:buChar char="•"/>
+            </a:pPr>
+            <a:r>
+              <a:rPr lang="zh-CN" altLang="en-US" sz="2400" dirty="0">
+                <a:solidFill>
+                  <a:schemeClr val="tx1">
+                    <a:lumMod val="75000"/>
+                    <a:lumOff val="25000"/>
+                  </a:schemeClr>
+                </a:solidFill>
+                <a:latin typeface="微软雅黑" pitchFamily="34" charset="-122"/>
+                <a:ea typeface="微软雅黑" pitchFamily="34" charset="-122"/>
+              </a:rPr>
+              <a:t>属性选择</a:t>
+            </a:r>
+            <a:r>
+              <a:rPr lang="zh-CN" altLang="en-US" sz="2400" dirty="0" smtClean="0">
+                <a:solidFill>
+                  <a:schemeClr val="tx1">
+                    <a:lumMod val="75000"/>
+                    <a:lumOff val="25000"/>
+                  </a:schemeClr>
+                </a:solidFill>
+                <a:latin typeface="微软雅黑" pitchFamily="34" charset="-122"/>
+                <a:ea typeface="微软雅黑" pitchFamily="34" charset="-122"/>
+              </a:rPr>
+              <a:t>器的引号不影响匹配</a:t>
+            </a:r>
+            <a:endParaRPr lang="en-US" altLang="zh-CN" sz="2400" dirty="0" smtClean="0">
+              <a:solidFill>
+                <a:schemeClr val="tx1">
+                  <a:lumMod val="75000"/>
+                  <a:lumOff val="25000"/>
+                </a:schemeClr>
+              </a:solidFill>
+              <a:latin typeface="微软雅黑" pitchFamily="34" charset="-122"/>
+              <a:ea typeface="微软雅黑" pitchFamily="34" charset="-122"/>
+            </a:endParaRPr>
+          </a:p>
+        </p:txBody>
+      </p:sp>
+      <p:pic>
+        <p:nvPicPr>
+          <p:cNvPr id="3" name="图片 2" descr="屏幕剪辑"/>
+          <p:cNvPicPr>
+            <a:picLocks noChangeAspect="1"/>
+          </p:cNvPicPr>
+          <p:nvPr/>
+        </p:nvPicPr>
+        <p:blipFill>
+          <a:blip r:embed="rId2">
+            <a:extLst>
+              <a:ext uri="{28A0092B-C50C-407E-A947-70E740481C1C}">
+                <a14:useLocalDpi xmlns:a14="http://schemas.microsoft.com/office/drawing/2010/main" val="0"/>
+              </a:ext>
+            </a:extLst>
+          </a:blip>
+          <a:stretch>
+            <a:fillRect/>
+          </a:stretch>
+        </p:blipFill>
+        <p:spPr>
+          <a:xfrm>
+            <a:off x="971600" y="1124745"/>
+            <a:ext cx="3424249" cy="3024336"/>
+          </a:xfrm>
+          <a:prstGeom prst="rect">
+            <a:avLst/>
+          </a:prstGeom>
+          <a:ln>
+            <a:noFill/>
+          </a:ln>
+          <a:effectLst>
+            <a:outerShdw blurRad="292100" dist="139700" dir="2700000" algn="tl" rotWithShape="0">
+              <a:srgbClr val="333333">
+                <a:alpha val="65000"/>
+              </a:srgbClr>
+            </a:outerShdw>
+          </a:effectLst>
+        </p:spPr>
+      </p:pic>
+      <p:pic>
+        <p:nvPicPr>
+          <p:cNvPr id="5" name="图片 4" descr="屏幕剪辑"/>
+          <p:cNvPicPr>
+            <a:picLocks noChangeAspect="1"/>
+          </p:cNvPicPr>
+          <p:nvPr/>
+        </p:nvPicPr>
+        <p:blipFill>
+          <a:blip r:embed="rId3">
+            <a:extLst>
+              <a:ext uri="{28A0092B-C50C-407E-A947-70E740481C1C}">
+                <a14:useLocalDpi xmlns:a14="http://schemas.microsoft.com/office/drawing/2010/main" val="0"/>
+              </a:ext>
+            </a:extLst>
+          </a:blip>
+          <a:stretch>
+            <a:fillRect/>
+          </a:stretch>
+        </p:blipFill>
+        <p:spPr>
+          <a:xfrm>
+            <a:off x="5508104" y="1052736"/>
+            <a:ext cx="1499242" cy="4869160"/>
+          </a:xfrm>
+          <a:prstGeom prst="rect">
+            <a:avLst/>
+          </a:prstGeom>
+          <a:ln>
+            <a:noFill/>
+          </a:ln>
+          <a:effectLst>
+            <a:outerShdw blurRad="292100" dist="139700" dir="2700000" algn="tl" rotWithShape="0">
+              <a:srgbClr val="333333">
+                <a:alpha val="65000"/>
+              </a:srgbClr>
+            </a:outerShdw>
+          </a:effectLst>
+        </p:spPr>
+      </p:pic>
+      <p:sp>
+        <p:nvSpPr>
+          <p:cNvPr id="6" name="右箭头 5"/>
+          <p:cNvSpPr/>
+          <p:nvPr/>
+        </p:nvSpPr>
+        <p:spPr>
+          <a:xfrm>
+            <a:off x="4663944" y="2420888"/>
+            <a:ext cx="576064" cy="648072"/>
+          </a:xfrm>
+          <a:prstGeom prst="rightArrow">
+            <a:avLst/>
+          </a:prstGeom>
+        </p:spPr>
+        <p:style>
+          <a:lnRef idx="1">
+            <a:schemeClr val="accent3"/>
+          </a:lnRef>
+          <a:fillRef idx="3">
+            <a:schemeClr val="accent3"/>
+          </a:fillRef>
+          <a:effectRef idx="2">
+            <a:schemeClr val="accent3"/>
+          </a:effectRef>
+          <a:fontRef idx="minor">
+            <a:schemeClr val="lt1"/>
+          </a:fontRef>
+        </p:style>
+        <p:txBody>
+          <a:bodyPr rtlCol="0" anchor="ctr"/>
+          <a:lstStyle/>
+          <a:p>
+            <a:pPr algn="ctr"/>
+            <a:endParaRPr lang="zh-CN" altLang="en-US"/>
+          </a:p>
+        </p:txBody>
+      </p:sp>
+    </p:spTree>
+    <p:extLst>
+      <p:ext uri="{BB962C8B-B14F-4D97-AF65-F5344CB8AC3E}">
+        <p14:creationId xmlns:p14="http://schemas.microsoft.com/office/powerpoint/2010/main" val="647863178"/>
+      </p:ext>
+    </p:extLst>
+  </p:cSld>
+  <p:clrMapOvr>
+    <a:masterClrMapping/>
+  </p:clrMapOvr>
+</p:sld>
+</file>
+
+<file path=ppt/slides/slide13.xml><?xml version="1.0" encoding="utf-8"?>
+<p:sld xmlns:a="http://schemas.openxmlformats.org/drawingml/2006/main" xmlns:r="http://schemas.openxmlformats.org/officeDocument/2006/relationships" xmlns:p="http://schemas.openxmlformats.org/presentationml/2006/main">
+  <p:cSld>
+    <p:spTree>
+      <p:nvGrpSpPr>
+        <p:cNvPr id="1" name=""/>
+        <p:cNvGrpSpPr/>
+        <p:nvPr/>
+      </p:nvGrpSpPr>
+      <p:grpSpPr>
+        <a:xfrm>
+          <a:off x="0" y="0"/>
+          <a:ext cx="0" cy="0"/>
+          <a:chOff x="0" y="0"/>
+          <a:chExt cx="0" cy="0"/>
+        </a:xfrm>
+      </p:grpSpPr>
+      <p:sp>
+        <p:nvSpPr>
+          <p:cNvPr id="2" name="TextBox 1"/>
+          <p:cNvSpPr txBox="1"/>
+          <p:nvPr/>
+        </p:nvSpPr>
+        <p:spPr>
+          <a:xfrm>
+            <a:off x="971600" y="332656"/>
+            <a:ext cx="7776000" cy="2308324"/>
+          </a:xfrm>
+          <a:prstGeom prst="rect">
+            <a:avLst/>
+          </a:prstGeom>
+          <a:noFill/>
+        </p:spPr>
+        <p:txBody>
+          <a:bodyPr wrap="square" rtlCol="0">
+            <a:spAutoFit/>
+          </a:bodyPr>
+          <a:lstStyle/>
+          <a:p>
+            <a:pPr marL="342900" indent="-342900">
+              <a:lnSpc>
+                <a:spcPct val="150000"/>
+              </a:lnSpc>
+              <a:buFont typeface="Arial" panose="020B0604020202020204" pitchFamily="34" charset="0"/>
+              <a:buChar char="•"/>
+            </a:pPr>
+            <a:r>
+              <a:rPr lang="en-US" altLang="zh-CN" sz="2400" dirty="0" err="1" smtClean="0">
+                <a:solidFill>
+                  <a:schemeClr val="tx1">
+                    <a:lumMod val="75000"/>
+                    <a:lumOff val="25000"/>
+                  </a:schemeClr>
+                </a:solidFill>
+                <a:latin typeface="微软雅黑" pitchFamily="34" charset="-122"/>
+                <a:ea typeface="微软雅黑" pitchFamily="34" charset="-122"/>
+              </a:rPr>
+              <a:t>selector:extend</a:t>
+            </a:r>
+            <a:r>
+              <a:rPr lang="en-US" altLang="zh-CN" sz="2400" dirty="0" smtClean="0">
+                <a:solidFill>
+                  <a:schemeClr val="tx1">
+                    <a:lumMod val="75000"/>
+                    <a:lumOff val="25000"/>
+                  </a:schemeClr>
+                </a:solidFill>
+                <a:latin typeface="微软雅黑" pitchFamily="34" charset="-122"/>
+                <a:ea typeface="微软雅黑" pitchFamily="34" charset="-122"/>
+              </a:rPr>
+              <a:t>(target all) </a:t>
+            </a:r>
+            <a:r>
+              <a:rPr lang="zh-CN" altLang="en-US" sz="2400" dirty="0" smtClean="0">
+                <a:solidFill>
+                  <a:schemeClr val="tx1">
+                    <a:lumMod val="75000"/>
+                    <a:lumOff val="25000"/>
+                  </a:schemeClr>
+                </a:solidFill>
+                <a:latin typeface="微软雅黑" pitchFamily="34" charset="-122"/>
+                <a:ea typeface="微软雅黑" pitchFamily="34" charset="-122"/>
+              </a:rPr>
+              <a:t>参数末尾如果有</a:t>
+            </a:r>
+            <a:r>
+              <a:rPr lang="en-US" altLang="zh-CN" sz="2400" dirty="0" smtClean="0">
+                <a:solidFill>
+                  <a:schemeClr val="tx1">
+                    <a:lumMod val="75000"/>
+                    <a:lumOff val="25000"/>
+                  </a:schemeClr>
+                </a:solidFill>
+                <a:latin typeface="微软雅黑" pitchFamily="34" charset="-122"/>
+                <a:ea typeface="微软雅黑" pitchFamily="34" charset="-122"/>
+              </a:rPr>
+              <a:t>all,</a:t>
+            </a:r>
+            <a:r>
+              <a:rPr lang="zh-CN" altLang="en-US" sz="2400" dirty="0" smtClean="0">
+                <a:solidFill>
+                  <a:schemeClr val="tx1">
+                    <a:lumMod val="75000"/>
+                    <a:lumOff val="25000"/>
+                  </a:schemeClr>
+                </a:solidFill>
+                <a:latin typeface="微软雅黑" pitchFamily="34" charset="-122"/>
+                <a:ea typeface="微软雅黑" pitchFamily="34" charset="-122"/>
+              </a:rPr>
+              <a:t>则</a:t>
+            </a:r>
+            <a:r>
+              <a:rPr lang="zh-CN" altLang="en-US" sz="2400" dirty="0">
+                <a:solidFill>
+                  <a:schemeClr val="tx1">
+                    <a:lumMod val="75000"/>
+                    <a:lumOff val="25000"/>
+                  </a:schemeClr>
+                </a:solidFill>
+                <a:latin typeface="微软雅黑" pitchFamily="34" charset="-122"/>
+                <a:ea typeface="微软雅黑" pitchFamily="34" charset="-122"/>
+              </a:rPr>
+              <a:t>会陪</a:t>
+            </a:r>
+            <a:r>
+              <a:rPr lang="zh-CN" altLang="en-US" sz="2400" dirty="0" smtClean="0">
+                <a:solidFill>
+                  <a:schemeClr val="tx1">
+                    <a:lumMod val="75000"/>
+                    <a:lumOff val="25000"/>
+                  </a:schemeClr>
+                </a:solidFill>
+                <a:latin typeface="微软雅黑" pitchFamily="34" charset="-122"/>
+                <a:ea typeface="微软雅黑" pitchFamily="34" charset="-122"/>
+              </a:rPr>
+              <a:t>配</a:t>
+            </a:r>
+            <a:r>
+              <a:rPr lang="zh-CN" altLang="en-US" sz="2400" dirty="0">
+                <a:solidFill>
+                  <a:schemeClr val="tx1">
+                    <a:lumMod val="75000"/>
+                    <a:lumOff val="25000"/>
+                  </a:schemeClr>
+                </a:solidFill>
+                <a:latin typeface="微软雅黑" pitchFamily="34" charset="-122"/>
+                <a:ea typeface="微软雅黑" pitchFamily="34" charset="-122"/>
+              </a:rPr>
+              <a:t>选择</a:t>
+            </a:r>
+            <a:r>
+              <a:rPr lang="zh-CN" altLang="en-US" sz="2400" dirty="0" smtClean="0">
+                <a:solidFill>
+                  <a:schemeClr val="tx1">
+                    <a:lumMod val="75000"/>
+                    <a:lumOff val="25000"/>
+                  </a:schemeClr>
+                </a:solidFill>
+                <a:latin typeface="微软雅黑" pitchFamily="34" charset="-122"/>
+                <a:ea typeface="微软雅黑" pitchFamily="34" charset="-122"/>
+              </a:rPr>
+              <a:t>器中包含（仅有）</a:t>
+            </a:r>
+            <a:r>
+              <a:rPr lang="en-US" altLang="zh-CN" sz="2400" dirty="0" smtClean="0">
+                <a:solidFill>
+                  <a:schemeClr val="tx1">
+                    <a:lumMod val="75000"/>
+                    <a:lumOff val="25000"/>
+                  </a:schemeClr>
+                </a:solidFill>
+                <a:latin typeface="微软雅黑" pitchFamily="34" charset="-122"/>
+                <a:ea typeface="微软雅黑" pitchFamily="34" charset="-122"/>
+              </a:rPr>
+              <a:t>target</a:t>
+            </a:r>
+            <a:r>
+              <a:rPr lang="zh-CN" altLang="en-US" sz="2400" dirty="0" smtClean="0">
+                <a:solidFill>
+                  <a:schemeClr val="tx1">
+                    <a:lumMod val="75000"/>
+                    <a:lumOff val="25000"/>
+                  </a:schemeClr>
+                </a:solidFill>
+                <a:latin typeface="微软雅黑" pitchFamily="34" charset="-122"/>
+                <a:ea typeface="微软雅黑" pitchFamily="34" charset="-122"/>
+              </a:rPr>
+              <a:t>的样式，同时自身样式中的</a:t>
+            </a:r>
+            <a:r>
+              <a:rPr lang="en-US" altLang="zh-CN" sz="2400" dirty="0" smtClean="0">
+                <a:solidFill>
+                  <a:schemeClr val="tx1">
+                    <a:lumMod val="75000"/>
+                    <a:lumOff val="25000"/>
+                  </a:schemeClr>
+                </a:solidFill>
+                <a:latin typeface="微软雅黑" pitchFamily="34" charset="-122"/>
+                <a:ea typeface="微软雅黑" pitchFamily="34" charset="-122"/>
+              </a:rPr>
+              <a:t>selector</a:t>
+            </a:r>
+            <a:r>
+              <a:rPr lang="zh-CN" altLang="en-US" sz="2400" dirty="0" smtClean="0">
+                <a:solidFill>
+                  <a:schemeClr val="tx1">
+                    <a:lumMod val="75000"/>
+                    <a:lumOff val="25000"/>
+                  </a:schemeClr>
+                </a:solidFill>
+                <a:latin typeface="微软雅黑" pitchFamily="34" charset="-122"/>
+                <a:ea typeface="微软雅黑" pitchFamily="34" charset="-122"/>
+              </a:rPr>
+              <a:t>将替换</a:t>
+            </a:r>
+            <a:r>
+              <a:rPr lang="en-US" altLang="zh-CN" sz="2400" dirty="0" smtClean="0">
+                <a:solidFill>
+                  <a:schemeClr val="tx1">
+                    <a:lumMod val="75000"/>
+                    <a:lumOff val="25000"/>
+                  </a:schemeClr>
+                </a:solidFill>
+                <a:latin typeface="微软雅黑" pitchFamily="34" charset="-122"/>
+                <a:ea typeface="微软雅黑" pitchFamily="34" charset="-122"/>
+              </a:rPr>
+              <a:t>target</a:t>
+            </a:r>
+            <a:r>
+              <a:rPr lang="zh-CN" altLang="en-US" sz="2400" dirty="0" smtClean="0">
+                <a:solidFill>
+                  <a:schemeClr val="tx1">
+                    <a:lumMod val="75000"/>
+                    <a:lumOff val="25000"/>
+                  </a:schemeClr>
+                </a:solidFill>
+                <a:latin typeface="微软雅黑" pitchFamily="34" charset="-122"/>
+                <a:ea typeface="微软雅黑" pitchFamily="34" charset="-122"/>
+              </a:rPr>
+              <a:t>作为新的选择器，共享匹配样式</a:t>
+            </a:r>
+            <a:endParaRPr lang="en-US" altLang="zh-CN" sz="2400" dirty="0" smtClean="0">
+              <a:solidFill>
+                <a:schemeClr val="tx1">
+                  <a:lumMod val="75000"/>
+                  <a:lumOff val="25000"/>
+                </a:schemeClr>
+              </a:solidFill>
+              <a:latin typeface="微软雅黑" pitchFamily="34" charset="-122"/>
+              <a:ea typeface="微软雅黑" pitchFamily="34" charset="-122"/>
+            </a:endParaRPr>
+          </a:p>
+        </p:txBody>
+      </p:sp>
+      <p:pic>
+        <p:nvPicPr>
+          <p:cNvPr id="4" name="图片 3" descr="屏幕剪辑"/>
+          <p:cNvPicPr>
+            <a:picLocks noChangeAspect="1"/>
+          </p:cNvPicPr>
+          <p:nvPr/>
+        </p:nvPicPr>
+        <p:blipFill>
+          <a:blip r:embed="rId2">
+            <a:extLst>
+              <a:ext uri="{28A0092B-C50C-407E-A947-70E740481C1C}">
+                <a14:useLocalDpi xmlns:a14="http://schemas.microsoft.com/office/drawing/2010/main" val="0"/>
+              </a:ext>
+            </a:extLst>
+          </a:blip>
+          <a:stretch>
+            <a:fillRect/>
+          </a:stretch>
+        </p:blipFill>
+        <p:spPr>
+          <a:xfrm>
+            <a:off x="1433059" y="2986066"/>
+            <a:ext cx="2736304" cy="3722290"/>
+          </a:xfrm>
+          <a:prstGeom prst="rect">
+            <a:avLst/>
+          </a:prstGeom>
+          <a:ln>
+            <a:noFill/>
+          </a:ln>
+          <a:effectLst>
+            <a:outerShdw blurRad="292100" dist="139700" dir="2700000" algn="tl" rotWithShape="0">
+              <a:srgbClr val="333333">
+                <a:alpha val="65000"/>
+              </a:srgbClr>
+            </a:outerShdw>
+          </a:effectLst>
+        </p:spPr>
+      </p:pic>
+      <p:pic>
+        <p:nvPicPr>
+          <p:cNvPr id="7" name="图片 6" descr="屏幕剪辑"/>
+          <p:cNvPicPr>
+            <a:picLocks noChangeAspect="1"/>
+          </p:cNvPicPr>
+          <p:nvPr/>
+        </p:nvPicPr>
+        <p:blipFill>
+          <a:blip r:embed="rId3">
+            <a:extLst>
+              <a:ext uri="{28A0092B-C50C-407E-A947-70E740481C1C}">
+                <a14:useLocalDpi xmlns:a14="http://schemas.microsoft.com/office/drawing/2010/main" val="0"/>
+              </a:ext>
+            </a:extLst>
+          </a:blip>
+          <a:stretch>
+            <a:fillRect/>
+          </a:stretch>
+        </p:blipFill>
+        <p:spPr>
+          <a:xfrm>
+            <a:off x="5076056" y="2996952"/>
+            <a:ext cx="2179393" cy="3728439"/>
+          </a:xfrm>
+          <a:prstGeom prst="rect">
+            <a:avLst/>
+          </a:prstGeom>
+          <a:ln>
+            <a:noFill/>
+          </a:ln>
+          <a:effectLst>
+            <a:outerShdw blurRad="292100" dist="139700" dir="2700000" algn="tl" rotWithShape="0">
+              <a:srgbClr val="333333">
+                <a:alpha val="65000"/>
+              </a:srgbClr>
+            </a:outerShdw>
+          </a:effectLst>
+        </p:spPr>
+      </p:pic>
+      <p:pic>
+        <p:nvPicPr>
+          <p:cNvPr id="8" name="图片 7" descr="屏幕剪辑"/>
+          <p:cNvPicPr>
+            <a:picLocks noChangeAspect="1"/>
+          </p:cNvPicPr>
+          <p:nvPr/>
+        </p:nvPicPr>
+        <p:blipFill>
+          <a:blip r:embed="rId4">
+            <a:extLst>
+              <a:ext uri="{28A0092B-C50C-407E-A947-70E740481C1C}">
+                <a14:useLocalDpi xmlns:a14="http://schemas.microsoft.com/office/drawing/2010/main" val="0"/>
+              </a:ext>
+            </a:extLst>
+          </a:blip>
+          <a:stretch>
+            <a:fillRect/>
+          </a:stretch>
+        </p:blipFill>
+        <p:spPr>
+          <a:xfrm>
+            <a:off x="1435521" y="2519765"/>
+            <a:ext cx="4680520" cy="442522"/>
+          </a:xfrm>
+          <a:prstGeom prst="rect">
+            <a:avLst/>
+          </a:prstGeom>
+          <a:ln>
+            <a:noFill/>
+          </a:ln>
+          <a:effectLst>
+            <a:outerShdw blurRad="292100" dist="139700" dir="2700000" algn="tl" rotWithShape="0">
+              <a:srgbClr val="333333">
+                <a:alpha val="65000"/>
+              </a:srgbClr>
+            </a:outerShdw>
+          </a:effectLst>
+        </p:spPr>
+      </p:pic>
+      <p:sp>
+        <p:nvSpPr>
+          <p:cNvPr id="9" name="矩形 8"/>
+          <p:cNvSpPr/>
+          <p:nvPr/>
+        </p:nvSpPr>
+        <p:spPr>
+          <a:xfrm>
+            <a:off x="3667769" y="2561006"/>
+            <a:ext cx="1531321" cy="360040"/>
+          </a:xfrm>
+          <a:prstGeom prst="rect">
+            <a:avLst/>
+          </a:prstGeom>
+          <a:noFill/>
+          <a:ln w="38100">
+            <a:solidFill>
+              <a:srgbClr val="FFFF00"/>
+            </a:solidFill>
+          </a:ln>
+        </p:spPr>
+        <p:style>
+          <a:lnRef idx="2">
+            <a:schemeClr val="accent1">
+              <a:shade val="50000"/>
+            </a:schemeClr>
+          </a:lnRef>
+          <a:fillRef idx="1">
+            <a:schemeClr val="accent1"/>
+          </a:fillRef>
+          <a:effectRef idx="0">
+            <a:schemeClr val="accent1"/>
+          </a:effectRef>
+          <a:fontRef idx="minor">
+            <a:schemeClr val="lt1"/>
+          </a:fontRef>
+        </p:style>
+        <p:txBody>
+          <a:bodyPr rtlCol="0" anchor="ctr"/>
+          <a:lstStyle/>
+          <a:p>
+            <a:pPr algn="ctr"/>
+            <a:endParaRPr lang="zh-CN" altLang="en-US"/>
+          </a:p>
+        </p:txBody>
+      </p:sp>
+      <p:sp>
+        <p:nvSpPr>
+          <p:cNvPr id="10" name="矩形 9"/>
+          <p:cNvSpPr/>
+          <p:nvPr/>
+        </p:nvSpPr>
+        <p:spPr>
+          <a:xfrm>
+            <a:off x="2627784" y="6343791"/>
+            <a:ext cx="1315297" cy="360040"/>
+          </a:xfrm>
+          <a:prstGeom prst="rect">
+            <a:avLst/>
+          </a:prstGeom>
+          <a:noFill/>
+          <a:ln w="38100">
+            <a:solidFill>
+              <a:srgbClr val="FFFF00"/>
+            </a:solidFill>
+          </a:ln>
+        </p:spPr>
+        <p:style>
+          <a:lnRef idx="2">
+            <a:schemeClr val="accent1">
+              <a:shade val="50000"/>
+            </a:schemeClr>
+          </a:lnRef>
+          <a:fillRef idx="1">
+            <a:schemeClr val="accent1"/>
+          </a:fillRef>
+          <a:effectRef idx="0">
+            <a:schemeClr val="accent1"/>
+          </a:effectRef>
+          <a:fontRef idx="minor">
+            <a:schemeClr val="lt1"/>
+          </a:fontRef>
+        </p:style>
+        <p:txBody>
+          <a:bodyPr rtlCol="0" anchor="ctr"/>
+          <a:lstStyle/>
+          <a:p>
+            <a:pPr algn="ctr"/>
+            <a:endParaRPr lang="zh-CN" altLang="en-US"/>
+          </a:p>
+        </p:txBody>
+      </p:sp>
+      <p:sp>
+        <p:nvSpPr>
+          <p:cNvPr id="11" name="矩形 10"/>
+          <p:cNvSpPr/>
+          <p:nvPr/>
+        </p:nvSpPr>
+        <p:spPr>
+          <a:xfrm>
+            <a:off x="5067672" y="4840074"/>
+            <a:ext cx="1016496" cy="275198"/>
+          </a:xfrm>
+          <a:prstGeom prst="rect">
+            <a:avLst/>
+          </a:prstGeom>
+          <a:noFill/>
+          <a:ln w="38100">
+            <a:solidFill>
+              <a:srgbClr val="FFFF00"/>
+            </a:solidFill>
+          </a:ln>
+        </p:spPr>
+        <p:style>
+          <a:lnRef idx="2">
+            <a:schemeClr val="accent1">
+              <a:shade val="50000"/>
+            </a:schemeClr>
+          </a:lnRef>
+          <a:fillRef idx="1">
+            <a:schemeClr val="accent1"/>
+          </a:fillRef>
+          <a:effectRef idx="0">
+            <a:schemeClr val="accent1"/>
+          </a:effectRef>
+          <a:fontRef idx="minor">
+            <a:schemeClr val="lt1"/>
+          </a:fontRef>
+        </p:style>
+        <p:txBody>
+          <a:bodyPr rtlCol="0" anchor="ctr"/>
+          <a:lstStyle/>
+          <a:p>
+            <a:pPr algn="ctr"/>
+            <a:endParaRPr lang="zh-CN" altLang="en-US"/>
+          </a:p>
+        </p:txBody>
+      </p:sp>
+      <p:sp>
+        <p:nvSpPr>
+          <p:cNvPr id="12" name="矩形 11"/>
+          <p:cNvSpPr/>
+          <p:nvPr/>
+        </p:nvSpPr>
+        <p:spPr>
+          <a:xfrm>
+            <a:off x="5067672" y="5911743"/>
+            <a:ext cx="1592560" cy="275198"/>
+          </a:xfrm>
+          <a:prstGeom prst="rect">
+            <a:avLst/>
+          </a:prstGeom>
+          <a:noFill/>
+          <a:ln w="38100">
+            <a:solidFill>
+              <a:srgbClr val="FFFF00"/>
+            </a:solidFill>
+          </a:ln>
+        </p:spPr>
+        <p:style>
+          <a:lnRef idx="2">
+            <a:schemeClr val="accent1">
+              <a:shade val="50000"/>
+            </a:schemeClr>
+          </a:lnRef>
+          <a:fillRef idx="1">
+            <a:schemeClr val="accent1"/>
+          </a:fillRef>
+          <a:effectRef idx="0">
+            <a:schemeClr val="accent1"/>
+          </a:effectRef>
+          <a:fontRef idx="minor">
+            <a:schemeClr val="lt1"/>
+          </a:fontRef>
+        </p:style>
+        <p:txBody>
+          <a:bodyPr rtlCol="0" anchor="ctr"/>
+          <a:lstStyle/>
+          <a:p>
+            <a:pPr algn="ctr"/>
+            <a:endParaRPr lang="zh-CN" altLang="en-US"/>
+          </a:p>
+        </p:txBody>
+      </p:sp>
+      <p:sp>
+        <p:nvSpPr>
+          <p:cNvPr id="13" name="矩形 12"/>
+          <p:cNvSpPr/>
+          <p:nvPr/>
+        </p:nvSpPr>
+        <p:spPr>
+          <a:xfrm>
+            <a:off x="5067672" y="3245080"/>
+            <a:ext cx="872480" cy="275198"/>
+          </a:xfrm>
+          <a:prstGeom prst="rect">
+            <a:avLst/>
+          </a:prstGeom>
+          <a:noFill/>
+          <a:ln w="38100">
+            <a:solidFill>
+              <a:srgbClr val="FFFF00"/>
+            </a:solidFill>
+          </a:ln>
+        </p:spPr>
+        <p:style>
+          <a:lnRef idx="2">
+            <a:schemeClr val="accent1">
+              <a:shade val="50000"/>
+            </a:schemeClr>
+          </a:lnRef>
+          <a:fillRef idx="1">
+            <a:schemeClr val="accent1"/>
+          </a:fillRef>
+          <a:effectRef idx="0">
+            <a:schemeClr val="accent1"/>
+          </a:effectRef>
+          <a:fontRef idx="minor">
+            <a:schemeClr val="lt1"/>
+          </a:fontRef>
+        </p:style>
+        <p:txBody>
+          <a:bodyPr rtlCol="0" anchor="ctr"/>
+          <a:lstStyle/>
+          <a:p>
+            <a:pPr algn="ctr"/>
+            <a:endParaRPr lang="zh-CN" altLang="en-US"/>
+          </a:p>
+        </p:txBody>
+      </p:sp>
+      <p:sp>
+        <p:nvSpPr>
+          <p:cNvPr id="14" name="右箭头 13"/>
+          <p:cNvSpPr/>
+          <p:nvPr/>
+        </p:nvSpPr>
+        <p:spPr>
+          <a:xfrm>
+            <a:off x="4334677" y="4537135"/>
+            <a:ext cx="576064" cy="648072"/>
+          </a:xfrm>
+          <a:prstGeom prst="rightArrow">
+            <a:avLst/>
+          </a:prstGeom>
+        </p:spPr>
+        <p:style>
+          <a:lnRef idx="1">
+            <a:schemeClr val="accent3"/>
+          </a:lnRef>
+          <a:fillRef idx="3">
+            <a:schemeClr val="accent3"/>
+          </a:fillRef>
+          <a:effectRef idx="2">
+            <a:schemeClr val="accent3"/>
+          </a:effectRef>
+          <a:fontRef idx="minor">
+            <a:schemeClr val="lt1"/>
+          </a:fontRef>
+        </p:style>
+        <p:txBody>
+          <a:bodyPr rtlCol="0" anchor="ctr"/>
+          <a:lstStyle/>
+          <a:p>
+            <a:pPr algn="ctr"/>
+            <a:endParaRPr lang="zh-CN" altLang="en-US"/>
+          </a:p>
+        </p:txBody>
+      </p:sp>
+    </p:spTree>
+    <p:extLst>
+      <p:ext uri="{BB962C8B-B14F-4D97-AF65-F5344CB8AC3E}">
+        <p14:creationId xmlns:p14="http://schemas.microsoft.com/office/powerpoint/2010/main" val="7593446"/>
+      </p:ext>
+    </p:extLst>
+  </p:cSld>
+  <p:clrMapOvr>
+    <a:masterClrMapping/>
+  </p:clrMapOvr>
+</p:sld>
+</file>
+
 <file path=ppt/slides/slide2.xml><?xml version="1.0" encoding="utf-8"?>
 <p:sld xmlns:a="http://schemas.openxmlformats.org/drawingml/2006/main" xmlns:r="http://schemas.openxmlformats.org/officeDocument/2006/relationships" xmlns:p="http://schemas.openxmlformats.org/presentationml/2006/main">
   <p:cSld>
@@ -3981,16 +5414,6 @@
               </a:rPr>
               <a:t>name+_:  value;</a:t>
             </a:r>
-            <a:endParaRPr lang="en-US" altLang="zh-CN" sz="2400" b="1" dirty="0" smtClean="0">
-              <a:solidFill>
-                <a:schemeClr val="tx1">
-                  <a:lumMod val="75000"/>
-                  <a:lumOff val="25000"/>
-                </a:schemeClr>
-              </a:solidFill>
-              <a:latin typeface="微软雅黑" pitchFamily="34" charset="-122"/>
-              <a:ea typeface="微软雅黑" pitchFamily="34" charset="-122"/>
-            </a:endParaRPr>
           </a:p>
         </p:txBody>
       </p:sp>
@@ -5452,20 +6875,7 @@
                 <a:latin typeface="微软雅黑" pitchFamily="34" charset="-122"/>
                 <a:ea typeface="微软雅黑" pitchFamily="34" charset="-122"/>
               </a:rPr>
-              <a:t>e</a:t>
-            </a:r>
-            <a:r>
-              <a:rPr lang="en-US" altLang="zh-CN" sz="2400" dirty="0" smtClean="0">
-                <a:solidFill>
-                  <a:schemeClr val="tx1">
-                    <a:lumMod val="75000"/>
-                    <a:lumOff val="25000"/>
-                  </a:schemeClr>
-                </a:solidFill>
-                <a:latin typeface="微软雅黑" pitchFamily="34" charset="-122"/>
-                <a:ea typeface="微软雅黑" pitchFamily="34" charset="-122"/>
-              </a:rPr>
-              <a:t>xtend() </a:t>
+              <a:t>extend() </a:t>
             </a:r>
             <a:r>
               <a:rPr lang="zh-CN" altLang="en-US" sz="2400" dirty="0" smtClean="0">
@@ -5679,6 +7089,829 @@
     <p:extLst>
       <p:ext uri="{BB962C8B-B14F-4D97-AF65-F5344CB8AC3E}">
         <p14:creationId xmlns:p14="http://schemas.microsoft.com/office/powerpoint/2010/main" val="4120724759"/>
+      </p:ext>
+    </p:extLst>
+  </p:cSld>
+  <p:clrMapOvr>
+    <a:masterClrMapping/>
+  </p:clrMapOvr>
+</p:sld>
+</file>
+
+<file path=ppt/slides/slide8.xml><?xml version="1.0" encoding="utf-8"?>
+<p:sld xmlns:a="http://schemas.openxmlformats.org/drawingml/2006/main" xmlns:r="http://schemas.openxmlformats.org/officeDocument/2006/relationships" xmlns:p="http://schemas.openxmlformats.org/presentationml/2006/main">
+  <p:cSld>
+    <p:spTree>
+      <p:nvGrpSpPr>
+        <p:cNvPr id="1" name=""/>
+        <p:cNvGrpSpPr/>
+        <p:nvPr/>
+      </p:nvGrpSpPr>
+      <p:grpSpPr>
+        <a:xfrm>
+          <a:off x="0" y="0"/>
+          <a:ext cx="0" cy="0"/>
+          <a:chOff x="0" y="0"/>
+          <a:chExt cx="0" cy="0"/>
+        </a:xfrm>
+      </p:grpSpPr>
+      <p:sp>
+        <p:nvSpPr>
+          <p:cNvPr id="2" name="TextBox 1"/>
+          <p:cNvSpPr txBox="1"/>
+          <p:nvPr/>
+        </p:nvSpPr>
+        <p:spPr>
+          <a:xfrm>
+            <a:off x="684000" y="260648"/>
+            <a:ext cx="7776000" cy="4524315"/>
+          </a:xfrm>
+          <a:prstGeom prst="rect">
+            <a:avLst/>
+          </a:prstGeom>
+          <a:noFill/>
+        </p:spPr>
+        <p:txBody>
+          <a:bodyPr wrap="square" rtlCol="0">
+            <a:spAutoFit/>
+          </a:bodyPr>
+          <a:lstStyle/>
+          <a:p>
+            <a:pPr>
+              <a:lnSpc>
+                <a:spcPct val="150000"/>
+              </a:lnSpc>
+            </a:pPr>
+            <a:r>
+              <a:rPr lang="en-US" altLang="zh-CN" sz="2400" dirty="0" smtClean="0">
+                <a:solidFill>
+                  <a:schemeClr val="tx1">
+                    <a:lumMod val="75000"/>
+                    <a:lumOff val="25000"/>
+                  </a:schemeClr>
+                </a:solidFill>
+                <a:latin typeface="微软雅黑" pitchFamily="34" charset="-122"/>
+                <a:ea typeface="微软雅黑" pitchFamily="34" charset="-122"/>
+              </a:rPr>
+              <a:t>:extend()</a:t>
+            </a:r>
+            <a:r>
+              <a:rPr lang="zh-CN" altLang="en-US" sz="2400" dirty="0" smtClean="0">
+                <a:solidFill>
+                  <a:schemeClr val="tx1">
+                    <a:lumMod val="75000"/>
+                    <a:lumOff val="25000"/>
+                  </a:schemeClr>
+                </a:solidFill>
+                <a:latin typeface="微软雅黑" pitchFamily="34" charset="-122"/>
+                <a:ea typeface="微软雅黑" pitchFamily="34" charset="-122"/>
+              </a:rPr>
+              <a:t>伪类的书写</a:t>
+            </a:r>
+            <a:r>
+              <a:rPr lang="zh-CN" altLang="en-US" sz="2400" dirty="0">
+                <a:solidFill>
+                  <a:schemeClr val="tx1">
+                    <a:lumMod val="75000"/>
+                    <a:lumOff val="25000"/>
+                  </a:schemeClr>
+                </a:solidFill>
+                <a:latin typeface="微软雅黑" pitchFamily="34" charset="-122"/>
+                <a:ea typeface="微软雅黑" pitchFamily="34" charset="-122"/>
+              </a:rPr>
+              <a:t>规则</a:t>
+            </a:r>
+            <a:endParaRPr lang="en-US" altLang="zh-CN" sz="2400" dirty="0" smtClean="0">
+              <a:solidFill>
+                <a:schemeClr val="tx1">
+                  <a:lumMod val="75000"/>
+                  <a:lumOff val="25000"/>
+                </a:schemeClr>
+              </a:solidFill>
+              <a:latin typeface="微软雅黑" pitchFamily="34" charset="-122"/>
+              <a:ea typeface="微软雅黑" pitchFamily="34" charset="-122"/>
+            </a:endParaRPr>
+          </a:p>
+          <a:p>
+            <a:pPr marL="342900" indent="-342900">
+              <a:lnSpc>
+                <a:spcPct val="150000"/>
+              </a:lnSpc>
+              <a:buFont typeface="Arial" panose="020B0604020202020204" pitchFamily="34" charset="0"/>
+              <a:buChar char="•"/>
+            </a:pPr>
+            <a:r>
+              <a:rPr lang="zh-CN" altLang="en-US" sz="2400" dirty="0" smtClean="0">
+                <a:solidFill>
+                  <a:schemeClr val="tx1">
+                    <a:lumMod val="75000"/>
+                    <a:lumOff val="25000"/>
+                  </a:schemeClr>
+                </a:solidFill>
+                <a:latin typeface="微软雅黑" pitchFamily="34" charset="-122"/>
+                <a:ea typeface="微软雅黑" pitchFamily="34" charset="-122"/>
+              </a:rPr>
+              <a:t>必须放在选择器的最后，</a:t>
+            </a:r>
+            <a:r>
+              <a:rPr lang="en-US" altLang="zh-CN" sz="2400" dirty="0" err="1" smtClean="0">
+                <a:solidFill>
+                  <a:schemeClr val="tx1">
+                    <a:lumMod val="75000"/>
+                    <a:lumOff val="25000"/>
+                  </a:schemeClr>
+                </a:solidFill>
+                <a:latin typeface="微软雅黑" pitchFamily="34" charset="-122"/>
+                <a:ea typeface="微软雅黑" pitchFamily="34" charset="-122"/>
+              </a:rPr>
+              <a:t>pre:hover:extend</a:t>
+            </a:r>
+            <a:r>
+              <a:rPr lang="en-US" altLang="zh-CN" sz="2400" dirty="0" smtClean="0">
+                <a:solidFill>
+                  <a:schemeClr val="tx1">
+                    <a:lumMod val="75000"/>
+                    <a:lumOff val="25000"/>
+                  </a:schemeClr>
+                </a:solidFill>
+                <a:latin typeface="微软雅黑" pitchFamily="34" charset="-122"/>
+                <a:ea typeface="微软雅黑" pitchFamily="34" charset="-122"/>
+              </a:rPr>
+              <a:t>(div pre)</a:t>
+            </a:r>
+          </a:p>
+          <a:p>
+            <a:pPr marL="342900" indent="-342900">
+              <a:lnSpc>
+                <a:spcPct val="150000"/>
+              </a:lnSpc>
+              <a:buFont typeface="Arial" panose="020B0604020202020204" pitchFamily="34" charset="0"/>
+              <a:buChar char="•"/>
+            </a:pPr>
+            <a:r>
+              <a:rPr lang="en-US" altLang="zh-CN" sz="2400" dirty="0" smtClean="0">
+                <a:solidFill>
+                  <a:schemeClr val="tx1">
+                    <a:lumMod val="75000"/>
+                    <a:lumOff val="25000"/>
+                  </a:schemeClr>
+                </a:solidFill>
+                <a:latin typeface="微软雅黑" pitchFamily="34" charset="-122"/>
+                <a:ea typeface="微软雅黑" pitchFamily="34" charset="-122"/>
+              </a:rPr>
+              <a:t>Extend</a:t>
+            </a:r>
+            <a:r>
+              <a:rPr lang="zh-CN" altLang="en-US" sz="2400" dirty="0" smtClean="0">
+                <a:solidFill>
+                  <a:schemeClr val="tx1">
+                    <a:lumMod val="75000"/>
+                    <a:lumOff val="25000"/>
+                  </a:schemeClr>
+                </a:solidFill>
+                <a:latin typeface="微软雅黑" pitchFamily="34" charset="-122"/>
+                <a:ea typeface="微软雅黑" pitchFamily="34" charset="-122"/>
+              </a:rPr>
+              <a:t>和</a:t>
+            </a:r>
+            <a:r>
+              <a:rPr lang="zh-CN" altLang="en-US" sz="2400" dirty="0">
+                <a:solidFill>
+                  <a:schemeClr val="tx1">
+                    <a:lumMod val="75000"/>
+                    <a:lumOff val="25000"/>
+                  </a:schemeClr>
+                </a:solidFill>
+                <a:latin typeface="微软雅黑" pitchFamily="34" charset="-122"/>
+                <a:ea typeface="微软雅黑" pitchFamily="34" charset="-122"/>
+              </a:rPr>
+              <a:t>选择</a:t>
+            </a:r>
+            <a:r>
+              <a:rPr lang="zh-CN" altLang="en-US" sz="2400" dirty="0" smtClean="0">
+                <a:solidFill>
+                  <a:schemeClr val="tx1">
+                    <a:lumMod val="75000"/>
+                    <a:lumOff val="25000"/>
+                  </a:schemeClr>
+                </a:solidFill>
+                <a:latin typeface="微软雅黑" pitchFamily="34" charset="-122"/>
+                <a:ea typeface="微软雅黑" pitchFamily="34" charset="-122"/>
+              </a:rPr>
+              <a:t>器之间有空格是允许的</a:t>
+            </a:r>
+            <a:endParaRPr lang="en-US" altLang="zh-CN" sz="2400" dirty="0" smtClean="0">
+              <a:solidFill>
+                <a:schemeClr val="tx1">
+                  <a:lumMod val="75000"/>
+                  <a:lumOff val="25000"/>
+                </a:schemeClr>
+              </a:solidFill>
+              <a:latin typeface="微软雅黑" pitchFamily="34" charset="-122"/>
+              <a:ea typeface="微软雅黑" pitchFamily="34" charset="-122"/>
+            </a:endParaRPr>
+          </a:p>
+          <a:p>
+            <a:pPr>
+              <a:lnSpc>
+                <a:spcPct val="150000"/>
+              </a:lnSpc>
+            </a:pPr>
+            <a:r>
+              <a:rPr lang="en-US" altLang="zh-CN" sz="2400" dirty="0">
+                <a:solidFill>
+                  <a:schemeClr val="tx1">
+                    <a:lumMod val="75000"/>
+                    <a:lumOff val="25000"/>
+                  </a:schemeClr>
+                </a:solidFill>
+                <a:latin typeface="微软雅黑" pitchFamily="34" charset="-122"/>
+                <a:ea typeface="微软雅黑" pitchFamily="34" charset="-122"/>
+              </a:rPr>
+              <a:t>	</a:t>
+            </a:r>
+            <a:r>
+              <a:rPr lang="en-US" altLang="zh-CN" sz="2400" dirty="0" err="1" smtClean="0">
+                <a:solidFill>
+                  <a:schemeClr val="tx1">
+                    <a:lumMod val="75000"/>
+                    <a:lumOff val="25000"/>
+                  </a:schemeClr>
+                </a:solidFill>
+                <a:latin typeface="微软雅黑" pitchFamily="34" charset="-122"/>
+                <a:ea typeface="微软雅黑" pitchFamily="34" charset="-122"/>
+              </a:rPr>
+              <a:t>pre:hover</a:t>
+            </a:r>
+            <a:r>
+              <a:rPr lang="en-US" altLang="zh-CN" sz="2400" dirty="0" smtClean="0">
+                <a:solidFill>
+                  <a:schemeClr val="tx1">
+                    <a:lumMod val="75000"/>
+                    <a:lumOff val="25000"/>
+                  </a:schemeClr>
+                </a:solidFill>
+                <a:latin typeface="微软雅黑" pitchFamily="34" charset="-122"/>
+                <a:ea typeface="微软雅黑" pitchFamily="34" charset="-122"/>
+              </a:rPr>
+              <a:t>    :extend(div pre)</a:t>
+            </a:r>
+          </a:p>
+          <a:p>
+            <a:pPr marL="342900" indent="-342900">
+              <a:lnSpc>
+                <a:spcPct val="150000"/>
+              </a:lnSpc>
+              <a:buFont typeface="Arial" panose="020B0604020202020204" pitchFamily="34" charset="0"/>
+              <a:buChar char="•"/>
+            </a:pPr>
+            <a:r>
+              <a:rPr lang="zh-CN" altLang="en-US" sz="2400" dirty="0">
+                <a:solidFill>
+                  <a:schemeClr val="tx1">
+                    <a:lumMod val="75000"/>
+                    <a:lumOff val="25000"/>
+                  </a:schemeClr>
+                </a:solidFill>
+                <a:latin typeface="微软雅黑" pitchFamily="34" charset="-122"/>
+                <a:ea typeface="微软雅黑" pitchFamily="34" charset="-122"/>
+              </a:rPr>
+              <a:t>放</a:t>
+            </a:r>
+            <a:r>
+              <a:rPr lang="zh-CN" altLang="en-US" sz="2400" dirty="0" smtClean="0">
+                <a:solidFill>
+                  <a:schemeClr val="tx1">
+                    <a:lumMod val="75000"/>
+                    <a:lumOff val="25000"/>
+                  </a:schemeClr>
+                </a:solidFill>
+                <a:latin typeface="微软雅黑" pitchFamily="34" charset="-122"/>
+                <a:ea typeface="微软雅黑" pitchFamily="34" charset="-122"/>
+              </a:rPr>
+              <a:t>在选择器内部，表示对每个选择应用伪类</a:t>
+            </a:r>
+            <a:r>
+              <a:rPr lang="en-US" altLang="zh-CN" sz="2400" dirty="0" smtClean="0">
+                <a:solidFill>
+                  <a:schemeClr val="tx1">
+                    <a:lumMod val="75000"/>
+                    <a:lumOff val="25000"/>
+                  </a:schemeClr>
+                </a:solidFill>
+                <a:latin typeface="微软雅黑" pitchFamily="34" charset="-122"/>
+                <a:ea typeface="微软雅黑" pitchFamily="34" charset="-122"/>
+              </a:rPr>
+              <a:t>. </a:t>
+            </a:r>
+            <a:r>
+              <a:rPr lang="zh-CN" altLang="en-US" sz="2400" dirty="0" smtClean="0">
+                <a:solidFill>
+                  <a:schemeClr val="tx1">
+                    <a:lumMod val="75000"/>
+                    <a:lumOff val="25000"/>
+                  </a:schemeClr>
+                </a:solidFill>
+                <a:latin typeface="微软雅黑" pitchFamily="34" charset="-122"/>
+                <a:ea typeface="微软雅黑" pitchFamily="34" charset="-122"/>
+              </a:rPr>
+              <a:t>如下：</a:t>
+            </a:r>
+            <a:endParaRPr lang="en-US" altLang="zh-CN" sz="2400" dirty="0" smtClean="0">
+              <a:solidFill>
+                <a:schemeClr val="tx1">
+                  <a:lumMod val="75000"/>
+                  <a:lumOff val="25000"/>
+                </a:schemeClr>
+              </a:solidFill>
+              <a:latin typeface="微软雅黑" pitchFamily="34" charset="-122"/>
+              <a:ea typeface="微软雅黑" pitchFamily="34" charset="-122"/>
+            </a:endParaRPr>
+          </a:p>
+          <a:p>
+            <a:pPr>
+              <a:lnSpc>
+                <a:spcPct val="150000"/>
+              </a:lnSpc>
+            </a:pPr>
+            <a:endParaRPr lang="en-US" altLang="zh-CN" sz="2400" dirty="0">
+              <a:solidFill>
+                <a:schemeClr val="tx1">
+                  <a:lumMod val="75000"/>
+                  <a:lumOff val="25000"/>
+                </a:schemeClr>
+              </a:solidFill>
+              <a:latin typeface="微软雅黑" pitchFamily="34" charset="-122"/>
+              <a:ea typeface="微软雅黑" pitchFamily="34" charset="-122"/>
+            </a:endParaRPr>
+          </a:p>
+          <a:p>
+            <a:pPr marL="342900" indent="-342900">
+              <a:lnSpc>
+                <a:spcPct val="150000"/>
+              </a:lnSpc>
+              <a:buFont typeface="Arial" panose="020B0604020202020204" pitchFamily="34" charset="0"/>
+              <a:buChar char="•"/>
+            </a:pPr>
+            <a:endParaRPr lang="en-US" altLang="zh-CN" sz="2400" dirty="0" smtClean="0">
+              <a:solidFill>
+                <a:schemeClr val="tx1">
+                  <a:lumMod val="75000"/>
+                  <a:lumOff val="25000"/>
+                </a:schemeClr>
+              </a:solidFill>
+              <a:latin typeface="微软雅黑" pitchFamily="34" charset="-122"/>
+              <a:ea typeface="微软雅黑" pitchFamily="34" charset="-122"/>
+            </a:endParaRPr>
+          </a:p>
+          <a:p>
+            <a:pPr>
+              <a:lnSpc>
+                <a:spcPct val="150000"/>
+              </a:lnSpc>
+            </a:pPr>
+            <a:endParaRPr lang="en-US" altLang="zh-CN" sz="2400" dirty="0" smtClean="0">
+              <a:solidFill>
+                <a:schemeClr val="tx1">
+                  <a:lumMod val="75000"/>
+                  <a:lumOff val="25000"/>
+                </a:schemeClr>
+              </a:solidFill>
+              <a:latin typeface="微软雅黑" pitchFamily="34" charset="-122"/>
+              <a:ea typeface="微软雅黑" pitchFamily="34" charset="-122"/>
+            </a:endParaRPr>
+          </a:p>
+        </p:txBody>
+      </p:sp>
+      <p:pic>
+        <p:nvPicPr>
+          <p:cNvPr id="5" name="图片 4" descr="屏幕剪辑"/>
+          <p:cNvPicPr>
+            <a:picLocks noChangeAspect="1"/>
+          </p:cNvPicPr>
+          <p:nvPr/>
+        </p:nvPicPr>
+        <p:blipFill>
+          <a:blip r:embed="rId2">
+            <a:extLst>
+              <a:ext uri="{28A0092B-C50C-407E-A947-70E740481C1C}">
+                <a14:useLocalDpi xmlns:a14="http://schemas.microsoft.com/office/drawing/2010/main" val="0"/>
+              </a:ext>
+            </a:extLst>
+          </a:blip>
+          <a:stretch>
+            <a:fillRect/>
+          </a:stretch>
+        </p:blipFill>
+        <p:spPr>
+          <a:xfrm>
+            <a:off x="4860464" y="3336019"/>
+            <a:ext cx="3528824" cy="2946396"/>
+          </a:xfrm>
+          <a:prstGeom prst="rect">
+            <a:avLst/>
+          </a:prstGeom>
+          <a:ln>
+            <a:noFill/>
+          </a:ln>
+          <a:effectLst>
+            <a:outerShdw blurRad="292100" dist="139700" dir="2700000" algn="tl" rotWithShape="0">
+              <a:srgbClr val="333333">
+                <a:alpha val="65000"/>
+              </a:srgbClr>
+            </a:outerShdw>
+          </a:effectLst>
+        </p:spPr>
+      </p:pic>
+      <p:pic>
+        <p:nvPicPr>
+          <p:cNvPr id="6" name="图片 5" descr="屏幕剪辑"/>
+          <p:cNvPicPr>
+            <a:picLocks noChangeAspect="1"/>
+          </p:cNvPicPr>
+          <p:nvPr/>
+        </p:nvPicPr>
+        <p:blipFill>
+          <a:blip r:embed="rId3">
+            <a:extLst>
+              <a:ext uri="{28A0092B-C50C-407E-A947-70E740481C1C}">
+                <a14:useLocalDpi xmlns:a14="http://schemas.microsoft.com/office/drawing/2010/main" val="0"/>
+              </a:ext>
+            </a:extLst>
+          </a:blip>
+          <a:stretch>
+            <a:fillRect/>
+          </a:stretch>
+        </p:blipFill>
+        <p:spPr>
+          <a:xfrm>
+            <a:off x="755576" y="3053030"/>
+            <a:ext cx="3815992" cy="3591961"/>
+          </a:xfrm>
+          <a:prstGeom prst="rect">
+            <a:avLst/>
+          </a:prstGeom>
+          <a:ln>
+            <a:noFill/>
+          </a:ln>
+          <a:effectLst>
+            <a:outerShdw blurRad="292100" dist="139700" dir="2700000" algn="tl" rotWithShape="0">
+              <a:srgbClr val="333333">
+                <a:alpha val="65000"/>
+              </a:srgbClr>
+            </a:outerShdw>
+          </a:effectLst>
+        </p:spPr>
+      </p:pic>
+      <p:sp>
+        <p:nvSpPr>
+          <p:cNvPr id="7" name="右箭头 6"/>
+          <p:cNvSpPr/>
+          <p:nvPr/>
+        </p:nvSpPr>
+        <p:spPr>
+          <a:xfrm>
+            <a:off x="4284400" y="4849011"/>
+            <a:ext cx="576064" cy="648072"/>
+          </a:xfrm>
+          <a:prstGeom prst="rightArrow">
+            <a:avLst/>
+          </a:prstGeom>
+        </p:spPr>
+        <p:style>
+          <a:lnRef idx="1">
+            <a:schemeClr val="accent3"/>
+          </a:lnRef>
+          <a:fillRef idx="3">
+            <a:schemeClr val="accent3"/>
+          </a:fillRef>
+          <a:effectRef idx="2">
+            <a:schemeClr val="accent3"/>
+          </a:effectRef>
+          <a:fontRef idx="minor">
+            <a:schemeClr val="lt1"/>
+          </a:fontRef>
+        </p:style>
+        <p:txBody>
+          <a:bodyPr rtlCol="0" anchor="ctr"/>
+          <a:lstStyle/>
+          <a:p>
+            <a:pPr algn="ctr"/>
+            <a:endParaRPr lang="zh-CN" altLang="en-US"/>
+          </a:p>
+        </p:txBody>
+      </p:sp>
+    </p:spTree>
+    <p:extLst>
+      <p:ext uri="{BB962C8B-B14F-4D97-AF65-F5344CB8AC3E}">
+        <p14:creationId xmlns:p14="http://schemas.microsoft.com/office/powerpoint/2010/main" val="1216427076"/>
+      </p:ext>
+    </p:extLst>
+  </p:cSld>
+  <p:clrMapOvr>
+    <a:masterClrMapping/>
+  </p:clrMapOvr>
+</p:sld>
+</file>
+
+<file path=ppt/slides/slide9.xml><?xml version="1.0" encoding="utf-8"?>
+<p:sld xmlns:a="http://schemas.openxmlformats.org/drawingml/2006/main" xmlns:r="http://schemas.openxmlformats.org/officeDocument/2006/relationships" xmlns:p="http://schemas.openxmlformats.org/presentationml/2006/main">
+  <p:cSld>
+    <p:spTree>
+      <p:nvGrpSpPr>
+        <p:cNvPr id="1" name=""/>
+        <p:cNvGrpSpPr/>
+        <p:nvPr/>
+      </p:nvGrpSpPr>
+      <p:grpSpPr>
+        <a:xfrm>
+          <a:off x="0" y="0"/>
+          <a:ext cx="0" cy="0"/>
+          <a:chOff x="0" y="0"/>
+          <a:chExt cx="0" cy="0"/>
+        </a:xfrm>
+      </p:grpSpPr>
+      <p:sp>
+        <p:nvSpPr>
+          <p:cNvPr id="5" name="TextBox 1"/>
+          <p:cNvSpPr txBox="1"/>
+          <p:nvPr/>
+        </p:nvSpPr>
+        <p:spPr>
+          <a:xfrm>
+            <a:off x="684000" y="260648"/>
+            <a:ext cx="7776000" cy="1200329"/>
+          </a:xfrm>
+          <a:prstGeom prst="rect">
+            <a:avLst/>
+          </a:prstGeom>
+          <a:noFill/>
+        </p:spPr>
+        <p:txBody>
+          <a:bodyPr wrap="square" rtlCol="0">
+            <a:spAutoFit/>
+          </a:bodyPr>
+          <a:lstStyle/>
+          <a:p>
+            <a:pPr marL="342900" indent="-342900">
+              <a:lnSpc>
+                <a:spcPct val="150000"/>
+              </a:lnSpc>
+              <a:buFont typeface="Arial" panose="020B0604020202020204" pitchFamily="34" charset="0"/>
+              <a:buChar char="•"/>
+            </a:pPr>
+            <a:r>
+              <a:rPr lang="en-US" altLang="zh-CN" sz="2400" dirty="0" smtClean="0">
+                <a:solidFill>
+                  <a:schemeClr val="tx1">
+                    <a:lumMod val="75000"/>
+                    <a:lumOff val="25000"/>
+                  </a:schemeClr>
+                </a:solidFill>
+                <a:latin typeface="微软雅黑" pitchFamily="34" charset="-122"/>
+                <a:ea typeface="微软雅黑" pitchFamily="34" charset="-122"/>
+              </a:rPr>
+              <a:t>extend()</a:t>
+            </a:r>
+            <a:r>
+              <a:rPr lang="zh-CN" altLang="en-US" sz="2400" dirty="0" smtClean="0">
+                <a:solidFill>
+                  <a:schemeClr val="tx1">
+                    <a:lumMod val="75000"/>
+                    <a:lumOff val="25000"/>
+                  </a:schemeClr>
+                </a:solidFill>
+                <a:latin typeface="微软雅黑" pitchFamily="34" charset="-122"/>
+                <a:ea typeface="微软雅黑" pitchFamily="34" charset="-122"/>
+              </a:rPr>
+              <a:t>可以查找嵌入的选择器</a:t>
+            </a:r>
+            <a:r>
+              <a:rPr lang="en-US" altLang="zh-CN" sz="2400" dirty="0" smtClean="0">
+                <a:solidFill>
+                  <a:schemeClr val="tx1">
+                    <a:lumMod val="75000"/>
+                    <a:lumOff val="25000"/>
+                  </a:schemeClr>
+                </a:solidFill>
+                <a:latin typeface="微软雅黑" pitchFamily="34" charset="-122"/>
+                <a:ea typeface="微软雅黑" pitchFamily="34" charset="-122"/>
+              </a:rPr>
+              <a:t>,</a:t>
+            </a:r>
+            <a:r>
+              <a:rPr lang="zh-CN" altLang="en-US" sz="2400" dirty="0" smtClean="0">
+                <a:solidFill>
+                  <a:schemeClr val="tx1">
+                    <a:lumMod val="75000"/>
+                    <a:lumOff val="25000"/>
+                  </a:schemeClr>
+                </a:solidFill>
+                <a:latin typeface="微软雅黑" pitchFamily="34" charset="-122"/>
+                <a:ea typeface="微软雅黑" pitchFamily="34" charset="-122"/>
+              </a:rPr>
+              <a:t>并且是编译后的</a:t>
+            </a:r>
+            <a:endParaRPr lang="en-US" altLang="zh-CN" sz="2400" dirty="0" smtClean="0">
+              <a:solidFill>
+                <a:schemeClr val="tx1">
+                  <a:lumMod val="75000"/>
+                  <a:lumOff val="25000"/>
+                </a:schemeClr>
+              </a:solidFill>
+              <a:latin typeface="微软雅黑" pitchFamily="34" charset="-122"/>
+              <a:ea typeface="微软雅黑" pitchFamily="34" charset="-122"/>
+            </a:endParaRPr>
+          </a:p>
+          <a:p>
+            <a:pPr>
+              <a:lnSpc>
+                <a:spcPct val="150000"/>
+              </a:lnSpc>
+            </a:pPr>
+            <a:endParaRPr lang="en-US" altLang="zh-CN" sz="2400" dirty="0" smtClean="0">
+              <a:solidFill>
+                <a:schemeClr val="tx1">
+                  <a:lumMod val="75000"/>
+                  <a:lumOff val="25000"/>
+                </a:schemeClr>
+              </a:solidFill>
+              <a:latin typeface="微软雅黑" pitchFamily="34" charset="-122"/>
+              <a:ea typeface="微软雅黑" pitchFamily="34" charset="-122"/>
+            </a:endParaRPr>
+          </a:p>
+        </p:txBody>
+      </p:sp>
+      <p:sp>
+        <p:nvSpPr>
+          <p:cNvPr id="8" name="右箭头 7"/>
+          <p:cNvSpPr/>
+          <p:nvPr/>
+        </p:nvSpPr>
+        <p:spPr>
+          <a:xfrm>
+            <a:off x="4703247" y="2930685"/>
+            <a:ext cx="576064" cy="648072"/>
+          </a:xfrm>
+          <a:prstGeom prst="rightArrow">
+            <a:avLst/>
+          </a:prstGeom>
+          <a:ln>
+            <a:solidFill>
+              <a:srgbClr val="00B050"/>
+            </a:solidFill>
+          </a:ln>
+        </p:spPr>
+        <p:style>
+          <a:lnRef idx="1">
+            <a:schemeClr val="accent3"/>
+          </a:lnRef>
+          <a:fillRef idx="3">
+            <a:schemeClr val="accent3"/>
+          </a:fillRef>
+          <a:effectRef idx="2">
+            <a:schemeClr val="accent3"/>
+          </a:effectRef>
+          <a:fontRef idx="minor">
+            <a:schemeClr val="lt1"/>
+          </a:fontRef>
+        </p:style>
+        <p:txBody>
+          <a:bodyPr rtlCol="0" anchor="ctr"/>
+          <a:lstStyle/>
+          <a:p>
+            <a:pPr algn="ctr"/>
+            <a:endParaRPr lang="zh-CN" altLang="en-US"/>
+          </a:p>
+        </p:txBody>
+      </p:sp>
+      <p:pic>
+        <p:nvPicPr>
+          <p:cNvPr id="9" name="图片 8" descr="屏幕剪辑"/>
+          <p:cNvPicPr>
+            <a:picLocks noChangeAspect="1"/>
+          </p:cNvPicPr>
+          <p:nvPr/>
+        </p:nvPicPr>
+        <p:blipFill>
+          <a:blip r:embed="rId2">
+            <a:extLst>
+              <a:ext uri="{28A0092B-C50C-407E-A947-70E740481C1C}">
+                <a14:useLocalDpi xmlns:a14="http://schemas.microsoft.com/office/drawing/2010/main" val="0"/>
+              </a:ext>
+            </a:extLst>
+          </a:blip>
+          <a:stretch>
+            <a:fillRect/>
+          </a:stretch>
+        </p:blipFill>
+        <p:spPr>
+          <a:xfrm>
+            <a:off x="779233" y="980728"/>
+            <a:ext cx="4512721" cy="3312368"/>
+          </a:xfrm>
+          <a:prstGeom prst="rect">
+            <a:avLst/>
+          </a:prstGeom>
+          <a:ln>
+            <a:noFill/>
+          </a:ln>
+          <a:effectLst>
+            <a:outerShdw blurRad="292100" dist="139700" dir="2700000" algn="tl" rotWithShape="0">
+              <a:srgbClr val="333333">
+                <a:alpha val="65000"/>
+              </a:srgbClr>
+            </a:outerShdw>
+          </a:effectLst>
+        </p:spPr>
+      </p:pic>
+      <p:pic>
+        <p:nvPicPr>
+          <p:cNvPr id="10" name="图片 9" descr="屏幕剪辑"/>
+          <p:cNvPicPr>
+            <a:picLocks noChangeAspect="1"/>
+          </p:cNvPicPr>
+          <p:nvPr/>
+        </p:nvPicPr>
+        <p:blipFill>
+          <a:blip r:embed="rId3">
+            <a:extLst>
+              <a:ext uri="{28A0092B-C50C-407E-A947-70E740481C1C}">
+                <a14:useLocalDpi xmlns:a14="http://schemas.microsoft.com/office/drawing/2010/main" val="0"/>
+              </a:ext>
+            </a:extLst>
+          </a:blip>
+          <a:stretch>
+            <a:fillRect/>
+          </a:stretch>
+        </p:blipFill>
+        <p:spPr>
+          <a:xfrm>
+            <a:off x="5387187" y="967408"/>
+            <a:ext cx="3258005" cy="4182059"/>
+          </a:xfrm>
+          <a:prstGeom prst="rect">
+            <a:avLst/>
+          </a:prstGeom>
+          <a:ln>
+            <a:noFill/>
+          </a:ln>
+          <a:effectLst>
+            <a:outerShdw blurRad="292100" dist="139700" dir="2700000" algn="tl" rotWithShape="0">
+              <a:srgbClr val="333333">
+                <a:alpha val="65000"/>
+              </a:srgbClr>
+            </a:outerShdw>
+          </a:effectLst>
+        </p:spPr>
+      </p:pic>
+      <p:sp>
+        <p:nvSpPr>
+          <p:cNvPr id="11" name="右箭头 10"/>
+          <p:cNvSpPr/>
+          <p:nvPr/>
+        </p:nvSpPr>
+        <p:spPr>
+          <a:xfrm>
+            <a:off x="4860032" y="2184438"/>
+            <a:ext cx="576064" cy="648072"/>
+          </a:xfrm>
+          <a:prstGeom prst="rightArrow">
+            <a:avLst/>
+          </a:prstGeom>
+          <a:ln>
+            <a:solidFill>
+              <a:srgbClr val="00B050"/>
+            </a:solidFill>
+          </a:ln>
+        </p:spPr>
+        <p:style>
+          <a:lnRef idx="1">
+            <a:schemeClr val="accent3"/>
+          </a:lnRef>
+          <a:fillRef idx="3">
+            <a:schemeClr val="accent3"/>
+          </a:fillRef>
+          <a:effectRef idx="2">
+            <a:schemeClr val="accent3"/>
+          </a:effectRef>
+          <a:fontRef idx="minor">
+            <a:schemeClr val="lt1"/>
+          </a:fontRef>
+        </p:style>
+        <p:txBody>
+          <a:bodyPr rtlCol="0" anchor="ctr"/>
+          <a:lstStyle/>
+          <a:p>
+            <a:pPr algn="ctr"/>
+            <a:endParaRPr lang="zh-CN" altLang="en-US"/>
+          </a:p>
+        </p:txBody>
+      </p:sp>
+    </p:spTree>
+    <p:extLst>
+      <p:ext uri="{BB962C8B-B14F-4D97-AF65-F5344CB8AC3E}">
+        <p14:creationId xmlns:p14="http://schemas.microsoft.com/office/powerpoint/2010/main" val="2689658436"/>
       </p:ext>
     </p:extLst>
   </p:cSld>
@@ -6228,7 +8461,7 @@
   <a:extraClrSchemeLst/>
   <a:extLst>
     <a:ext uri="{05A4C25C-085E-4340-85A3-A5531E510DB2}">
-      <thm15:themeFamily xmlns:thm15="http://schemas.microsoft.com/office/thememl/2012/main" xmlns="" name="Office Theme" id="{62F939B6-93AF-4DB8-9C6B-D6C7DFDC589F}" vid="{4A3C46E8-61CC-4603-A589-7422A47A8E4A}"/>
+      <thm15:themeFamily xmlns:thm15="http://schemas.microsoft.com/office/thememl/2012/main" name="Office Theme" id="{62F939B6-93AF-4DB8-9C6B-D6C7DFDC589F}" vid="{4A3C46E8-61CC-4603-A589-7422A47A8E4A}"/>
     </a:ext>
   </a:extLst>
 </a:theme>

--- a/less-6-合并.pptx
+++ b/less-6-合并.pptx
@@ -5,7 +5,7 @@
     <p:sldMasterId id="2147483648" r:id="rId1"/>
   </p:sldMasterIdLst>
   <p:notesMasterIdLst>
-    <p:notesMasterId r:id="rId15"/>
+    <p:notesMasterId r:id="rId21"/>
   </p:notesMasterIdLst>
   <p:sldIdLst>
     <p:sldId id="256" r:id="rId2"/>
@@ -21,6 +21,12 @@
     <p:sldId id="587" r:id="rId12"/>
     <p:sldId id="588" r:id="rId13"/>
     <p:sldId id="589" r:id="rId14"/>
+    <p:sldId id="590" r:id="rId15"/>
+    <p:sldId id="591" r:id="rId16"/>
+    <p:sldId id="592" r:id="rId17"/>
+    <p:sldId id="593" r:id="rId18"/>
+    <p:sldId id="594" r:id="rId19"/>
+    <p:sldId id="595" r:id="rId20"/>
   </p:sldIdLst>
   <p:sldSz cx="9144000" cy="6858000" type="screen4x3"/>
   <p:notesSz cx="6858000" cy="9144000"/>
@@ -121,7 +127,7 @@
   </p:defaultTextStyle>
   <p:extLst>
     <p:ext uri="{EFAFB233-063F-42B5-8137-9DF3F51BA10A}">
-      <p15:sldGuideLst xmlns:p15="http://schemas.microsoft.com/office/powerpoint/2012/main">
+      <p15:sldGuideLst xmlns:p15="http://schemas.microsoft.com/office/powerpoint/2012/main" xmlns="">
         <p15:guide id="1" orient="horz" pos="2160">
           <p15:clr>
             <a:srgbClr val="A4A3A4"/>
@@ -220,7 +226,7 @@
           <a:p>
             <a:fld id="{918C987C-5DAD-4601-B625-55A3208473B0}" type="datetimeFigureOut">
               <a:rPr lang="zh-CN" altLang="en-US" smtClean="0"/>
-              <a:t>2018/12/10</a:t>
+              <a:t>2018/12/11</a:t>
             </a:fld>
             <a:endParaRPr lang="zh-CN" altLang="en-US"/>
           </a:p>
@@ -669,7 +675,7 @@
           <a:p>
             <a:fld id="{17C7C8FB-1C37-4023-AA22-09D5A8E13DCF}" type="datetimeFigureOut">
               <a:rPr lang="zh-CN" altLang="en-US" smtClean="0"/>
-              <a:t>2018/12/10</a:t>
+              <a:t>2018/12/11</a:t>
             </a:fld>
             <a:endParaRPr lang="zh-CN" altLang="en-US"/>
           </a:p>
@@ -839,7 +845,7 @@
           <a:p>
             <a:fld id="{17C7C8FB-1C37-4023-AA22-09D5A8E13DCF}" type="datetimeFigureOut">
               <a:rPr lang="zh-CN" altLang="en-US" smtClean="0"/>
-              <a:t>2018/12/10</a:t>
+              <a:t>2018/12/11</a:t>
             </a:fld>
             <a:endParaRPr lang="zh-CN" altLang="en-US"/>
           </a:p>
@@ -1019,7 +1025,7 @@
           <a:p>
             <a:fld id="{17C7C8FB-1C37-4023-AA22-09D5A8E13DCF}" type="datetimeFigureOut">
               <a:rPr lang="zh-CN" altLang="en-US" smtClean="0"/>
-              <a:t>2018/12/10</a:t>
+              <a:t>2018/12/11</a:t>
             </a:fld>
             <a:endParaRPr lang="zh-CN" altLang="en-US"/>
           </a:p>
@@ -1189,7 +1195,7 @@
           <a:p>
             <a:fld id="{17C7C8FB-1C37-4023-AA22-09D5A8E13DCF}" type="datetimeFigureOut">
               <a:rPr lang="zh-CN" altLang="en-US" smtClean="0"/>
-              <a:t>2018/12/10</a:t>
+              <a:t>2018/12/11</a:t>
             </a:fld>
             <a:endParaRPr lang="zh-CN" altLang="en-US"/>
           </a:p>
@@ -1435,7 +1441,7 @@
           <a:p>
             <a:fld id="{17C7C8FB-1C37-4023-AA22-09D5A8E13DCF}" type="datetimeFigureOut">
               <a:rPr lang="zh-CN" altLang="en-US" smtClean="0"/>
-              <a:t>2018/12/10</a:t>
+              <a:t>2018/12/11</a:t>
             </a:fld>
             <a:endParaRPr lang="zh-CN" altLang="en-US"/>
           </a:p>
@@ -1723,7 +1729,7 @@
           <a:p>
             <a:fld id="{17C7C8FB-1C37-4023-AA22-09D5A8E13DCF}" type="datetimeFigureOut">
               <a:rPr lang="zh-CN" altLang="en-US" smtClean="0"/>
-              <a:t>2018/12/10</a:t>
+              <a:t>2018/12/11</a:t>
             </a:fld>
             <a:endParaRPr lang="zh-CN" altLang="en-US"/>
           </a:p>
@@ -2145,7 +2151,7 @@
           <a:p>
             <a:fld id="{17C7C8FB-1C37-4023-AA22-09D5A8E13DCF}" type="datetimeFigureOut">
               <a:rPr lang="zh-CN" altLang="en-US" smtClean="0"/>
-              <a:t>2018/12/10</a:t>
+              <a:t>2018/12/11</a:t>
             </a:fld>
             <a:endParaRPr lang="zh-CN" altLang="en-US"/>
           </a:p>
@@ -2263,7 +2269,7 @@
           <a:p>
             <a:fld id="{17C7C8FB-1C37-4023-AA22-09D5A8E13DCF}" type="datetimeFigureOut">
               <a:rPr lang="zh-CN" altLang="en-US" smtClean="0"/>
-              <a:t>2018/12/10</a:t>
+              <a:t>2018/12/11</a:t>
             </a:fld>
             <a:endParaRPr lang="zh-CN" altLang="en-US"/>
           </a:p>
@@ -2358,7 +2364,7 @@
           <a:p>
             <a:fld id="{17C7C8FB-1C37-4023-AA22-09D5A8E13DCF}" type="datetimeFigureOut">
               <a:rPr lang="zh-CN" altLang="en-US" smtClean="0"/>
-              <a:t>2018/12/10</a:t>
+              <a:t>2018/12/11</a:t>
             </a:fld>
             <a:endParaRPr lang="zh-CN" altLang="en-US"/>
           </a:p>
@@ -2635,7 +2641,7 @@
           <a:p>
             <a:fld id="{17C7C8FB-1C37-4023-AA22-09D5A8E13DCF}" type="datetimeFigureOut">
               <a:rPr lang="zh-CN" altLang="en-US" smtClean="0"/>
-              <a:t>2018/12/10</a:t>
+              <a:t>2018/12/11</a:t>
             </a:fld>
             <a:endParaRPr lang="zh-CN" altLang="en-US"/>
           </a:p>
@@ -2888,7 +2894,7 @@
           <a:p>
             <a:fld id="{17C7C8FB-1C37-4023-AA22-09D5A8E13DCF}" type="datetimeFigureOut">
               <a:rPr lang="zh-CN" altLang="en-US" smtClean="0"/>
-              <a:t>2018/12/10</a:t>
+              <a:t>2018/12/11</a:t>
             </a:fld>
             <a:endParaRPr lang="zh-CN" altLang="en-US"/>
           </a:p>
@@ -3101,7 +3107,7 @@
           <a:p>
             <a:fld id="{17C7C8FB-1C37-4023-AA22-09D5A8E13DCF}" type="datetimeFigureOut">
               <a:rPr lang="zh-CN" altLang="en-US" smtClean="0"/>
-              <a:t>2018/12/10</a:t>
+              <a:t>2018/12/11</a:t>
             </a:fld>
             <a:endParaRPr lang="zh-CN" altLang="en-US"/>
           </a:p>
@@ -4452,7 +4458,7 @@
         </p:nvSpPr>
         <p:spPr>
           <a:xfrm>
-            <a:off x="971600" y="332656"/>
+            <a:off x="971600" y="112564"/>
             <a:ext cx="7776000" cy="2308324"/>
           </a:xfrm>
           <a:prstGeom prst="rect">
@@ -5073,6 +5079,2199 @@
     <p:extLst>
       <p:ext uri="{BB962C8B-B14F-4D97-AF65-F5344CB8AC3E}">
         <p14:creationId xmlns:p14="http://schemas.microsoft.com/office/powerpoint/2010/main" val="7593446"/>
+      </p:ext>
+    </p:extLst>
+  </p:cSld>
+  <p:clrMapOvr>
+    <a:masterClrMapping/>
+  </p:clrMapOvr>
+</p:sld>
+</file>
+
+<file path=ppt/slides/slide14.xml><?xml version="1.0" encoding="utf-8"?>
+<p:sld xmlns:a="http://schemas.openxmlformats.org/drawingml/2006/main" xmlns:r="http://schemas.openxmlformats.org/officeDocument/2006/relationships" xmlns:p="http://schemas.openxmlformats.org/presentationml/2006/main">
+  <p:cSld>
+    <p:spTree>
+      <p:nvGrpSpPr>
+        <p:cNvPr id="1" name=""/>
+        <p:cNvGrpSpPr/>
+        <p:nvPr/>
+      </p:nvGrpSpPr>
+      <p:grpSpPr>
+        <a:xfrm>
+          <a:off x="0" y="0"/>
+          <a:ext cx="0" cy="0"/>
+          <a:chOff x="0" y="0"/>
+          <a:chExt cx="0" cy="0"/>
+        </a:xfrm>
+      </p:grpSpPr>
+      <p:sp>
+        <p:nvSpPr>
+          <p:cNvPr id="2" name="TextBox 1"/>
+          <p:cNvSpPr txBox="1"/>
+          <p:nvPr/>
+        </p:nvSpPr>
+        <p:spPr>
+          <a:xfrm>
+            <a:off x="971600" y="332656"/>
+            <a:ext cx="7776000" cy="1200329"/>
+          </a:xfrm>
+          <a:prstGeom prst="rect">
+            <a:avLst/>
+          </a:prstGeom>
+          <a:noFill/>
+        </p:spPr>
+        <p:txBody>
+          <a:bodyPr wrap="square" rtlCol="0">
+            <a:spAutoFit/>
+          </a:bodyPr>
+          <a:lstStyle/>
+          <a:p>
+            <a:pPr marL="342900" indent="-342900">
+              <a:lnSpc>
+                <a:spcPct val="150000"/>
+              </a:lnSpc>
+              <a:buFont typeface="Arial" panose="020B0604020202020204" pitchFamily="34" charset="0"/>
+              <a:buChar char="•"/>
+            </a:pPr>
+            <a:r>
+              <a:rPr lang="zh-CN" altLang="en-US" sz="2400" dirty="0" smtClean="0">
+                <a:solidFill>
+                  <a:schemeClr val="tx1">
+                    <a:lumMod val="75000"/>
+                    <a:lumOff val="25000"/>
+                  </a:schemeClr>
+                </a:solidFill>
+                <a:latin typeface="微软雅黑" pitchFamily="34" charset="-122"/>
+                <a:ea typeface="微软雅黑" pitchFamily="34" charset="-122"/>
+              </a:rPr>
+              <a:t>变量表示的选择器无法被匹配，</a:t>
+            </a:r>
+            <a:r>
+              <a:rPr lang="en-US" altLang="zh-CN" sz="2400" dirty="0" smtClean="0">
+                <a:solidFill>
+                  <a:schemeClr val="tx1">
+                    <a:lumMod val="75000"/>
+                    <a:lumOff val="25000"/>
+                  </a:schemeClr>
+                </a:solidFill>
+                <a:latin typeface="微软雅黑" pitchFamily="34" charset="-122"/>
+                <a:ea typeface="微软雅黑" pitchFamily="34" charset="-122"/>
+              </a:rPr>
+              <a:t>extend</a:t>
+            </a:r>
+            <a:r>
+              <a:rPr lang="zh-CN" altLang="en-US" sz="2400" dirty="0" smtClean="0">
+                <a:solidFill>
+                  <a:schemeClr val="tx1">
+                    <a:lumMod val="75000"/>
+                    <a:lumOff val="25000"/>
+                  </a:schemeClr>
+                </a:solidFill>
+                <a:latin typeface="微软雅黑" pitchFamily="34" charset="-122"/>
+                <a:ea typeface="微软雅黑" pitchFamily="34" charset="-122"/>
+              </a:rPr>
+              <a:t>的参数为变量也无法匹配</a:t>
+            </a:r>
+            <a:endParaRPr lang="en-US" altLang="zh-CN" sz="2400" dirty="0" smtClean="0">
+              <a:solidFill>
+                <a:schemeClr val="tx1">
+                  <a:lumMod val="75000"/>
+                  <a:lumOff val="25000"/>
+                </a:schemeClr>
+              </a:solidFill>
+              <a:latin typeface="微软雅黑" pitchFamily="34" charset="-122"/>
+              <a:ea typeface="微软雅黑" pitchFamily="34" charset="-122"/>
+            </a:endParaRPr>
+          </a:p>
+        </p:txBody>
+      </p:sp>
+      <p:sp>
+        <p:nvSpPr>
+          <p:cNvPr id="6" name="右箭头 5"/>
+          <p:cNvSpPr/>
+          <p:nvPr/>
+        </p:nvSpPr>
+        <p:spPr>
+          <a:xfrm>
+            <a:off x="4923692" y="2032928"/>
+            <a:ext cx="576064" cy="648072"/>
+          </a:xfrm>
+          <a:prstGeom prst="rightArrow">
+            <a:avLst/>
+          </a:prstGeom>
+        </p:spPr>
+        <p:style>
+          <a:lnRef idx="1">
+            <a:schemeClr val="accent3"/>
+          </a:lnRef>
+          <a:fillRef idx="3">
+            <a:schemeClr val="accent3"/>
+          </a:fillRef>
+          <a:effectRef idx="2">
+            <a:schemeClr val="accent3"/>
+          </a:effectRef>
+          <a:fontRef idx="minor">
+            <a:schemeClr val="lt1"/>
+          </a:fontRef>
+        </p:style>
+        <p:txBody>
+          <a:bodyPr rtlCol="0" anchor="ctr"/>
+          <a:lstStyle/>
+          <a:p>
+            <a:pPr algn="ctr"/>
+            <a:endParaRPr lang="zh-CN" altLang="en-US"/>
+          </a:p>
+        </p:txBody>
+      </p:sp>
+      <p:pic>
+        <p:nvPicPr>
+          <p:cNvPr id="4" name="图片 3" descr="屏幕剪辑"/>
+          <p:cNvPicPr>
+            <a:picLocks noChangeAspect="1"/>
+          </p:cNvPicPr>
+          <p:nvPr/>
+        </p:nvPicPr>
+        <p:blipFill>
+          <a:blip r:embed="rId2">
+            <a:extLst>
+              <a:ext uri="{28A0092B-C50C-407E-A947-70E740481C1C}">
+                <a14:useLocalDpi xmlns:a14="http://schemas.microsoft.com/office/drawing/2010/main" val="0"/>
+              </a:ext>
+            </a:extLst>
+          </a:blip>
+          <a:stretch>
+            <a:fillRect/>
+          </a:stretch>
+        </p:blipFill>
+        <p:spPr>
+          <a:xfrm>
+            <a:off x="1069299" y="1772816"/>
+            <a:ext cx="3781953" cy="1762371"/>
+          </a:xfrm>
+          <a:prstGeom prst="rect">
+            <a:avLst/>
+          </a:prstGeom>
+          <a:ln>
+            <a:noFill/>
+          </a:ln>
+          <a:effectLst>
+            <a:outerShdw blurRad="292100" dist="139700" dir="2700000" algn="tl" rotWithShape="0">
+              <a:srgbClr val="333333">
+                <a:alpha val="65000"/>
+              </a:srgbClr>
+            </a:outerShdw>
+          </a:effectLst>
+        </p:spPr>
+      </p:pic>
+      <p:pic>
+        <p:nvPicPr>
+          <p:cNvPr id="7" name="图片 6" descr="屏幕剪辑"/>
+          <p:cNvPicPr>
+            <a:picLocks noChangeAspect="1"/>
+          </p:cNvPicPr>
+          <p:nvPr/>
+        </p:nvPicPr>
+        <p:blipFill>
+          <a:blip r:embed="rId3">
+            <a:extLst>
+              <a:ext uri="{28A0092B-C50C-407E-A947-70E740481C1C}">
+                <a14:useLocalDpi xmlns:a14="http://schemas.microsoft.com/office/drawing/2010/main" val="0"/>
+              </a:ext>
+            </a:extLst>
+          </a:blip>
+          <a:stretch>
+            <a:fillRect/>
+          </a:stretch>
+        </p:blipFill>
+        <p:spPr>
+          <a:xfrm>
+            <a:off x="5571764" y="1794816"/>
+            <a:ext cx="1724266" cy="1047896"/>
+          </a:xfrm>
+          <a:prstGeom prst="rect">
+            <a:avLst/>
+          </a:prstGeom>
+          <a:ln>
+            <a:noFill/>
+          </a:ln>
+          <a:effectLst>
+            <a:outerShdw blurRad="292100" dist="139700" dir="2700000" algn="tl" rotWithShape="0">
+              <a:srgbClr val="333333">
+                <a:alpha val="65000"/>
+              </a:srgbClr>
+            </a:outerShdw>
+          </a:effectLst>
+        </p:spPr>
+      </p:pic>
+      <p:pic>
+        <p:nvPicPr>
+          <p:cNvPr id="8" name="图片 7" descr="屏幕剪辑"/>
+          <p:cNvPicPr>
+            <a:picLocks noChangeAspect="1"/>
+          </p:cNvPicPr>
+          <p:nvPr/>
+        </p:nvPicPr>
+        <p:blipFill>
+          <a:blip r:embed="rId4">
+            <a:extLst>
+              <a:ext uri="{28A0092B-C50C-407E-A947-70E740481C1C}">
+                <a14:useLocalDpi xmlns:a14="http://schemas.microsoft.com/office/drawing/2010/main" val="0"/>
+              </a:ext>
+            </a:extLst>
+          </a:blip>
+          <a:stretch>
+            <a:fillRect/>
+          </a:stretch>
+        </p:blipFill>
+        <p:spPr>
+          <a:xfrm>
+            <a:off x="1122687" y="3861048"/>
+            <a:ext cx="3801005" cy="1790950"/>
+          </a:xfrm>
+          <a:prstGeom prst="rect">
+            <a:avLst/>
+          </a:prstGeom>
+          <a:ln>
+            <a:noFill/>
+          </a:ln>
+          <a:effectLst>
+            <a:outerShdw blurRad="292100" dist="139700" dir="2700000" algn="tl" rotWithShape="0">
+              <a:srgbClr val="333333">
+                <a:alpha val="65000"/>
+              </a:srgbClr>
+            </a:outerShdw>
+          </a:effectLst>
+        </p:spPr>
+      </p:pic>
+      <p:pic>
+        <p:nvPicPr>
+          <p:cNvPr id="9" name="图片 8" descr="屏幕剪辑"/>
+          <p:cNvPicPr>
+            <a:picLocks noChangeAspect="1"/>
+          </p:cNvPicPr>
+          <p:nvPr/>
+        </p:nvPicPr>
+        <p:blipFill>
+          <a:blip r:embed="rId5">
+            <a:extLst>
+              <a:ext uri="{28A0092B-C50C-407E-A947-70E740481C1C}">
+                <a14:useLocalDpi xmlns:a14="http://schemas.microsoft.com/office/drawing/2010/main" val="0"/>
+              </a:ext>
+            </a:extLst>
+          </a:blip>
+          <a:stretch>
+            <a:fillRect/>
+          </a:stretch>
+        </p:blipFill>
+        <p:spPr>
+          <a:xfrm>
+            <a:off x="5571764" y="4156374"/>
+            <a:ext cx="1810003" cy="1038370"/>
+          </a:xfrm>
+          <a:prstGeom prst="rect">
+            <a:avLst/>
+          </a:prstGeom>
+          <a:ln>
+            <a:noFill/>
+          </a:ln>
+          <a:effectLst>
+            <a:outerShdw blurRad="292100" dist="139700" dir="2700000" algn="tl" rotWithShape="0">
+              <a:srgbClr val="333333">
+                <a:alpha val="65000"/>
+              </a:srgbClr>
+            </a:outerShdw>
+          </a:effectLst>
+        </p:spPr>
+      </p:pic>
+      <p:sp>
+        <p:nvSpPr>
+          <p:cNvPr id="10" name="右箭头 9"/>
+          <p:cNvSpPr/>
+          <p:nvPr/>
+        </p:nvSpPr>
+        <p:spPr>
+          <a:xfrm>
+            <a:off x="4932040" y="4432487"/>
+            <a:ext cx="576064" cy="648072"/>
+          </a:xfrm>
+          <a:prstGeom prst="rightArrow">
+            <a:avLst/>
+          </a:prstGeom>
+        </p:spPr>
+        <p:style>
+          <a:lnRef idx="1">
+            <a:schemeClr val="accent3"/>
+          </a:lnRef>
+          <a:fillRef idx="3">
+            <a:schemeClr val="accent3"/>
+          </a:fillRef>
+          <a:effectRef idx="2">
+            <a:schemeClr val="accent3"/>
+          </a:effectRef>
+          <a:fontRef idx="minor">
+            <a:schemeClr val="lt1"/>
+          </a:fontRef>
+        </p:style>
+        <p:txBody>
+          <a:bodyPr rtlCol="0" anchor="ctr"/>
+          <a:lstStyle/>
+          <a:p>
+            <a:pPr algn="ctr"/>
+            <a:endParaRPr lang="zh-CN" altLang="en-US"/>
+          </a:p>
+        </p:txBody>
+      </p:sp>
+      <p:sp>
+        <p:nvSpPr>
+          <p:cNvPr id="12" name="矩形 11"/>
+          <p:cNvSpPr/>
+          <p:nvPr/>
+        </p:nvSpPr>
+        <p:spPr>
+          <a:xfrm>
+            <a:off x="1069299" y="2060848"/>
+            <a:ext cx="1016496" cy="432048"/>
+          </a:xfrm>
+          <a:prstGeom prst="rect">
+            <a:avLst/>
+          </a:prstGeom>
+          <a:noFill/>
+          <a:ln w="38100">
+            <a:solidFill>
+              <a:srgbClr val="FFFF00"/>
+            </a:solidFill>
+          </a:ln>
+        </p:spPr>
+        <p:style>
+          <a:lnRef idx="2">
+            <a:schemeClr val="accent1">
+              <a:shade val="50000"/>
+            </a:schemeClr>
+          </a:lnRef>
+          <a:fillRef idx="1">
+            <a:schemeClr val="accent1"/>
+          </a:fillRef>
+          <a:effectRef idx="0">
+            <a:schemeClr val="accent1"/>
+          </a:effectRef>
+          <a:fontRef idx="minor">
+            <a:schemeClr val="lt1"/>
+          </a:fontRef>
+        </p:style>
+        <p:txBody>
+          <a:bodyPr rtlCol="0" anchor="ctr"/>
+          <a:lstStyle/>
+          <a:p>
+            <a:pPr algn="ctr"/>
+            <a:endParaRPr lang="zh-CN" altLang="en-US"/>
+          </a:p>
+        </p:txBody>
+      </p:sp>
+      <p:sp>
+        <p:nvSpPr>
+          <p:cNvPr id="13" name="矩形 12"/>
+          <p:cNvSpPr/>
+          <p:nvPr/>
+        </p:nvSpPr>
+        <p:spPr>
+          <a:xfrm>
+            <a:off x="3419872" y="5157192"/>
+            <a:ext cx="1016496" cy="432048"/>
+          </a:xfrm>
+          <a:prstGeom prst="rect">
+            <a:avLst/>
+          </a:prstGeom>
+          <a:noFill/>
+          <a:ln w="38100">
+            <a:solidFill>
+              <a:srgbClr val="FFFF00"/>
+            </a:solidFill>
+          </a:ln>
+        </p:spPr>
+        <p:style>
+          <a:lnRef idx="2">
+            <a:schemeClr val="accent1">
+              <a:shade val="50000"/>
+            </a:schemeClr>
+          </a:lnRef>
+          <a:fillRef idx="1">
+            <a:schemeClr val="accent1"/>
+          </a:fillRef>
+          <a:effectRef idx="0">
+            <a:schemeClr val="accent1"/>
+          </a:effectRef>
+          <a:fontRef idx="minor">
+            <a:schemeClr val="lt1"/>
+          </a:fontRef>
+        </p:style>
+        <p:txBody>
+          <a:bodyPr rtlCol="0" anchor="ctr"/>
+          <a:lstStyle/>
+          <a:p>
+            <a:pPr algn="ctr"/>
+            <a:endParaRPr lang="zh-CN" altLang="en-US"/>
+          </a:p>
+        </p:txBody>
+      </p:sp>
+    </p:spTree>
+    <p:extLst>
+      <p:ext uri="{BB962C8B-B14F-4D97-AF65-F5344CB8AC3E}">
+        <p14:creationId xmlns:p14="http://schemas.microsoft.com/office/powerpoint/2010/main" val="974629151"/>
+      </p:ext>
+    </p:extLst>
+  </p:cSld>
+  <p:clrMapOvr>
+    <a:masterClrMapping/>
+  </p:clrMapOvr>
+</p:sld>
+</file>
+
+<file path=ppt/slides/slide15.xml><?xml version="1.0" encoding="utf-8"?>
+<p:sld xmlns:a="http://schemas.openxmlformats.org/drawingml/2006/main" xmlns:r="http://schemas.openxmlformats.org/officeDocument/2006/relationships" xmlns:p="http://schemas.openxmlformats.org/presentationml/2006/main">
+  <p:cSld>
+    <p:spTree>
+      <p:nvGrpSpPr>
+        <p:cNvPr id="1" name=""/>
+        <p:cNvGrpSpPr/>
+        <p:nvPr/>
+      </p:nvGrpSpPr>
+      <p:grpSpPr>
+        <a:xfrm>
+          <a:off x="0" y="0"/>
+          <a:ext cx="0" cy="0"/>
+          <a:chOff x="0" y="0"/>
+          <a:chExt cx="0" cy="0"/>
+        </a:xfrm>
+      </p:grpSpPr>
+      <p:sp>
+        <p:nvSpPr>
+          <p:cNvPr id="2" name="TextBox 1"/>
+          <p:cNvSpPr txBox="1"/>
+          <p:nvPr/>
+        </p:nvSpPr>
+        <p:spPr>
+          <a:xfrm>
+            <a:off x="971600" y="332656"/>
+            <a:ext cx="7776000" cy="581057"/>
+          </a:xfrm>
+          <a:prstGeom prst="rect">
+            <a:avLst/>
+          </a:prstGeom>
+          <a:noFill/>
+        </p:spPr>
+        <p:txBody>
+          <a:bodyPr wrap="square" rtlCol="0">
+            <a:spAutoFit/>
+          </a:bodyPr>
+          <a:lstStyle/>
+          <a:p>
+            <a:pPr marL="342900" indent="-342900">
+              <a:lnSpc>
+                <a:spcPct val="150000"/>
+              </a:lnSpc>
+              <a:buFont typeface="Arial" panose="020B0604020202020204" pitchFamily="34" charset="0"/>
+              <a:buChar char="•"/>
+            </a:pPr>
+            <a:r>
+              <a:rPr lang="en-US" altLang="zh-CN" sz="2400" dirty="0">
+                <a:solidFill>
+                  <a:schemeClr val="tx1">
+                    <a:lumMod val="75000"/>
+                    <a:lumOff val="25000"/>
+                  </a:schemeClr>
+                </a:solidFill>
+                <a:latin typeface="微软雅黑" pitchFamily="34" charset="-122"/>
+                <a:ea typeface="微软雅黑" pitchFamily="34" charset="-122"/>
+              </a:rPr>
+              <a:t>:</a:t>
+            </a:r>
+            <a:r>
+              <a:rPr lang="en-US" altLang="zh-CN" sz="2400" dirty="0" smtClean="0">
+                <a:solidFill>
+                  <a:schemeClr val="tx1">
+                    <a:lumMod val="75000"/>
+                    <a:lumOff val="25000"/>
+                  </a:schemeClr>
+                </a:solidFill>
+                <a:latin typeface="微软雅黑" pitchFamily="34" charset="-122"/>
+                <a:ea typeface="微软雅黑" pitchFamily="34" charset="-122"/>
+              </a:rPr>
+              <a:t>e</a:t>
+            </a:r>
+            <a:r>
+              <a:rPr lang="en-US" altLang="zh-CN" sz="2400" dirty="0" smtClean="0">
+                <a:solidFill>
+                  <a:schemeClr val="tx1">
+                    <a:lumMod val="75000"/>
+                    <a:lumOff val="25000"/>
+                  </a:schemeClr>
+                </a:solidFill>
+                <a:latin typeface="微软雅黑" pitchFamily="34" charset="-122"/>
+                <a:ea typeface="微软雅黑" pitchFamily="34" charset="-122"/>
+              </a:rPr>
+              <a:t>xtend()</a:t>
+            </a:r>
+            <a:r>
+              <a:rPr lang="zh-CN" altLang="en-US" sz="2400" dirty="0" smtClean="0">
+                <a:solidFill>
+                  <a:schemeClr val="tx1">
+                    <a:lumMod val="75000"/>
+                    <a:lumOff val="25000"/>
+                  </a:schemeClr>
+                </a:solidFill>
+                <a:latin typeface="微软雅黑" pitchFamily="34" charset="-122"/>
+                <a:ea typeface="微软雅黑" pitchFamily="34" charset="-122"/>
+              </a:rPr>
+              <a:t>伪类配合的选择器是变量，可以匹配</a:t>
+            </a:r>
+            <a:endParaRPr lang="en-US" altLang="zh-CN" sz="2400" dirty="0" smtClean="0">
+              <a:solidFill>
+                <a:schemeClr val="tx1">
+                  <a:lumMod val="75000"/>
+                  <a:lumOff val="25000"/>
+                </a:schemeClr>
+              </a:solidFill>
+              <a:latin typeface="微软雅黑" pitchFamily="34" charset="-122"/>
+              <a:ea typeface="微软雅黑" pitchFamily="34" charset="-122"/>
+            </a:endParaRPr>
+          </a:p>
+        </p:txBody>
+      </p:sp>
+      <p:pic>
+        <p:nvPicPr>
+          <p:cNvPr id="3" name="图片 2" descr="屏幕剪辑"/>
+          <p:cNvPicPr>
+            <a:picLocks noChangeAspect="1"/>
+          </p:cNvPicPr>
+          <p:nvPr/>
+        </p:nvPicPr>
+        <p:blipFill>
+          <a:blip r:embed="rId2">
+            <a:extLst>
+              <a:ext uri="{28A0092B-C50C-407E-A947-70E740481C1C}">
+                <a14:useLocalDpi xmlns:a14="http://schemas.microsoft.com/office/drawing/2010/main" val="0"/>
+              </a:ext>
+            </a:extLst>
+          </a:blip>
+          <a:stretch>
+            <a:fillRect/>
+          </a:stretch>
+        </p:blipFill>
+        <p:spPr>
+          <a:xfrm>
+            <a:off x="1170584" y="1586925"/>
+            <a:ext cx="3372321" cy="1857634"/>
+          </a:xfrm>
+          <a:prstGeom prst="rect">
+            <a:avLst/>
+          </a:prstGeom>
+          <a:ln>
+            <a:noFill/>
+          </a:ln>
+          <a:effectLst>
+            <a:outerShdw blurRad="292100" dist="139700" dir="2700000" algn="tl" rotWithShape="0">
+              <a:srgbClr val="333333">
+                <a:alpha val="65000"/>
+              </a:srgbClr>
+            </a:outerShdw>
+          </a:effectLst>
+        </p:spPr>
+      </p:pic>
+      <p:pic>
+        <p:nvPicPr>
+          <p:cNvPr id="4" name="图片 3" descr="屏幕剪辑"/>
+          <p:cNvPicPr>
+            <a:picLocks noChangeAspect="1"/>
+          </p:cNvPicPr>
+          <p:nvPr/>
+        </p:nvPicPr>
+        <p:blipFill>
+          <a:blip r:embed="rId3">
+            <a:extLst>
+              <a:ext uri="{28A0092B-C50C-407E-A947-70E740481C1C}">
+                <a14:useLocalDpi xmlns:a14="http://schemas.microsoft.com/office/drawing/2010/main" val="0"/>
+              </a:ext>
+            </a:extLst>
+          </a:blip>
+          <a:stretch>
+            <a:fillRect/>
+          </a:stretch>
+        </p:blipFill>
+        <p:spPr>
+          <a:xfrm>
+            <a:off x="5292080" y="1844136"/>
+            <a:ext cx="1829055" cy="1343212"/>
+          </a:xfrm>
+          <a:prstGeom prst="rect">
+            <a:avLst/>
+          </a:prstGeom>
+          <a:ln>
+            <a:noFill/>
+          </a:ln>
+          <a:effectLst>
+            <a:outerShdw blurRad="292100" dist="139700" dir="2700000" algn="tl" rotWithShape="0">
+              <a:srgbClr val="333333">
+                <a:alpha val="65000"/>
+              </a:srgbClr>
+            </a:outerShdw>
+          </a:effectLst>
+        </p:spPr>
+      </p:pic>
+      <p:sp>
+        <p:nvSpPr>
+          <p:cNvPr id="5" name="右箭头 4"/>
+          <p:cNvSpPr/>
+          <p:nvPr/>
+        </p:nvSpPr>
+        <p:spPr>
+          <a:xfrm>
+            <a:off x="4586066" y="2191706"/>
+            <a:ext cx="576064" cy="648072"/>
+          </a:xfrm>
+          <a:prstGeom prst="rightArrow">
+            <a:avLst/>
+          </a:prstGeom>
+        </p:spPr>
+        <p:style>
+          <a:lnRef idx="1">
+            <a:schemeClr val="accent3"/>
+          </a:lnRef>
+          <a:fillRef idx="3">
+            <a:schemeClr val="accent3"/>
+          </a:fillRef>
+          <a:effectRef idx="2">
+            <a:schemeClr val="accent3"/>
+          </a:effectRef>
+          <a:fontRef idx="minor">
+            <a:schemeClr val="lt1"/>
+          </a:fontRef>
+        </p:style>
+        <p:txBody>
+          <a:bodyPr rtlCol="0" anchor="ctr"/>
+          <a:lstStyle/>
+          <a:p>
+            <a:pPr algn="ctr"/>
+            <a:endParaRPr lang="zh-CN" altLang="en-US"/>
+          </a:p>
+        </p:txBody>
+      </p:sp>
+      <p:sp>
+        <p:nvSpPr>
+          <p:cNvPr id="6" name="矩形 5"/>
+          <p:cNvSpPr/>
+          <p:nvPr/>
+        </p:nvSpPr>
+        <p:spPr>
+          <a:xfrm>
+            <a:off x="1170584" y="2971324"/>
+            <a:ext cx="881136" cy="432048"/>
+          </a:xfrm>
+          <a:prstGeom prst="rect">
+            <a:avLst/>
+          </a:prstGeom>
+          <a:noFill/>
+          <a:ln w="38100">
+            <a:solidFill>
+              <a:srgbClr val="FFFF00"/>
+            </a:solidFill>
+          </a:ln>
+        </p:spPr>
+        <p:style>
+          <a:lnRef idx="2">
+            <a:schemeClr val="accent1">
+              <a:shade val="50000"/>
+            </a:schemeClr>
+          </a:lnRef>
+          <a:fillRef idx="1">
+            <a:schemeClr val="accent1"/>
+          </a:fillRef>
+          <a:effectRef idx="0">
+            <a:schemeClr val="accent1"/>
+          </a:effectRef>
+          <a:fontRef idx="minor">
+            <a:schemeClr val="lt1"/>
+          </a:fontRef>
+        </p:style>
+        <p:txBody>
+          <a:bodyPr rtlCol="0" anchor="ctr"/>
+          <a:lstStyle/>
+          <a:p>
+            <a:pPr algn="ctr"/>
+            <a:endParaRPr lang="zh-CN" altLang="en-US"/>
+          </a:p>
+        </p:txBody>
+      </p:sp>
+      <p:sp>
+        <p:nvSpPr>
+          <p:cNvPr id="7" name="矩形 6"/>
+          <p:cNvSpPr/>
+          <p:nvPr/>
+        </p:nvSpPr>
+        <p:spPr>
+          <a:xfrm>
+            <a:off x="5305683" y="2132856"/>
+            <a:ext cx="1282542" cy="432048"/>
+          </a:xfrm>
+          <a:prstGeom prst="rect">
+            <a:avLst/>
+          </a:prstGeom>
+          <a:noFill/>
+          <a:ln w="38100">
+            <a:solidFill>
+              <a:srgbClr val="FFFF00"/>
+            </a:solidFill>
+          </a:ln>
+        </p:spPr>
+        <p:style>
+          <a:lnRef idx="2">
+            <a:schemeClr val="accent1">
+              <a:shade val="50000"/>
+            </a:schemeClr>
+          </a:lnRef>
+          <a:fillRef idx="1">
+            <a:schemeClr val="accent1"/>
+          </a:fillRef>
+          <a:effectRef idx="0">
+            <a:schemeClr val="accent1"/>
+          </a:effectRef>
+          <a:fontRef idx="minor">
+            <a:schemeClr val="lt1"/>
+          </a:fontRef>
+        </p:style>
+        <p:txBody>
+          <a:bodyPr rtlCol="0" anchor="ctr"/>
+          <a:lstStyle/>
+          <a:p>
+            <a:pPr algn="ctr"/>
+            <a:endParaRPr lang="zh-CN" altLang="en-US"/>
+          </a:p>
+        </p:txBody>
+      </p:sp>
+    </p:spTree>
+    <p:extLst>
+      <p:ext uri="{BB962C8B-B14F-4D97-AF65-F5344CB8AC3E}">
+        <p14:creationId xmlns:p14="http://schemas.microsoft.com/office/powerpoint/2010/main" val="3713930392"/>
+      </p:ext>
+    </p:extLst>
+  </p:cSld>
+  <p:clrMapOvr>
+    <a:masterClrMapping/>
+  </p:clrMapOvr>
+</p:sld>
+</file>
+
+<file path=ppt/slides/slide16.xml><?xml version="1.0" encoding="utf-8"?>
+<p:sld xmlns:a="http://schemas.openxmlformats.org/drawingml/2006/main" xmlns:r="http://schemas.openxmlformats.org/officeDocument/2006/relationships" xmlns:p="http://schemas.openxmlformats.org/presentationml/2006/main">
+  <p:cSld>
+    <p:spTree>
+      <p:nvGrpSpPr>
+        <p:cNvPr id="1" name=""/>
+        <p:cNvGrpSpPr/>
+        <p:nvPr/>
+      </p:nvGrpSpPr>
+      <p:grpSpPr>
+        <a:xfrm>
+          <a:off x="0" y="0"/>
+          <a:ext cx="0" cy="0"/>
+          <a:chOff x="0" y="0"/>
+          <a:chExt cx="0" cy="0"/>
+        </a:xfrm>
+      </p:grpSpPr>
+      <p:sp>
+        <p:nvSpPr>
+          <p:cNvPr id="2" name="TextBox 1"/>
+          <p:cNvSpPr txBox="1"/>
+          <p:nvPr/>
+        </p:nvSpPr>
+        <p:spPr>
+          <a:xfrm>
+            <a:off x="971600" y="332656"/>
+            <a:ext cx="7776000" cy="1200329"/>
+          </a:xfrm>
+          <a:prstGeom prst="rect">
+            <a:avLst/>
+          </a:prstGeom>
+          <a:noFill/>
+        </p:spPr>
+        <p:txBody>
+          <a:bodyPr wrap="square" rtlCol="0">
+            <a:spAutoFit/>
+          </a:bodyPr>
+          <a:lstStyle/>
+          <a:p>
+            <a:pPr marL="342900" indent="-342900">
+              <a:lnSpc>
+                <a:spcPct val="150000"/>
+              </a:lnSpc>
+              <a:buFont typeface="Arial" panose="020B0604020202020204" pitchFamily="34" charset="0"/>
+              <a:buChar char="•"/>
+            </a:pPr>
+            <a:r>
+              <a:rPr lang="en-US" altLang="zh-CN" sz="2400" dirty="0">
+                <a:solidFill>
+                  <a:schemeClr val="tx1">
+                    <a:lumMod val="75000"/>
+                    <a:lumOff val="25000"/>
+                  </a:schemeClr>
+                </a:solidFill>
+                <a:latin typeface="微软雅黑" pitchFamily="34" charset="-122"/>
+                <a:ea typeface="微软雅黑" pitchFamily="34" charset="-122"/>
+              </a:rPr>
+              <a:t>:</a:t>
+            </a:r>
+            <a:r>
+              <a:rPr lang="en-US" altLang="zh-CN" sz="2400" dirty="0" smtClean="0">
+                <a:solidFill>
+                  <a:schemeClr val="tx1">
+                    <a:lumMod val="75000"/>
+                    <a:lumOff val="25000"/>
+                  </a:schemeClr>
+                </a:solidFill>
+                <a:latin typeface="微软雅黑" pitchFamily="34" charset="-122"/>
+                <a:ea typeface="微软雅黑" pitchFamily="34" charset="-122"/>
+              </a:rPr>
+              <a:t>e</a:t>
+            </a:r>
+            <a:r>
+              <a:rPr lang="en-US" altLang="zh-CN" sz="2400" dirty="0" smtClean="0">
+                <a:solidFill>
+                  <a:schemeClr val="tx1">
+                    <a:lumMod val="75000"/>
+                    <a:lumOff val="25000"/>
+                  </a:schemeClr>
+                </a:solidFill>
+                <a:latin typeface="微软雅黑" pitchFamily="34" charset="-122"/>
+                <a:ea typeface="微软雅黑" pitchFamily="34" charset="-122"/>
+              </a:rPr>
+              <a:t>xtend()</a:t>
+            </a:r>
+            <a:r>
+              <a:rPr lang="zh-CN" altLang="en-US" sz="2400" dirty="0" smtClean="0">
+                <a:solidFill>
+                  <a:schemeClr val="tx1">
+                    <a:lumMod val="75000"/>
+                    <a:lumOff val="25000"/>
+                  </a:schemeClr>
+                </a:solidFill>
+                <a:latin typeface="微软雅黑" pitchFamily="34" charset="-122"/>
+                <a:ea typeface="微软雅黑" pitchFamily="34" charset="-122"/>
+              </a:rPr>
+              <a:t>如果</a:t>
+            </a:r>
+            <a:r>
+              <a:rPr lang="zh-CN" altLang="en-US" sz="2400" dirty="0" smtClean="0">
+                <a:solidFill>
+                  <a:schemeClr val="tx1">
+                    <a:lumMod val="75000"/>
+                    <a:lumOff val="25000"/>
+                  </a:schemeClr>
+                </a:solidFill>
+                <a:latin typeface="微软雅黑" pitchFamily="34" charset="-122"/>
+                <a:ea typeface="微软雅黑" pitchFamily="34" charset="-122"/>
+              </a:rPr>
+              <a:t>嵌入</a:t>
+            </a:r>
+            <a:r>
+              <a:rPr lang="en-US" altLang="zh-CN" sz="2400" dirty="0" smtClean="0">
+                <a:solidFill>
+                  <a:schemeClr val="tx1">
+                    <a:lumMod val="75000"/>
+                    <a:lumOff val="25000"/>
+                  </a:schemeClr>
+                </a:solidFill>
+                <a:latin typeface="微软雅黑" pitchFamily="34" charset="-122"/>
+                <a:ea typeface="微软雅黑" pitchFamily="34" charset="-122"/>
+              </a:rPr>
+              <a:t>@media</a:t>
+            </a:r>
+            <a:r>
+              <a:rPr lang="zh-CN" altLang="en-US" sz="2400" dirty="0" smtClean="0">
+                <a:solidFill>
+                  <a:schemeClr val="tx1">
+                    <a:lumMod val="75000"/>
+                    <a:lumOff val="25000"/>
+                  </a:schemeClr>
+                </a:solidFill>
+                <a:latin typeface="微软雅黑" pitchFamily="34" charset="-122"/>
+                <a:ea typeface="微软雅黑" pitchFamily="34" charset="-122"/>
+              </a:rPr>
+              <a:t>内部，仅仅匹配同级选择器，父级和子级的无法匹配</a:t>
+            </a:r>
+            <a:endParaRPr lang="en-US" altLang="zh-CN" sz="2400" dirty="0" smtClean="0">
+              <a:solidFill>
+                <a:schemeClr val="tx1">
+                  <a:lumMod val="75000"/>
+                  <a:lumOff val="25000"/>
+                </a:schemeClr>
+              </a:solidFill>
+              <a:latin typeface="微软雅黑" pitchFamily="34" charset="-122"/>
+              <a:ea typeface="微软雅黑" pitchFamily="34" charset="-122"/>
+            </a:endParaRPr>
+          </a:p>
+        </p:txBody>
+      </p:sp>
+      <p:pic>
+        <p:nvPicPr>
+          <p:cNvPr id="8" name="图片 7" descr="屏幕剪辑"/>
+          <p:cNvPicPr>
+            <a:picLocks noChangeAspect="1"/>
+          </p:cNvPicPr>
+          <p:nvPr/>
+        </p:nvPicPr>
+        <p:blipFill>
+          <a:blip r:embed="rId2">
+            <a:extLst>
+              <a:ext uri="{28A0092B-C50C-407E-A947-70E740481C1C}">
+                <a14:useLocalDpi xmlns:a14="http://schemas.microsoft.com/office/drawing/2010/main" val="0"/>
+              </a:ext>
+            </a:extLst>
+          </a:blip>
+          <a:stretch>
+            <a:fillRect/>
+          </a:stretch>
+        </p:blipFill>
+        <p:spPr>
+          <a:xfrm>
+            <a:off x="4691102" y="1628800"/>
+            <a:ext cx="4025024" cy="4753362"/>
+          </a:xfrm>
+          <a:prstGeom prst="rect">
+            <a:avLst/>
+          </a:prstGeom>
+        </p:spPr>
+      </p:pic>
+      <p:pic>
+        <p:nvPicPr>
+          <p:cNvPr id="9" name="图片 8" descr="屏幕剪辑"/>
+          <p:cNvPicPr>
+            <a:picLocks noChangeAspect="1"/>
+          </p:cNvPicPr>
+          <p:nvPr/>
+        </p:nvPicPr>
+        <p:blipFill>
+          <a:blip r:embed="rId3">
+            <a:extLst>
+              <a:ext uri="{28A0092B-C50C-407E-A947-70E740481C1C}">
+                <a14:useLocalDpi xmlns:a14="http://schemas.microsoft.com/office/drawing/2010/main" val="0"/>
+              </a:ext>
+            </a:extLst>
+          </a:blip>
+          <a:stretch>
+            <a:fillRect/>
+          </a:stretch>
+        </p:blipFill>
+        <p:spPr>
+          <a:xfrm>
+            <a:off x="1115616" y="1628800"/>
+            <a:ext cx="2932197" cy="4837418"/>
+          </a:xfrm>
+          <a:prstGeom prst="rect">
+            <a:avLst/>
+          </a:prstGeom>
+        </p:spPr>
+      </p:pic>
+      <p:sp>
+        <p:nvSpPr>
+          <p:cNvPr id="10" name="右箭头 9"/>
+          <p:cNvSpPr/>
+          <p:nvPr/>
+        </p:nvSpPr>
+        <p:spPr>
+          <a:xfrm>
+            <a:off x="4121284" y="3681445"/>
+            <a:ext cx="576064" cy="648072"/>
+          </a:xfrm>
+          <a:prstGeom prst="rightArrow">
+            <a:avLst/>
+          </a:prstGeom>
+        </p:spPr>
+        <p:style>
+          <a:lnRef idx="1">
+            <a:schemeClr val="accent3"/>
+          </a:lnRef>
+          <a:fillRef idx="3">
+            <a:schemeClr val="accent3"/>
+          </a:fillRef>
+          <a:effectRef idx="2">
+            <a:schemeClr val="accent3"/>
+          </a:effectRef>
+          <a:fontRef idx="minor">
+            <a:schemeClr val="lt1"/>
+          </a:fontRef>
+        </p:style>
+        <p:txBody>
+          <a:bodyPr rtlCol="0" anchor="ctr"/>
+          <a:lstStyle/>
+          <a:p>
+            <a:pPr algn="ctr"/>
+            <a:endParaRPr lang="zh-CN" altLang="en-US"/>
+          </a:p>
+        </p:txBody>
+      </p:sp>
+      <p:sp>
+        <p:nvSpPr>
+          <p:cNvPr id="11" name="矩形 10"/>
+          <p:cNvSpPr/>
+          <p:nvPr/>
+        </p:nvSpPr>
+        <p:spPr>
+          <a:xfrm>
+            <a:off x="1308478" y="1911399"/>
+            <a:ext cx="2812806" cy="252000"/>
+          </a:xfrm>
+          <a:prstGeom prst="rect">
+            <a:avLst/>
+          </a:prstGeom>
+          <a:noFill/>
+          <a:ln w="38100">
+            <a:solidFill>
+              <a:srgbClr val="FFFF00"/>
+            </a:solidFill>
+          </a:ln>
+        </p:spPr>
+        <p:style>
+          <a:lnRef idx="2">
+            <a:schemeClr val="accent1">
+              <a:shade val="50000"/>
+            </a:schemeClr>
+          </a:lnRef>
+          <a:fillRef idx="1">
+            <a:schemeClr val="accent1"/>
+          </a:fillRef>
+          <a:effectRef idx="0">
+            <a:schemeClr val="accent1"/>
+          </a:effectRef>
+          <a:fontRef idx="minor">
+            <a:schemeClr val="lt1"/>
+          </a:fontRef>
+        </p:style>
+        <p:txBody>
+          <a:bodyPr rtlCol="0" anchor="ctr"/>
+          <a:lstStyle/>
+          <a:p>
+            <a:pPr algn="ctr"/>
+            <a:endParaRPr lang="zh-CN" altLang="en-US"/>
+          </a:p>
+        </p:txBody>
+      </p:sp>
+      <p:sp>
+        <p:nvSpPr>
+          <p:cNvPr id="12" name="矩形 11"/>
+          <p:cNvSpPr/>
+          <p:nvPr/>
+        </p:nvSpPr>
+        <p:spPr>
+          <a:xfrm>
+            <a:off x="1403648" y="3681445"/>
+            <a:ext cx="1512168" cy="252000"/>
+          </a:xfrm>
+          <a:prstGeom prst="rect">
+            <a:avLst/>
+          </a:prstGeom>
+          <a:noFill/>
+          <a:ln w="38100">
+            <a:solidFill>
+              <a:srgbClr val="FFFF00"/>
+            </a:solidFill>
+          </a:ln>
+        </p:spPr>
+        <p:style>
+          <a:lnRef idx="2">
+            <a:schemeClr val="accent1">
+              <a:shade val="50000"/>
+            </a:schemeClr>
+          </a:lnRef>
+          <a:fillRef idx="1">
+            <a:schemeClr val="accent1"/>
+          </a:fillRef>
+          <a:effectRef idx="0">
+            <a:schemeClr val="accent1"/>
+          </a:effectRef>
+          <a:fontRef idx="minor">
+            <a:schemeClr val="lt1"/>
+          </a:fontRef>
+        </p:style>
+        <p:txBody>
+          <a:bodyPr rtlCol="0" anchor="ctr"/>
+          <a:lstStyle/>
+          <a:p>
+            <a:pPr algn="ctr"/>
+            <a:endParaRPr lang="zh-CN" altLang="en-US"/>
+          </a:p>
+        </p:txBody>
+      </p:sp>
+      <p:sp>
+        <p:nvSpPr>
+          <p:cNvPr id="13" name="矩形 12"/>
+          <p:cNvSpPr/>
+          <p:nvPr/>
+        </p:nvSpPr>
+        <p:spPr>
+          <a:xfrm>
+            <a:off x="4836720" y="2204864"/>
+            <a:ext cx="1512168" cy="252000"/>
+          </a:xfrm>
+          <a:prstGeom prst="rect">
+            <a:avLst/>
+          </a:prstGeom>
+          <a:noFill/>
+          <a:ln w="38100">
+            <a:solidFill>
+              <a:srgbClr val="FFFF00"/>
+            </a:solidFill>
+          </a:ln>
+        </p:spPr>
+        <p:style>
+          <a:lnRef idx="2">
+            <a:schemeClr val="accent1">
+              <a:shade val="50000"/>
+            </a:schemeClr>
+          </a:lnRef>
+          <a:fillRef idx="1">
+            <a:schemeClr val="accent1"/>
+          </a:fillRef>
+          <a:effectRef idx="0">
+            <a:schemeClr val="accent1"/>
+          </a:effectRef>
+          <a:fontRef idx="minor">
+            <a:schemeClr val="lt1"/>
+          </a:fontRef>
+        </p:style>
+        <p:txBody>
+          <a:bodyPr rtlCol="0" anchor="ctr"/>
+          <a:lstStyle/>
+          <a:p>
+            <a:pPr algn="ctr"/>
+            <a:endParaRPr lang="zh-CN" altLang="en-US"/>
+          </a:p>
+        </p:txBody>
+      </p:sp>
+    </p:spTree>
+    <p:extLst>
+      <p:ext uri="{BB962C8B-B14F-4D97-AF65-F5344CB8AC3E}">
+        <p14:creationId xmlns:p14="http://schemas.microsoft.com/office/powerpoint/2010/main" val="1828033557"/>
+      </p:ext>
+    </p:extLst>
+  </p:cSld>
+  <p:clrMapOvr>
+    <a:masterClrMapping/>
+  </p:clrMapOvr>
+</p:sld>
+</file>
+
+<file path=ppt/slides/slide17.xml><?xml version="1.0" encoding="utf-8"?>
+<p:sld xmlns:a="http://schemas.openxmlformats.org/drawingml/2006/main" xmlns:r="http://schemas.openxmlformats.org/officeDocument/2006/relationships" xmlns:p="http://schemas.openxmlformats.org/presentationml/2006/main">
+  <p:cSld>
+    <p:spTree>
+      <p:nvGrpSpPr>
+        <p:cNvPr id="1" name=""/>
+        <p:cNvGrpSpPr/>
+        <p:nvPr/>
+      </p:nvGrpSpPr>
+      <p:grpSpPr>
+        <a:xfrm>
+          <a:off x="0" y="0"/>
+          <a:ext cx="0" cy="0"/>
+          <a:chOff x="0" y="0"/>
+          <a:chExt cx="0" cy="0"/>
+        </a:xfrm>
+      </p:grpSpPr>
+      <p:sp>
+        <p:nvSpPr>
+          <p:cNvPr id="2" name="TextBox 1"/>
+          <p:cNvSpPr txBox="1"/>
+          <p:nvPr/>
+        </p:nvSpPr>
+        <p:spPr>
+          <a:xfrm>
+            <a:off x="971600" y="332656"/>
+            <a:ext cx="7776000" cy="1200329"/>
+          </a:xfrm>
+          <a:prstGeom prst="rect">
+            <a:avLst/>
+          </a:prstGeom>
+          <a:noFill/>
+        </p:spPr>
+        <p:txBody>
+          <a:bodyPr wrap="square" rtlCol="0">
+            <a:spAutoFit/>
+          </a:bodyPr>
+          <a:lstStyle/>
+          <a:p>
+            <a:pPr marL="342900" indent="-342900">
+              <a:lnSpc>
+                <a:spcPct val="150000"/>
+              </a:lnSpc>
+              <a:buFont typeface="Arial" panose="020B0604020202020204" pitchFamily="34" charset="0"/>
+              <a:buChar char="•"/>
+            </a:pPr>
+            <a:r>
+              <a:rPr lang="en-US" altLang="zh-CN" sz="2400" dirty="0">
+                <a:solidFill>
+                  <a:schemeClr val="tx1">
+                    <a:lumMod val="75000"/>
+                    <a:lumOff val="25000"/>
+                  </a:schemeClr>
+                </a:solidFill>
+                <a:latin typeface="微软雅黑" pitchFamily="34" charset="-122"/>
+                <a:ea typeface="微软雅黑" pitchFamily="34" charset="-122"/>
+              </a:rPr>
+              <a:t>:</a:t>
+            </a:r>
+            <a:r>
+              <a:rPr lang="en-US" altLang="zh-CN" sz="2400" dirty="0" smtClean="0">
+                <a:solidFill>
+                  <a:schemeClr val="tx1">
+                    <a:lumMod val="75000"/>
+                    <a:lumOff val="25000"/>
+                  </a:schemeClr>
+                </a:solidFill>
+                <a:latin typeface="微软雅黑" pitchFamily="34" charset="-122"/>
+                <a:ea typeface="微软雅黑" pitchFamily="34" charset="-122"/>
+              </a:rPr>
+              <a:t>e</a:t>
+            </a:r>
+            <a:r>
+              <a:rPr lang="en-US" altLang="zh-CN" sz="2400" dirty="0" smtClean="0">
+                <a:solidFill>
+                  <a:schemeClr val="tx1">
+                    <a:lumMod val="75000"/>
+                    <a:lumOff val="25000"/>
+                  </a:schemeClr>
+                </a:solidFill>
+                <a:latin typeface="微软雅黑" pitchFamily="34" charset="-122"/>
+                <a:ea typeface="微软雅黑" pitchFamily="34" charset="-122"/>
+              </a:rPr>
+              <a:t>xtend()</a:t>
+            </a:r>
+            <a:r>
+              <a:rPr lang="zh-CN" altLang="en-US" sz="2400" dirty="0" smtClean="0">
+                <a:solidFill>
+                  <a:schemeClr val="tx1">
+                    <a:lumMod val="75000"/>
+                    <a:lumOff val="25000"/>
+                  </a:schemeClr>
+                </a:solidFill>
+                <a:latin typeface="微软雅黑" pitchFamily="34" charset="-122"/>
+                <a:ea typeface="微软雅黑" pitchFamily="34" charset="-122"/>
+              </a:rPr>
+              <a:t>如果是搭配最外层选择器，可以匹配</a:t>
+            </a:r>
+            <a:r>
+              <a:rPr lang="en-US" altLang="zh-CN" sz="2400" dirty="0" smtClean="0">
+                <a:solidFill>
+                  <a:schemeClr val="tx1">
+                    <a:lumMod val="75000"/>
+                    <a:lumOff val="25000"/>
+                  </a:schemeClr>
+                </a:solidFill>
+                <a:latin typeface="微软雅黑" pitchFamily="34" charset="-122"/>
+                <a:ea typeface="微软雅黑" pitchFamily="34" charset="-122"/>
+              </a:rPr>
+              <a:t>@media</a:t>
+            </a:r>
+            <a:r>
+              <a:rPr lang="zh-CN" altLang="en-US" sz="2400" dirty="0" smtClean="0">
+                <a:solidFill>
+                  <a:schemeClr val="tx1">
+                    <a:lumMod val="75000"/>
+                    <a:lumOff val="25000"/>
+                  </a:schemeClr>
+                </a:solidFill>
+                <a:latin typeface="微软雅黑" pitchFamily="34" charset="-122"/>
+                <a:ea typeface="微软雅黑" pitchFamily="34" charset="-122"/>
+              </a:rPr>
+              <a:t>内部的选择器</a:t>
+            </a:r>
+            <a:endParaRPr lang="en-US" altLang="zh-CN" sz="2400" dirty="0" smtClean="0">
+              <a:solidFill>
+                <a:schemeClr val="tx1">
+                  <a:lumMod val="75000"/>
+                  <a:lumOff val="25000"/>
+                </a:schemeClr>
+              </a:solidFill>
+              <a:latin typeface="微软雅黑" pitchFamily="34" charset="-122"/>
+              <a:ea typeface="微软雅黑" pitchFamily="34" charset="-122"/>
+            </a:endParaRPr>
+          </a:p>
+        </p:txBody>
+      </p:sp>
+      <p:pic>
+        <p:nvPicPr>
+          <p:cNvPr id="3" name="图片 2" descr="屏幕剪辑"/>
+          <p:cNvPicPr>
+            <a:picLocks noChangeAspect="1"/>
+          </p:cNvPicPr>
+          <p:nvPr/>
+        </p:nvPicPr>
+        <p:blipFill>
+          <a:blip r:embed="rId2">
+            <a:extLst>
+              <a:ext uri="{28A0092B-C50C-407E-A947-70E740481C1C}">
+                <a14:useLocalDpi xmlns:a14="http://schemas.microsoft.com/office/drawing/2010/main" val="0"/>
+              </a:ext>
+            </a:extLst>
+          </a:blip>
+          <a:stretch>
+            <a:fillRect/>
+          </a:stretch>
+        </p:blipFill>
+        <p:spPr>
+          <a:xfrm>
+            <a:off x="683568" y="1844824"/>
+            <a:ext cx="3743847" cy="3839111"/>
+          </a:xfrm>
+          <a:prstGeom prst="rect">
+            <a:avLst/>
+          </a:prstGeom>
+          <a:ln>
+            <a:noFill/>
+          </a:ln>
+          <a:effectLst>
+            <a:outerShdw blurRad="292100" dist="139700" dir="2700000" algn="tl" rotWithShape="0">
+              <a:srgbClr val="333333">
+                <a:alpha val="65000"/>
+              </a:srgbClr>
+            </a:outerShdw>
+          </a:effectLst>
+        </p:spPr>
+      </p:pic>
+      <p:pic>
+        <p:nvPicPr>
+          <p:cNvPr id="4" name="图片 3" descr="屏幕剪辑"/>
+          <p:cNvPicPr>
+            <a:picLocks noChangeAspect="1"/>
+          </p:cNvPicPr>
+          <p:nvPr/>
+        </p:nvPicPr>
+        <p:blipFill>
+          <a:blip r:embed="rId3">
+            <a:extLst>
+              <a:ext uri="{28A0092B-C50C-407E-A947-70E740481C1C}">
+                <a14:useLocalDpi xmlns:a14="http://schemas.microsoft.com/office/drawing/2010/main" val="0"/>
+              </a:ext>
+            </a:extLst>
+          </a:blip>
+          <a:stretch>
+            <a:fillRect/>
+          </a:stretch>
+        </p:blipFill>
+        <p:spPr>
+          <a:xfrm>
+            <a:off x="4675742" y="1844824"/>
+            <a:ext cx="4071858" cy="3429757"/>
+          </a:xfrm>
+          <a:prstGeom prst="rect">
+            <a:avLst/>
+          </a:prstGeom>
+          <a:ln>
+            <a:noFill/>
+          </a:ln>
+          <a:effectLst>
+            <a:outerShdw blurRad="292100" dist="139700" dir="2700000" algn="tl" rotWithShape="0">
+              <a:srgbClr val="333333">
+                <a:alpha val="65000"/>
+              </a:srgbClr>
+            </a:outerShdw>
+          </a:effectLst>
+        </p:spPr>
+      </p:pic>
+      <p:sp>
+        <p:nvSpPr>
+          <p:cNvPr id="14" name="矩形 13"/>
+          <p:cNvSpPr/>
+          <p:nvPr/>
+        </p:nvSpPr>
+        <p:spPr>
+          <a:xfrm>
+            <a:off x="683568" y="5274581"/>
+            <a:ext cx="2880320" cy="324000"/>
+          </a:xfrm>
+          <a:prstGeom prst="rect">
+            <a:avLst/>
+          </a:prstGeom>
+          <a:noFill/>
+          <a:ln w="38100">
+            <a:solidFill>
+              <a:srgbClr val="FFFF00"/>
+            </a:solidFill>
+          </a:ln>
+        </p:spPr>
+        <p:style>
+          <a:lnRef idx="2">
+            <a:schemeClr val="accent1">
+              <a:shade val="50000"/>
+            </a:schemeClr>
+          </a:lnRef>
+          <a:fillRef idx="1">
+            <a:schemeClr val="accent1"/>
+          </a:fillRef>
+          <a:effectRef idx="0">
+            <a:schemeClr val="accent1"/>
+          </a:effectRef>
+          <a:fontRef idx="minor">
+            <a:schemeClr val="lt1"/>
+          </a:fontRef>
+        </p:style>
+        <p:txBody>
+          <a:bodyPr rtlCol="0" anchor="ctr"/>
+          <a:lstStyle/>
+          <a:p>
+            <a:pPr algn="ctr"/>
+            <a:endParaRPr lang="zh-CN" altLang="en-US"/>
+          </a:p>
+        </p:txBody>
+      </p:sp>
+      <p:sp>
+        <p:nvSpPr>
+          <p:cNvPr id="15" name="矩形 14"/>
+          <p:cNvSpPr/>
+          <p:nvPr/>
+        </p:nvSpPr>
+        <p:spPr>
+          <a:xfrm>
+            <a:off x="4788024" y="3825080"/>
+            <a:ext cx="1020194" cy="324000"/>
+          </a:xfrm>
+          <a:prstGeom prst="rect">
+            <a:avLst/>
+          </a:prstGeom>
+          <a:noFill/>
+          <a:ln w="38100">
+            <a:solidFill>
+              <a:srgbClr val="FFFF00"/>
+            </a:solidFill>
+          </a:ln>
+        </p:spPr>
+        <p:style>
+          <a:lnRef idx="2">
+            <a:schemeClr val="accent1">
+              <a:shade val="50000"/>
+            </a:schemeClr>
+          </a:lnRef>
+          <a:fillRef idx="1">
+            <a:schemeClr val="accent1"/>
+          </a:fillRef>
+          <a:effectRef idx="0">
+            <a:schemeClr val="accent1"/>
+          </a:effectRef>
+          <a:fontRef idx="minor">
+            <a:schemeClr val="lt1"/>
+          </a:fontRef>
+        </p:style>
+        <p:txBody>
+          <a:bodyPr rtlCol="0" anchor="ctr"/>
+          <a:lstStyle/>
+          <a:p>
+            <a:pPr algn="ctr"/>
+            <a:endParaRPr lang="zh-CN" altLang="en-US"/>
+          </a:p>
+        </p:txBody>
+      </p:sp>
+      <p:sp>
+        <p:nvSpPr>
+          <p:cNvPr id="16" name="矩形 15"/>
+          <p:cNvSpPr/>
+          <p:nvPr/>
+        </p:nvSpPr>
+        <p:spPr>
+          <a:xfrm>
+            <a:off x="4859600" y="2132856"/>
+            <a:ext cx="1020194" cy="324000"/>
+          </a:xfrm>
+          <a:prstGeom prst="rect">
+            <a:avLst/>
+          </a:prstGeom>
+          <a:noFill/>
+          <a:ln w="38100">
+            <a:solidFill>
+              <a:srgbClr val="FFFF00"/>
+            </a:solidFill>
+          </a:ln>
+        </p:spPr>
+        <p:style>
+          <a:lnRef idx="2">
+            <a:schemeClr val="accent1">
+              <a:shade val="50000"/>
+            </a:schemeClr>
+          </a:lnRef>
+          <a:fillRef idx="1">
+            <a:schemeClr val="accent1"/>
+          </a:fillRef>
+          <a:effectRef idx="0">
+            <a:schemeClr val="accent1"/>
+          </a:effectRef>
+          <a:fontRef idx="minor">
+            <a:schemeClr val="lt1"/>
+          </a:fontRef>
+        </p:style>
+        <p:txBody>
+          <a:bodyPr rtlCol="0" anchor="ctr"/>
+          <a:lstStyle/>
+          <a:p>
+            <a:pPr algn="ctr"/>
+            <a:endParaRPr lang="zh-CN" altLang="en-US"/>
+          </a:p>
+        </p:txBody>
+      </p:sp>
+      <p:sp>
+        <p:nvSpPr>
+          <p:cNvPr id="17" name="右箭头 16"/>
+          <p:cNvSpPr/>
+          <p:nvPr/>
+        </p:nvSpPr>
+        <p:spPr>
+          <a:xfrm>
+            <a:off x="4188833" y="2515742"/>
+            <a:ext cx="576064" cy="648072"/>
+          </a:xfrm>
+          <a:prstGeom prst="rightArrow">
+            <a:avLst/>
+          </a:prstGeom>
+        </p:spPr>
+        <p:style>
+          <a:lnRef idx="1">
+            <a:schemeClr val="accent3"/>
+          </a:lnRef>
+          <a:fillRef idx="3">
+            <a:schemeClr val="accent3"/>
+          </a:fillRef>
+          <a:effectRef idx="2">
+            <a:schemeClr val="accent3"/>
+          </a:effectRef>
+          <a:fontRef idx="minor">
+            <a:schemeClr val="lt1"/>
+          </a:fontRef>
+        </p:style>
+        <p:txBody>
+          <a:bodyPr rtlCol="0" anchor="ctr"/>
+          <a:lstStyle/>
+          <a:p>
+            <a:pPr algn="ctr"/>
+            <a:endParaRPr lang="zh-CN" altLang="en-US"/>
+          </a:p>
+        </p:txBody>
+      </p:sp>
+    </p:spTree>
+    <p:extLst>
+      <p:ext uri="{BB962C8B-B14F-4D97-AF65-F5344CB8AC3E}">
+        <p14:creationId xmlns:p14="http://schemas.microsoft.com/office/powerpoint/2010/main" val="2760480189"/>
+      </p:ext>
+    </p:extLst>
+  </p:cSld>
+  <p:clrMapOvr>
+    <a:masterClrMapping/>
+  </p:clrMapOvr>
+</p:sld>
+</file>
+
+<file path=ppt/slides/slide18.xml><?xml version="1.0" encoding="utf-8"?>
+<p:sld xmlns:a="http://schemas.openxmlformats.org/drawingml/2006/main" xmlns:r="http://schemas.openxmlformats.org/officeDocument/2006/relationships" xmlns:p="http://schemas.openxmlformats.org/presentationml/2006/main">
+  <p:cSld>
+    <p:spTree>
+      <p:nvGrpSpPr>
+        <p:cNvPr id="1" name=""/>
+        <p:cNvGrpSpPr/>
+        <p:nvPr/>
+      </p:nvGrpSpPr>
+      <p:grpSpPr>
+        <a:xfrm>
+          <a:off x="0" y="0"/>
+          <a:ext cx="0" cy="0"/>
+          <a:chOff x="0" y="0"/>
+          <a:chExt cx="0" cy="0"/>
+        </a:xfrm>
+      </p:grpSpPr>
+      <p:sp>
+        <p:nvSpPr>
+          <p:cNvPr id="2" name="TextBox 1"/>
+          <p:cNvSpPr txBox="1"/>
+          <p:nvPr/>
+        </p:nvSpPr>
+        <p:spPr>
+          <a:xfrm>
+            <a:off x="971600" y="332656"/>
+            <a:ext cx="7776000" cy="646331"/>
+          </a:xfrm>
+          <a:prstGeom prst="rect">
+            <a:avLst/>
+          </a:prstGeom>
+          <a:noFill/>
+        </p:spPr>
+        <p:txBody>
+          <a:bodyPr wrap="square" rtlCol="0">
+            <a:spAutoFit/>
+          </a:bodyPr>
+          <a:lstStyle/>
+          <a:p>
+            <a:pPr marL="342900" indent="-342900">
+              <a:lnSpc>
+                <a:spcPct val="150000"/>
+              </a:lnSpc>
+              <a:buFont typeface="Arial" panose="020B0604020202020204" pitchFamily="34" charset="0"/>
+              <a:buChar char="•"/>
+            </a:pPr>
+            <a:r>
+              <a:rPr lang="zh-CN" altLang="en-US" sz="2400" dirty="0" smtClean="0">
+                <a:solidFill>
+                  <a:schemeClr val="tx1">
+                    <a:lumMod val="75000"/>
+                    <a:lumOff val="25000"/>
+                  </a:schemeClr>
+                </a:solidFill>
+                <a:latin typeface="微软雅黑" pitchFamily="34" charset="-122"/>
+                <a:ea typeface="微软雅黑" pitchFamily="34" charset="-122"/>
+              </a:rPr>
+              <a:t>如果</a:t>
+            </a:r>
+            <a:r>
+              <a:rPr lang="en-US" altLang="zh-CN" sz="2400" dirty="0" smtClean="0">
+                <a:solidFill>
+                  <a:schemeClr val="tx1">
+                    <a:lumMod val="75000"/>
+                    <a:lumOff val="25000"/>
+                  </a:schemeClr>
+                </a:solidFill>
+                <a:latin typeface="微软雅黑" pitchFamily="34" charset="-122"/>
+                <a:ea typeface="微软雅黑" pitchFamily="34" charset="-122"/>
+              </a:rPr>
+              <a:t>:extend</a:t>
+            </a:r>
+            <a:r>
+              <a:rPr lang="en-US" altLang="zh-CN" sz="2400" dirty="0" smtClean="0">
+                <a:solidFill>
+                  <a:schemeClr val="tx1">
+                    <a:lumMod val="75000"/>
+                    <a:lumOff val="25000"/>
+                  </a:schemeClr>
+                </a:solidFill>
+                <a:latin typeface="微软雅黑" pitchFamily="34" charset="-122"/>
+                <a:ea typeface="微软雅黑" pitchFamily="34" charset="-122"/>
+              </a:rPr>
+              <a:t>()</a:t>
+            </a:r>
+            <a:r>
+              <a:rPr lang="zh-CN" altLang="en-US" sz="2400" dirty="0" smtClean="0">
+                <a:solidFill>
+                  <a:schemeClr val="tx1">
+                    <a:lumMod val="75000"/>
+                    <a:lumOff val="25000"/>
+                  </a:schemeClr>
+                </a:solidFill>
+                <a:latin typeface="微软雅黑" pitchFamily="34" charset="-122"/>
+                <a:ea typeface="微软雅黑" pitchFamily="34" charset="-122"/>
+              </a:rPr>
+              <a:t>有多个选择器参数，则可能重复</a:t>
+            </a:r>
+            <a:endParaRPr lang="en-US" altLang="zh-CN" sz="2400" dirty="0" smtClean="0">
+              <a:solidFill>
+                <a:schemeClr val="tx1">
+                  <a:lumMod val="75000"/>
+                  <a:lumOff val="25000"/>
+                </a:schemeClr>
+              </a:solidFill>
+              <a:latin typeface="微软雅黑" pitchFamily="34" charset="-122"/>
+              <a:ea typeface="微软雅黑" pitchFamily="34" charset="-122"/>
+            </a:endParaRPr>
+          </a:p>
+        </p:txBody>
+      </p:sp>
+      <p:pic>
+        <p:nvPicPr>
+          <p:cNvPr id="5" name="图片 4" descr="屏幕剪辑"/>
+          <p:cNvPicPr>
+            <a:picLocks noChangeAspect="1"/>
+          </p:cNvPicPr>
+          <p:nvPr/>
+        </p:nvPicPr>
+        <p:blipFill>
+          <a:blip r:embed="rId2">
+            <a:extLst>
+              <a:ext uri="{28A0092B-C50C-407E-A947-70E740481C1C}">
+                <a14:useLocalDpi xmlns:a14="http://schemas.microsoft.com/office/drawing/2010/main" val="0"/>
+              </a:ext>
+            </a:extLst>
+          </a:blip>
+          <a:stretch>
+            <a:fillRect/>
+          </a:stretch>
+        </p:blipFill>
+        <p:spPr>
+          <a:xfrm>
+            <a:off x="1162752" y="1628800"/>
+            <a:ext cx="3400900" cy="1428949"/>
+          </a:xfrm>
+          <a:prstGeom prst="rect">
+            <a:avLst/>
+          </a:prstGeom>
+          <a:ln>
+            <a:noFill/>
+          </a:ln>
+          <a:effectLst>
+            <a:outerShdw blurRad="292100" dist="139700" dir="2700000" algn="tl" rotWithShape="0">
+              <a:srgbClr val="333333">
+                <a:alpha val="65000"/>
+              </a:srgbClr>
+            </a:outerShdw>
+          </a:effectLst>
+        </p:spPr>
+      </p:pic>
+      <p:pic>
+        <p:nvPicPr>
+          <p:cNvPr id="6" name="图片 5" descr="屏幕剪辑"/>
+          <p:cNvPicPr>
+            <a:picLocks noChangeAspect="1"/>
+          </p:cNvPicPr>
+          <p:nvPr/>
+        </p:nvPicPr>
+        <p:blipFill>
+          <a:blip r:embed="rId3">
+            <a:extLst>
+              <a:ext uri="{28A0092B-C50C-407E-A947-70E740481C1C}">
+                <a14:useLocalDpi xmlns:a14="http://schemas.microsoft.com/office/drawing/2010/main" val="0"/>
+              </a:ext>
+            </a:extLst>
+          </a:blip>
+          <a:stretch>
+            <a:fillRect/>
+          </a:stretch>
+        </p:blipFill>
+        <p:spPr>
+          <a:xfrm>
+            <a:off x="5364088" y="1633631"/>
+            <a:ext cx="1867161" cy="2086266"/>
+          </a:xfrm>
+          <a:prstGeom prst="rect">
+            <a:avLst/>
+          </a:prstGeom>
+          <a:ln>
+            <a:noFill/>
+          </a:ln>
+          <a:effectLst>
+            <a:outerShdw blurRad="292100" dist="139700" dir="2700000" algn="tl" rotWithShape="0">
+              <a:srgbClr val="333333">
+                <a:alpha val="65000"/>
+              </a:srgbClr>
+            </a:outerShdw>
+          </a:effectLst>
+        </p:spPr>
+      </p:pic>
+      <p:sp>
+        <p:nvSpPr>
+          <p:cNvPr id="11" name="右箭头 10"/>
+          <p:cNvSpPr/>
+          <p:nvPr/>
+        </p:nvSpPr>
+        <p:spPr>
+          <a:xfrm>
+            <a:off x="4754169" y="2050797"/>
+            <a:ext cx="576064" cy="648072"/>
+          </a:xfrm>
+          <a:prstGeom prst="rightArrow">
+            <a:avLst/>
+          </a:prstGeom>
+        </p:spPr>
+        <p:style>
+          <a:lnRef idx="1">
+            <a:schemeClr val="accent3"/>
+          </a:lnRef>
+          <a:fillRef idx="3">
+            <a:schemeClr val="accent3"/>
+          </a:fillRef>
+          <a:effectRef idx="2">
+            <a:schemeClr val="accent3"/>
+          </a:effectRef>
+          <a:fontRef idx="minor">
+            <a:schemeClr val="lt1"/>
+          </a:fontRef>
+        </p:style>
+        <p:txBody>
+          <a:bodyPr rtlCol="0" anchor="ctr"/>
+          <a:lstStyle/>
+          <a:p>
+            <a:pPr algn="ctr"/>
+            <a:endParaRPr lang="zh-CN" altLang="en-US"/>
+          </a:p>
+        </p:txBody>
+      </p:sp>
+    </p:spTree>
+    <p:extLst>
+      <p:ext uri="{BB962C8B-B14F-4D97-AF65-F5344CB8AC3E}">
+        <p14:creationId xmlns:p14="http://schemas.microsoft.com/office/powerpoint/2010/main" val="303211965"/>
+      </p:ext>
+    </p:extLst>
+  </p:cSld>
+  <p:clrMapOvr>
+    <a:masterClrMapping/>
+  </p:clrMapOvr>
+</p:sld>
+</file>
+
+<file path=ppt/slides/slide19.xml><?xml version="1.0" encoding="utf-8"?>
+<p:sld xmlns:a="http://schemas.openxmlformats.org/drawingml/2006/main" xmlns:r="http://schemas.openxmlformats.org/officeDocument/2006/relationships" xmlns:p="http://schemas.openxmlformats.org/presentationml/2006/main">
+  <p:cSld>
+    <p:spTree>
+      <p:nvGrpSpPr>
+        <p:cNvPr id="1" name=""/>
+        <p:cNvGrpSpPr/>
+        <p:nvPr/>
+      </p:nvGrpSpPr>
+      <p:grpSpPr>
+        <a:xfrm>
+          <a:off x="0" y="0"/>
+          <a:ext cx="0" cy="0"/>
+          <a:chOff x="0" y="0"/>
+          <a:chExt cx="0" cy="0"/>
+        </a:xfrm>
+      </p:grpSpPr>
+      <p:sp>
+        <p:nvSpPr>
+          <p:cNvPr id="2" name="TextBox 1"/>
+          <p:cNvSpPr txBox="1"/>
+          <p:nvPr/>
+        </p:nvSpPr>
+        <p:spPr>
+          <a:xfrm>
+            <a:off x="971600" y="116632"/>
+            <a:ext cx="7776000" cy="581057"/>
+          </a:xfrm>
+          <a:prstGeom prst="rect">
+            <a:avLst/>
+          </a:prstGeom>
+          <a:noFill/>
+        </p:spPr>
+        <p:txBody>
+          <a:bodyPr wrap="square" rtlCol="0">
+            <a:spAutoFit/>
+          </a:bodyPr>
+          <a:lstStyle/>
+          <a:p>
+            <a:pPr marL="342900" indent="-342900">
+              <a:lnSpc>
+                <a:spcPct val="150000"/>
+              </a:lnSpc>
+              <a:buFont typeface="Arial" panose="020B0604020202020204" pitchFamily="34" charset="0"/>
+              <a:buChar char="•"/>
+            </a:pPr>
+            <a:r>
+              <a:rPr lang="zh-CN" altLang="en-US" sz="2400" dirty="0" smtClean="0">
+                <a:solidFill>
+                  <a:schemeClr val="tx1">
+                    <a:lumMod val="75000"/>
+                    <a:lumOff val="25000"/>
+                  </a:schemeClr>
+                </a:solidFill>
+                <a:latin typeface="微软雅黑" pitchFamily="34" charset="-122"/>
+                <a:ea typeface="微软雅黑" pitchFamily="34" charset="-122"/>
+              </a:rPr>
+              <a:t>借助</a:t>
+            </a:r>
+            <a:r>
+              <a:rPr lang="en-US" altLang="zh-CN" sz="2400" dirty="0" smtClean="0">
+                <a:solidFill>
+                  <a:schemeClr val="tx1">
+                    <a:lumMod val="75000"/>
+                    <a:lumOff val="25000"/>
+                  </a:schemeClr>
+                </a:solidFill>
+                <a:latin typeface="微软雅黑" pitchFamily="34" charset="-122"/>
+                <a:ea typeface="微软雅黑" pitchFamily="34" charset="-122"/>
+              </a:rPr>
+              <a:t>:extend()</a:t>
+            </a:r>
+            <a:r>
+              <a:rPr lang="zh-CN" altLang="en-US" sz="2400" dirty="0" smtClean="0">
+                <a:solidFill>
+                  <a:schemeClr val="tx1">
+                    <a:lumMod val="75000"/>
+                    <a:lumOff val="25000"/>
+                  </a:schemeClr>
+                </a:solidFill>
+                <a:latin typeface="微软雅黑" pitchFamily="34" charset="-122"/>
+                <a:ea typeface="微软雅黑" pitchFamily="34" charset="-122"/>
+              </a:rPr>
+              <a:t>缩减</a:t>
+            </a:r>
+            <a:r>
+              <a:rPr lang="en-US" altLang="zh-CN" sz="2400" dirty="0" err="1" smtClean="0">
+                <a:solidFill>
+                  <a:schemeClr val="tx1">
+                    <a:lumMod val="75000"/>
+                    <a:lumOff val="25000"/>
+                  </a:schemeClr>
+                </a:solidFill>
+                <a:latin typeface="微软雅黑" pitchFamily="34" charset="-122"/>
+                <a:ea typeface="微软雅黑" pitchFamily="34" charset="-122"/>
+              </a:rPr>
+              <a:t>css</a:t>
+            </a:r>
+            <a:r>
+              <a:rPr lang="zh-CN" altLang="en-US" sz="2400" dirty="0" smtClean="0">
+                <a:solidFill>
+                  <a:schemeClr val="tx1">
+                    <a:lumMod val="75000"/>
+                    <a:lumOff val="25000"/>
+                  </a:schemeClr>
+                </a:solidFill>
+                <a:latin typeface="微软雅黑" pitchFamily="34" charset="-122"/>
+                <a:ea typeface="微软雅黑" pitchFamily="34" charset="-122"/>
+              </a:rPr>
+              <a:t>代码</a:t>
+            </a:r>
+            <a:endParaRPr lang="en-US" altLang="zh-CN" sz="2400" dirty="0" smtClean="0">
+              <a:solidFill>
+                <a:schemeClr val="tx1">
+                  <a:lumMod val="75000"/>
+                  <a:lumOff val="25000"/>
+                </a:schemeClr>
+              </a:solidFill>
+              <a:latin typeface="微软雅黑" pitchFamily="34" charset="-122"/>
+              <a:ea typeface="微软雅黑" pitchFamily="34" charset="-122"/>
+            </a:endParaRPr>
+          </a:p>
+        </p:txBody>
+      </p:sp>
+      <p:pic>
+        <p:nvPicPr>
+          <p:cNvPr id="3" name="图片 2" descr="屏幕剪辑"/>
+          <p:cNvPicPr>
+            <a:picLocks noChangeAspect="1"/>
+          </p:cNvPicPr>
+          <p:nvPr/>
+        </p:nvPicPr>
+        <p:blipFill>
+          <a:blip r:embed="rId2">
+            <a:extLst>
+              <a:ext uri="{28A0092B-C50C-407E-A947-70E740481C1C}">
+                <a14:useLocalDpi xmlns:a14="http://schemas.microsoft.com/office/drawing/2010/main" val="0"/>
+              </a:ext>
+            </a:extLst>
+          </a:blip>
+          <a:stretch>
+            <a:fillRect/>
+          </a:stretch>
+        </p:blipFill>
+        <p:spPr>
+          <a:xfrm>
+            <a:off x="1259632" y="713248"/>
+            <a:ext cx="2581635" cy="3381847"/>
+          </a:xfrm>
+          <a:prstGeom prst="rect">
+            <a:avLst/>
+          </a:prstGeom>
+          <a:ln>
+            <a:noFill/>
+          </a:ln>
+          <a:effectLst>
+            <a:outerShdw blurRad="292100" dist="139700" dir="2700000" algn="tl" rotWithShape="0">
+              <a:srgbClr val="333333">
+                <a:alpha val="65000"/>
+              </a:srgbClr>
+            </a:outerShdw>
+          </a:effectLst>
+        </p:spPr>
+      </p:pic>
+      <p:pic>
+        <p:nvPicPr>
+          <p:cNvPr id="4" name="图片 3" descr="屏幕剪辑"/>
+          <p:cNvPicPr>
+            <a:picLocks noChangeAspect="1"/>
+          </p:cNvPicPr>
+          <p:nvPr/>
+        </p:nvPicPr>
+        <p:blipFill>
+          <a:blip r:embed="rId3">
+            <a:extLst>
+              <a:ext uri="{28A0092B-C50C-407E-A947-70E740481C1C}">
+                <a14:useLocalDpi xmlns:a14="http://schemas.microsoft.com/office/drawing/2010/main" val="0"/>
+              </a:ext>
+            </a:extLst>
+          </a:blip>
+          <a:stretch>
+            <a:fillRect/>
+          </a:stretch>
+        </p:blipFill>
+        <p:spPr>
+          <a:xfrm>
+            <a:off x="4859600" y="3587153"/>
+            <a:ext cx="2602776" cy="3042206"/>
+          </a:xfrm>
+          <a:prstGeom prst="rect">
+            <a:avLst/>
+          </a:prstGeom>
+          <a:ln>
+            <a:noFill/>
+          </a:ln>
+          <a:effectLst>
+            <a:outerShdw blurRad="292100" dist="139700" dir="2700000" algn="tl" rotWithShape="0">
+              <a:srgbClr val="333333">
+                <a:alpha val="65000"/>
+              </a:srgbClr>
+            </a:outerShdw>
+          </a:effectLst>
+        </p:spPr>
+      </p:pic>
+      <p:pic>
+        <p:nvPicPr>
+          <p:cNvPr id="7" name="图片 6" descr="屏幕剪辑"/>
+          <p:cNvPicPr>
+            <a:picLocks noChangeAspect="1"/>
+          </p:cNvPicPr>
+          <p:nvPr/>
+        </p:nvPicPr>
+        <p:blipFill>
+          <a:blip r:embed="rId4">
+            <a:extLst>
+              <a:ext uri="{28A0092B-C50C-407E-A947-70E740481C1C}">
+                <a14:useLocalDpi xmlns:a14="http://schemas.microsoft.com/office/drawing/2010/main" val="0"/>
+              </a:ext>
+            </a:extLst>
+          </a:blip>
+          <a:stretch>
+            <a:fillRect/>
+          </a:stretch>
+        </p:blipFill>
+        <p:spPr>
+          <a:xfrm>
+            <a:off x="4859600" y="836712"/>
+            <a:ext cx="2367263" cy="2592288"/>
+          </a:xfrm>
+          <a:prstGeom prst="rect">
+            <a:avLst/>
+          </a:prstGeom>
+          <a:ln>
+            <a:noFill/>
+          </a:ln>
+          <a:effectLst>
+            <a:outerShdw blurRad="292100" dist="139700" dir="2700000" algn="tl" rotWithShape="0">
+              <a:srgbClr val="333333">
+                <a:alpha val="65000"/>
+              </a:srgbClr>
+            </a:outerShdw>
+          </a:effectLst>
+        </p:spPr>
+      </p:pic>
+      <p:pic>
+        <p:nvPicPr>
+          <p:cNvPr id="8" name="图片 7" descr="屏幕剪辑"/>
+          <p:cNvPicPr>
+            <a:picLocks noChangeAspect="1"/>
+          </p:cNvPicPr>
+          <p:nvPr/>
+        </p:nvPicPr>
+        <p:blipFill>
+          <a:blip r:embed="rId5">
+            <a:extLst>
+              <a:ext uri="{28A0092B-C50C-407E-A947-70E740481C1C}">
+                <a14:useLocalDpi xmlns:a14="http://schemas.microsoft.com/office/drawing/2010/main" val="0"/>
+              </a:ext>
+            </a:extLst>
+          </a:blip>
+          <a:stretch>
+            <a:fillRect/>
+          </a:stretch>
+        </p:blipFill>
+        <p:spPr>
+          <a:xfrm>
+            <a:off x="1290860" y="4241123"/>
+            <a:ext cx="2591162" cy="2048161"/>
+          </a:xfrm>
+          <a:prstGeom prst="rect">
+            <a:avLst/>
+          </a:prstGeom>
+          <a:ln>
+            <a:noFill/>
+          </a:ln>
+          <a:effectLst>
+            <a:outerShdw blurRad="292100" dist="139700" dir="2700000" algn="tl" rotWithShape="0">
+              <a:srgbClr val="333333">
+                <a:alpha val="65000"/>
+              </a:srgbClr>
+            </a:outerShdw>
+          </a:effectLst>
+        </p:spPr>
+      </p:pic>
+      <p:sp>
+        <p:nvSpPr>
+          <p:cNvPr id="10" name="右箭头 9"/>
+          <p:cNvSpPr/>
+          <p:nvPr/>
+        </p:nvSpPr>
+        <p:spPr>
+          <a:xfrm>
+            <a:off x="4093698" y="1988840"/>
+            <a:ext cx="576064" cy="648072"/>
+          </a:xfrm>
+          <a:prstGeom prst="rightArrow">
+            <a:avLst/>
+          </a:prstGeom>
+        </p:spPr>
+        <p:style>
+          <a:lnRef idx="1">
+            <a:schemeClr val="accent3"/>
+          </a:lnRef>
+          <a:fillRef idx="3">
+            <a:schemeClr val="accent3"/>
+          </a:fillRef>
+          <a:effectRef idx="2">
+            <a:schemeClr val="accent3"/>
+          </a:effectRef>
+          <a:fontRef idx="minor">
+            <a:schemeClr val="lt1"/>
+          </a:fontRef>
+        </p:style>
+        <p:txBody>
+          <a:bodyPr rtlCol="0" anchor="ctr"/>
+          <a:lstStyle/>
+          <a:p>
+            <a:pPr algn="ctr"/>
+            <a:endParaRPr lang="zh-CN" altLang="en-US"/>
+          </a:p>
+        </p:txBody>
+      </p:sp>
+      <p:sp>
+        <p:nvSpPr>
+          <p:cNvPr id="12" name="右箭头 11"/>
+          <p:cNvSpPr/>
+          <p:nvPr/>
+        </p:nvSpPr>
+        <p:spPr>
+          <a:xfrm rot="10800000">
+            <a:off x="4019846" y="4886582"/>
+            <a:ext cx="576064" cy="648072"/>
+          </a:xfrm>
+          <a:prstGeom prst="rightArrow">
+            <a:avLst/>
+          </a:prstGeom>
+        </p:spPr>
+        <p:style>
+          <a:lnRef idx="1">
+            <a:schemeClr val="accent3"/>
+          </a:lnRef>
+          <a:fillRef idx="3">
+            <a:schemeClr val="accent3"/>
+          </a:fillRef>
+          <a:effectRef idx="2">
+            <a:schemeClr val="accent3"/>
+          </a:effectRef>
+          <a:fontRef idx="minor">
+            <a:schemeClr val="lt1"/>
+          </a:fontRef>
+        </p:style>
+        <p:txBody>
+          <a:bodyPr rtlCol="0" anchor="ctr"/>
+          <a:lstStyle/>
+          <a:p>
+            <a:pPr algn="ctr"/>
+            <a:endParaRPr lang="zh-CN" altLang="en-US"/>
+          </a:p>
+        </p:txBody>
+      </p:sp>
+    </p:spTree>
+    <p:extLst>
+      <p:ext uri="{BB962C8B-B14F-4D97-AF65-F5344CB8AC3E}">
+        <p14:creationId xmlns:p14="http://schemas.microsoft.com/office/powerpoint/2010/main" val="2015091941"/>
       </p:ext>
     </p:extLst>
   </p:cSld>
@@ -8461,7 +10660,7 @@
   <a:extraClrSchemeLst/>
   <a:extLst>
     <a:ext uri="{05A4C25C-085E-4340-85A3-A5531E510DB2}">
-      <thm15:themeFamily xmlns:thm15="http://schemas.microsoft.com/office/thememl/2012/main" name="Office Theme" id="{62F939B6-93AF-4DB8-9C6B-D6C7DFDC589F}" vid="{4A3C46E8-61CC-4603-A589-7422A47A8E4A}"/>
+      <thm15:themeFamily xmlns:thm15="http://schemas.microsoft.com/office/thememl/2012/main" xmlns="" name="Office Theme" id="{62F939B6-93AF-4DB8-9C6B-D6C7DFDC589F}" vid="{4A3C46E8-61CC-4603-A589-7422A47A8E4A}"/>
     </a:ext>
   </a:extLst>
 </a:theme>

--- a/less-6-合并.pptx
+++ b/less-6-合并.pptx
@@ -127,7 +127,7 @@
   </p:defaultTextStyle>
   <p:extLst>
     <p:ext uri="{EFAFB233-063F-42B5-8137-9DF3F51BA10A}">
-      <p15:sldGuideLst xmlns:p15="http://schemas.microsoft.com/office/powerpoint/2012/main" xmlns="">
+      <p15:sldGuideLst xmlns="" xmlns:p15="http://schemas.microsoft.com/office/powerpoint/2012/main">
         <p15:guide id="1" orient="horz" pos="2160">
           <p15:clr>
             <a:srgbClr val="A4A3A4"/>
@@ -226,7 +226,7 @@
           <a:p>
             <a:fld id="{918C987C-5DAD-4601-B625-55A3208473B0}" type="datetimeFigureOut">
               <a:rPr lang="zh-CN" altLang="en-US" smtClean="0"/>
-              <a:t>2018/12/11</a:t>
+              <a:t>2018/12/18</a:t>
             </a:fld>
             <a:endParaRPr lang="zh-CN" altLang="en-US"/>
           </a:p>
@@ -675,7 +675,7 @@
           <a:p>
             <a:fld id="{17C7C8FB-1C37-4023-AA22-09D5A8E13DCF}" type="datetimeFigureOut">
               <a:rPr lang="zh-CN" altLang="en-US" smtClean="0"/>
-              <a:t>2018/12/11</a:t>
+              <a:t>2018/12/18</a:t>
             </a:fld>
             <a:endParaRPr lang="zh-CN" altLang="en-US"/>
           </a:p>
@@ -845,7 +845,7 @@
           <a:p>
             <a:fld id="{17C7C8FB-1C37-4023-AA22-09D5A8E13DCF}" type="datetimeFigureOut">
               <a:rPr lang="zh-CN" altLang="en-US" smtClean="0"/>
-              <a:t>2018/12/11</a:t>
+              <a:t>2018/12/18</a:t>
             </a:fld>
             <a:endParaRPr lang="zh-CN" altLang="en-US"/>
           </a:p>
@@ -1025,7 +1025,7 @@
           <a:p>
             <a:fld id="{17C7C8FB-1C37-4023-AA22-09D5A8E13DCF}" type="datetimeFigureOut">
               <a:rPr lang="zh-CN" altLang="en-US" smtClean="0"/>
-              <a:t>2018/12/11</a:t>
+              <a:t>2018/12/18</a:t>
             </a:fld>
             <a:endParaRPr lang="zh-CN" altLang="en-US"/>
           </a:p>
@@ -1195,7 +1195,7 @@
           <a:p>
             <a:fld id="{17C7C8FB-1C37-4023-AA22-09D5A8E13DCF}" type="datetimeFigureOut">
               <a:rPr lang="zh-CN" altLang="en-US" smtClean="0"/>
-              <a:t>2018/12/11</a:t>
+              <a:t>2018/12/18</a:t>
             </a:fld>
             <a:endParaRPr lang="zh-CN" altLang="en-US"/>
           </a:p>
@@ -1441,7 +1441,7 @@
           <a:p>
             <a:fld id="{17C7C8FB-1C37-4023-AA22-09D5A8E13DCF}" type="datetimeFigureOut">
               <a:rPr lang="zh-CN" altLang="en-US" smtClean="0"/>
-              <a:t>2018/12/11</a:t>
+              <a:t>2018/12/18</a:t>
             </a:fld>
             <a:endParaRPr lang="zh-CN" altLang="en-US"/>
           </a:p>
@@ -1729,7 +1729,7 @@
           <a:p>
             <a:fld id="{17C7C8FB-1C37-4023-AA22-09D5A8E13DCF}" type="datetimeFigureOut">
               <a:rPr lang="zh-CN" altLang="en-US" smtClean="0"/>
-              <a:t>2018/12/11</a:t>
+              <a:t>2018/12/18</a:t>
             </a:fld>
             <a:endParaRPr lang="zh-CN" altLang="en-US"/>
           </a:p>
@@ -2151,7 +2151,7 @@
           <a:p>
             <a:fld id="{17C7C8FB-1C37-4023-AA22-09D5A8E13DCF}" type="datetimeFigureOut">
               <a:rPr lang="zh-CN" altLang="en-US" smtClean="0"/>
-              <a:t>2018/12/11</a:t>
+              <a:t>2018/12/18</a:t>
             </a:fld>
             <a:endParaRPr lang="zh-CN" altLang="en-US"/>
           </a:p>
@@ -2269,7 +2269,7 @@
           <a:p>
             <a:fld id="{17C7C8FB-1C37-4023-AA22-09D5A8E13DCF}" type="datetimeFigureOut">
               <a:rPr lang="zh-CN" altLang="en-US" smtClean="0"/>
-              <a:t>2018/12/11</a:t>
+              <a:t>2018/12/18</a:t>
             </a:fld>
             <a:endParaRPr lang="zh-CN" altLang="en-US"/>
           </a:p>
@@ -2364,7 +2364,7 @@
           <a:p>
             <a:fld id="{17C7C8FB-1C37-4023-AA22-09D5A8E13DCF}" type="datetimeFigureOut">
               <a:rPr lang="zh-CN" altLang="en-US" smtClean="0"/>
-              <a:t>2018/12/11</a:t>
+              <a:t>2018/12/18</a:t>
             </a:fld>
             <a:endParaRPr lang="zh-CN" altLang="en-US"/>
           </a:p>
@@ -2641,7 +2641,7 @@
           <a:p>
             <a:fld id="{17C7C8FB-1C37-4023-AA22-09D5A8E13DCF}" type="datetimeFigureOut">
               <a:rPr lang="zh-CN" altLang="en-US" smtClean="0"/>
-              <a:t>2018/12/11</a:t>
+              <a:t>2018/12/18</a:t>
             </a:fld>
             <a:endParaRPr lang="zh-CN" altLang="en-US"/>
           </a:p>
@@ -2894,7 +2894,7 @@
           <a:p>
             <a:fld id="{17C7C8FB-1C37-4023-AA22-09D5A8E13DCF}" type="datetimeFigureOut">
               <a:rPr lang="zh-CN" altLang="en-US" smtClean="0"/>
-              <a:t>2018/12/11</a:t>
+              <a:t>2018/12/18</a:t>
             </a:fld>
             <a:endParaRPr lang="zh-CN" altLang="en-US"/>
           </a:p>
@@ -3107,7 +3107,7 @@
           <a:p>
             <a:fld id="{17C7C8FB-1C37-4023-AA22-09D5A8E13DCF}" type="datetimeFigureOut">
               <a:rPr lang="zh-CN" altLang="en-US" smtClean="0"/>
-              <a:t>2018/12/11</a:t>
+              <a:t>2018/12/18</a:t>
             </a:fld>
             <a:endParaRPr lang="zh-CN" altLang="en-US"/>
           </a:p>
@@ -3768,12 +3768,22 @@
         </p:blipFill>
         <p:spPr>
           <a:xfrm>
-            <a:off x="1187624" y="1268760"/>
+            <a:off x="969379" y="980728"/>
             <a:ext cx="2642837" cy="2843052"/>
           </a:xfrm>
           <a:prstGeom prst="rect">
             <a:avLst/>
           </a:prstGeom>
+          <a:ln>
+            <a:noFill/>
+          </a:ln>
+          <a:effectLst>
+            <a:outerShdw blurRad="292100" dist="139700" dir="2700000" algn="tl" rotWithShape="0">
+              <a:srgbClr val="333333">
+                <a:alpha val="65000"/>
+              </a:srgbClr>
+            </a:outerShdw>
+          </a:effectLst>
         </p:spPr>
       </p:pic>
       <p:pic>
@@ -3798,12 +3808,22 @@
         </p:blipFill>
         <p:spPr>
           <a:xfrm>
-            <a:off x="4860032" y="1268760"/>
+            <a:off x="4641787" y="980728"/>
             <a:ext cx="3029373" cy="3448531"/>
           </a:xfrm>
           <a:prstGeom prst="rect">
             <a:avLst/>
           </a:prstGeom>
+          <a:ln>
+            <a:noFill/>
+          </a:ln>
+          <a:effectLst>
+            <a:outerShdw blurRad="292100" dist="139700" dir="2700000" algn="tl" rotWithShape="0">
+              <a:srgbClr val="333333">
+                <a:alpha val="65000"/>
+              </a:srgbClr>
+            </a:outerShdw>
+          </a:effectLst>
         </p:spPr>
       </p:pic>
       <p:sp>
@@ -3814,7 +3834,7 @@
         </p:nvSpPr>
         <p:spPr>
           <a:xfrm>
-            <a:off x="4000128" y="2420888"/>
+            <a:off x="3781883" y="2132856"/>
             <a:ext cx="576064" cy="648072"/>
           </a:xfrm>
           <a:prstGeom prst="rightArrow">
@@ -3852,7 +3872,7 @@
         </p:nvSpPr>
         <p:spPr>
           <a:xfrm>
-            <a:off x="1117837" y="4432119"/>
+            <a:off x="1185653" y="3717032"/>
             <a:ext cx="2882291" cy="432048"/>
           </a:xfrm>
           <a:prstGeom prst="wedgeRoundRectCallout">
@@ -3918,13 +3938,13 @@
         </p:nvSpPr>
         <p:spPr>
           <a:xfrm>
-            <a:off x="4860032" y="4745689"/>
-            <a:ext cx="2882291" cy="432048"/>
+            <a:off x="4786053" y="4149080"/>
+            <a:ext cx="2594259" cy="432048"/>
           </a:xfrm>
           <a:prstGeom prst="wedgeRoundRectCallout">
             <a:avLst>
-              <a:gd name="adj1" fmla="val -31322"/>
-              <a:gd name="adj2" fmla="val -90534"/>
+              <a:gd name="adj1" fmla="val -26442"/>
+              <a:gd name="adj2" fmla="val -77510"/>
               <a:gd name="adj3" fmla="val 16667"/>
             </a:avLst>
           </a:prstGeom>
@@ -4001,7 +4021,7 @@
         <p:spPr>
           <a:xfrm>
             <a:off x="684000" y="260648"/>
-            <a:ext cx="7776000" cy="581057"/>
+            <a:ext cx="7776000" cy="646331"/>
           </a:xfrm>
           <a:prstGeom prst="rect">
             <a:avLst/>
@@ -4032,7 +4052,20 @@
                 <a:latin typeface="微软雅黑" pitchFamily="34" charset="-122"/>
                 <a:ea typeface="微软雅黑" pitchFamily="34" charset="-122"/>
               </a:rPr>
-              <a:t>等价单不相同的</a:t>
+              <a:t>等价但不</a:t>
+            </a:r>
+            <a:r>
+              <a:rPr lang="zh-CN" altLang="en-US" sz="2400" dirty="0" smtClean="0">
+                <a:solidFill>
+                  <a:schemeClr val="tx1">
+                    <a:lumMod val="75000"/>
+                    <a:lumOff val="25000"/>
+                  </a:schemeClr>
+                </a:solidFill>
+                <a:latin typeface="微软雅黑" pitchFamily="34" charset="-122"/>
+                <a:ea typeface="微软雅黑" pitchFamily="34" charset="-122"/>
+              </a:rPr>
+              <a:t>相同的</a:t>
             </a:r>
             <a:r>
               <a:rPr lang="en-US" altLang="zh-CN" sz="2400" dirty="0" smtClean="0">
@@ -4861,8 +4894,8 @@
         </p:nvSpPr>
         <p:spPr>
           <a:xfrm>
-            <a:off x="2627784" y="6343791"/>
-            <a:ext cx="1315297" cy="360040"/>
+            <a:off x="1435522" y="6343791"/>
+            <a:ext cx="2507560" cy="360040"/>
           </a:xfrm>
           <a:prstGeom prst="rect">
             <a:avLst/>
@@ -5194,7 +5227,7 @@
         </p:nvSpPr>
         <p:spPr>
           <a:xfrm>
-            <a:off x="4923692" y="2032928"/>
+            <a:off x="5042017" y="1744896"/>
             <a:ext cx="576064" cy="648072"/>
           </a:xfrm>
           <a:prstGeom prst="rightArrow">
@@ -5246,7 +5279,7 @@
         </p:blipFill>
         <p:spPr>
           <a:xfrm>
-            <a:off x="1069299" y="1772816"/>
+            <a:off x="1187624" y="1484784"/>
             <a:ext cx="3781953" cy="1762371"/>
           </a:xfrm>
           <a:prstGeom prst="rect">
@@ -5286,7 +5319,7 @@
         </p:blipFill>
         <p:spPr>
           <a:xfrm>
-            <a:off x="5571764" y="1794816"/>
+            <a:off x="5690089" y="1506784"/>
             <a:ext cx="1724266" cy="1047896"/>
           </a:xfrm>
           <a:prstGeom prst="rect">
@@ -5326,7 +5359,7 @@
         </p:blipFill>
         <p:spPr>
           <a:xfrm>
-            <a:off x="1122687" y="3861048"/>
+            <a:off x="1241012" y="3573016"/>
             <a:ext cx="3801005" cy="1790950"/>
           </a:xfrm>
           <a:prstGeom prst="rect">
@@ -5366,7 +5399,7 @@
         </p:blipFill>
         <p:spPr>
           <a:xfrm>
-            <a:off x="5571764" y="4156374"/>
+            <a:off x="5690089" y="3868342"/>
             <a:ext cx="1810003" cy="1038370"/>
           </a:xfrm>
           <a:prstGeom prst="rect">
@@ -5392,7 +5425,7 @@
         </p:nvSpPr>
         <p:spPr>
           <a:xfrm>
-            <a:off x="4932040" y="4432487"/>
+            <a:off x="5050365" y="4144455"/>
             <a:ext cx="576064" cy="648072"/>
           </a:xfrm>
           <a:prstGeom prst="rightArrow">
@@ -5430,7 +5463,7 @@
         </p:nvSpPr>
         <p:spPr>
           <a:xfrm>
-            <a:off x="1069299" y="2060848"/>
+            <a:off x="1187624" y="1772816"/>
             <a:ext cx="1016496" cy="432048"/>
           </a:xfrm>
           <a:prstGeom prst="rect">
@@ -5476,8 +5509,54 @@
         </p:nvSpPr>
         <p:spPr>
           <a:xfrm>
-            <a:off x="3419872" y="5157192"/>
+            <a:off x="3538197" y="4869160"/>
             <a:ext cx="1016496" cy="432048"/>
+          </a:xfrm>
+          <a:prstGeom prst="rect">
+            <a:avLst/>
+          </a:prstGeom>
+          <a:noFill/>
+          <a:ln w="38100">
+            <a:solidFill>
+              <a:srgbClr val="FFFF00"/>
+            </a:solidFill>
+          </a:ln>
+        </p:spPr>
+        <p:style>
+          <a:lnRef idx="2">
+            <a:schemeClr val="accent1">
+              <a:shade val="50000"/>
+            </a:schemeClr>
+          </a:lnRef>
+          <a:fillRef idx="1">
+            <a:schemeClr val="accent1"/>
+          </a:fillRef>
+          <a:effectRef idx="0">
+            <a:schemeClr val="accent1"/>
+          </a:effectRef>
+          <a:fontRef idx="minor">
+            <a:schemeClr val="lt1"/>
+          </a:fontRef>
+        </p:style>
+        <p:txBody>
+          <a:bodyPr rtlCol="0" anchor="ctr"/>
+          <a:lstStyle/>
+          <a:p>
+            <a:pPr algn="ctr"/>
+            <a:endParaRPr lang="zh-CN" altLang="en-US"/>
+          </a:p>
+        </p:txBody>
+      </p:sp>
+      <p:sp>
+        <p:nvSpPr>
+          <p:cNvPr id="11" name="矩形 10"/>
+          <p:cNvSpPr/>
+          <p:nvPr/>
+        </p:nvSpPr>
+        <p:spPr>
+          <a:xfrm>
+            <a:off x="2521701" y="2815107"/>
+            <a:ext cx="2032992" cy="432048"/>
           </a:xfrm>
           <a:prstGeom prst="rect">
             <a:avLst/>
@@ -5597,20 +5676,7 @@
                 <a:latin typeface="微软雅黑" pitchFamily="34" charset="-122"/>
                 <a:ea typeface="微软雅黑" pitchFamily="34" charset="-122"/>
               </a:rPr>
-              <a:t>e</a:t>
-            </a:r>
-            <a:r>
-              <a:rPr lang="en-US" altLang="zh-CN" sz="2400" dirty="0" smtClean="0">
-                <a:solidFill>
-                  <a:schemeClr val="tx1">
-                    <a:lumMod val="75000"/>
-                    <a:lumOff val="25000"/>
-                  </a:schemeClr>
-                </a:solidFill>
-                <a:latin typeface="微软雅黑" pitchFamily="34" charset="-122"/>
-                <a:ea typeface="微软雅黑" pitchFamily="34" charset="-122"/>
-              </a:rPr>
-              <a:t>xtend()</a:t>
+              <a:t>extend()</a:t>
             </a:r>
             <a:r>
               <a:rPr lang="zh-CN" altLang="en-US" sz="2400" dirty="0" smtClean="0">
@@ -5660,7 +5726,7 @@
         </p:blipFill>
         <p:spPr>
           <a:xfrm>
-            <a:off x="1170584" y="1586925"/>
+            <a:off x="1170584" y="1196752"/>
             <a:ext cx="3372321" cy="1857634"/>
           </a:xfrm>
           <a:prstGeom prst="rect">
@@ -5700,7 +5766,7 @@
         </p:blipFill>
         <p:spPr>
           <a:xfrm>
-            <a:off x="5292080" y="1844136"/>
+            <a:off x="5292080" y="1453963"/>
             <a:ext cx="1829055" cy="1343212"/>
           </a:xfrm>
           <a:prstGeom prst="rect">
@@ -5726,7 +5792,7 @@
         </p:nvSpPr>
         <p:spPr>
           <a:xfrm>
-            <a:off x="4586066" y="2191706"/>
+            <a:off x="4586066" y="1801533"/>
             <a:ext cx="576064" cy="648072"/>
           </a:xfrm>
           <a:prstGeom prst="rightArrow">
@@ -5764,7 +5830,7 @@
         </p:nvSpPr>
         <p:spPr>
           <a:xfrm>
-            <a:off x="1170584" y="2971324"/>
+            <a:off x="1170584" y="2581151"/>
             <a:ext cx="881136" cy="432048"/>
           </a:xfrm>
           <a:prstGeom prst="rect">
@@ -5810,7 +5876,7 @@
         </p:nvSpPr>
         <p:spPr>
           <a:xfrm>
-            <a:off x="5305683" y="2132856"/>
+            <a:off x="5305683" y="1742683"/>
             <a:ext cx="1282542" cy="432048"/>
           </a:xfrm>
           <a:prstGeom prst="rect">
@@ -5886,7 +5952,7 @@
         </p:nvSpPr>
         <p:spPr>
           <a:xfrm>
-            <a:off x="971600" y="332656"/>
+            <a:off x="827584" y="332656"/>
             <a:ext cx="7776000" cy="1200329"/>
           </a:xfrm>
           <a:prstGeom prst="rect">
@@ -5931,10 +5997,10 @@
                 <a:latin typeface="微软雅黑" pitchFamily="34" charset="-122"/>
                 <a:ea typeface="微软雅黑" pitchFamily="34" charset="-122"/>
               </a:rPr>
-              <a:t>e</a:t>
-            </a:r>
-            <a:r>
-              <a:rPr lang="en-US" altLang="zh-CN" sz="2400" dirty="0" smtClean="0">
+              <a:t>extend()</a:t>
+            </a:r>
+            <a:r>
+              <a:rPr lang="zh-CN" altLang="en-US" sz="2400" dirty="0" smtClean="0">
                 <a:solidFill>
                   <a:schemeClr val="tx1">
                     <a:lumMod val="75000"/>
@@ -5944,33 +6010,7 @@
                 <a:latin typeface="微软雅黑" pitchFamily="34" charset="-122"/>
                 <a:ea typeface="微软雅黑" pitchFamily="34" charset="-122"/>
               </a:rPr>
-              <a:t>xtend()</a:t>
-            </a:r>
-            <a:r>
-              <a:rPr lang="zh-CN" altLang="en-US" sz="2400" dirty="0" smtClean="0">
-                <a:solidFill>
-                  <a:schemeClr val="tx1">
-                    <a:lumMod val="75000"/>
-                    <a:lumOff val="25000"/>
-                  </a:schemeClr>
-                </a:solidFill>
-                <a:latin typeface="微软雅黑" pitchFamily="34" charset="-122"/>
-                <a:ea typeface="微软雅黑" pitchFamily="34" charset="-122"/>
-              </a:rPr>
-              <a:t>如果</a:t>
-            </a:r>
-            <a:r>
-              <a:rPr lang="zh-CN" altLang="en-US" sz="2400" dirty="0" smtClean="0">
-                <a:solidFill>
-                  <a:schemeClr val="tx1">
-                    <a:lumMod val="75000"/>
-                    <a:lumOff val="25000"/>
-                  </a:schemeClr>
-                </a:solidFill>
-                <a:latin typeface="微软雅黑" pitchFamily="34" charset="-122"/>
-                <a:ea typeface="微软雅黑" pitchFamily="34" charset="-122"/>
-              </a:rPr>
-              <a:t>嵌入</a:t>
+              <a:t>如果嵌入</a:t>
             </a:r>
             <a:r>
               <a:rPr lang="en-US" altLang="zh-CN" sz="2400" dirty="0" smtClean="0">
@@ -6033,12 +6073,22 @@
         </p:blipFill>
         <p:spPr>
           <a:xfrm>
-            <a:off x="4691102" y="1628800"/>
+            <a:off x="4499992" y="1628800"/>
             <a:ext cx="4025024" cy="4753362"/>
           </a:xfrm>
           <a:prstGeom prst="rect">
             <a:avLst/>
           </a:prstGeom>
+          <a:ln>
+            <a:noFill/>
+          </a:ln>
+          <a:effectLst>
+            <a:outerShdw blurRad="292100" dist="139700" dir="2700000" algn="tl" rotWithShape="0">
+              <a:srgbClr val="333333">
+                <a:alpha val="65000"/>
+              </a:srgbClr>
+            </a:outerShdw>
+          </a:effectLst>
         </p:spPr>
       </p:pic>
       <p:pic>
@@ -6069,6 +6119,16 @@
           <a:prstGeom prst="rect">
             <a:avLst/>
           </a:prstGeom>
+          <a:ln>
+            <a:noFill/>
+          </a:ln>
+          <a:effectLst>
+            <a:outerShdw blurRad="292100" dist="139700" dir="2700000" algn="tl" rotWithShape="0">
+              <a:srgbClr val="333333">
+                <a:alpha val="65000"/>
+              </a:srgbClr>
+            </a:outerShdw>
+          </a:effectLst>
         </p:spPr>
       </p:pic>
       <p:sp>
@@ -6163,7 +6223,7 @@
         </p:nvSpPr>
         <p:spPr>
           <a:xfrm>
-            <a:off x="1403648" y="3681445"/>
+            <a:off x="1259632" y="3429000"/>
             <a:ext cx="1512168" cy="252000"/>
           </a:xfrm>
           <a:prstGeom prst="rect">
@@ -6209,8 +6269,8 @@
         </p:nvSpPr>
         <p:spPr>
           <a:xfrm>
-            <a:off x="4836720" y="2204864"/>
-            <a:ext cx="1512168" cy="252000"/>
+            <a:off x="4645610" y="1911399"/>
+            <a:ext cx="1512168" cy="545465"/>
           </a:xfrm>
           <a:prstGeom prst="rect">
             <a:avLst/>
@@ -6247,6 +6307,83 @@
           </a:p>
         </p:txBody>
       </p:sp>
+      <p:cxnSp>
+        <p:nvCxnSpPr>
+          <p:cNvPr id="14" name="曲线连接符 13"/>
+          <p:cNvCxnSpPr>
+            <a:stCxn id="11" idx="1"/>
+            <a:endCxn id="12" idx="1"/>
+          </p:cNvCxnSpPr>
+          <p:nvPr/>
+        </p:nvCxnSpPr>
+        <p:spPr>
+          <a:xfrm rot="10800000" flipV="1">
+            <a:off x="1259632" y="2037398"/>
+            <a:ext cx="48846" cy="1517601"/>
+          </a:xfrm>
+          <a:prstGeom prst="curvedConnector3">
+            <a:avLst>
+              <a:gd name="adj1" fmla="val 568001"/>
+            </a:avLst>
+          </a:prstGeom>
+          <a:ln w="38100">
+            <a:solidFill>
+              <a:srgbClr val="FF0000"/>
+            </a:solidFill>
+            <a:tailEnd type="arrow"/>
+          </a:ln>
+        </p:spPr>
+        <p:style>
+          <a:lnRef idx="1">
+            <a:schemeClr val="accent1"/>
+          </a:lnRef>
+          <a:fillRef idx="0">
+            <a:schemeClr val="accent1"/>
+          </a:fillRef>
+          <a:effectRef idx="0">
+            <a:schemeClr val="accent1"/>
+          </a:effectRef>
+          <a:fontRef idx="minor">
+            <a:schemeClr val="tx1"/>
+          </a:fontRef>
+        </p:style>
+      </p:cxnSp>
+      <p:cxnSp>
+        <p:nvCxnSpPr>
+          <p:cNvPr id="15" name="曲线连接符 14"/>
+          <p:cNvCxnSpPr/>
+          <p:nvPr/>
+        </p:nvCxnSpPr>
+        <p:spPr>
+          <a:xfrm flipV="1">
+            <a:off x="2714881" y="2330864"/>
+            <a:ext cx="2144719" cy="1224136"/>
+          </a:xfrm>
+          <a:prstGeom prst="curvedConnector3">
+            <a:avLst/>
+          </a:prstGeom>
+          <a:ln w="38100">
+            <a:solidFill>
+              <a:srgbClr val="FF0000"/>
+            </a:solidFill>
+            <a:tailEnd type="arrow"/>
+          </a:ln>
+        </p:spPr>
+        <p:style>
+          <a:lnRef idx="1">
+            <a:schemeClr val="accent1"/>
+          </a:lnRef>
+          <a:fillRef idx="0">
+            <a:schemeClr val="accent1"/>
+          </a:fillRef>
+          <a:effectRef idx="0">
+            <a:schemeClr val="accent1"/>
+          </a:effectRef>
+          <a:fontRef idx="minor">
+            <a:schemeClr val="tx1"/>
+          </a:fontRef>
+        </p:style>
+      </p:cxnSp>
     </p:spTree>
     <p:extLst>
       <p:ext uri="{BB962C8B-B14F-4D97-AF65-F5344CB8AC3E}">
@@ -6330,20 +6467,7 @@
                 <a:latin typeface="微软雅黑" pitchFamily="34" charset="-122"/>
                 <a:ea typeface="微软雅黑" pitchFamily="34" charset="-122"/>
               </a:rPr>
-              <a:t>e</a:t>
-            </a:r>
-            <a:r>
-              <a:rPr lang="en-US" altLang="zh-CN" sz="2400" dirty="0" smtClean="0">
-                <a:solidFill>
-                  <a:schemeClr val="tx1">
-                    <a:lumMod val="75000"/>
-                    <a:lumOff val="25000"/>
-                  </a:schemeClr>
-                </a:solidFill>
-                <a:latin typeface="微软雅黑" pitchFamily="34" charset="-122"/>
-                <a:ea typeface="微软雅黑" pitchFamily="34" charset="-122"/>
-              </a:rPr>
-              <a:t>xtend()</a:t>
+              <a:t>extend()</a:t>
             </a:r>
             <a:r>
               <a:rPr lang="zh-CN" altLang="en-US" sz="2400" dirty="0" smtClean="0">
@@ -6419,7 +6543,7 @@
         </p:blipFill>
         <p:spPr>
           <a:xfrm>
-            <a:off x="683568" y="1844824"/>
+            <a:off x="755576" y="1628800"/>
             <a:ext cx="3743847" cy="3839111"/>
           </a:xfrm>
           <a:prstGeom prst="rect">
@@ -6459,7 +6583,7 @@
         </p:blipFill>
         <p:spPr>
           <a:xfrm>
-            <a:off x="4675742" y="1844824"/>
+            <a:off x="4531157" y="1628800"/>
             <a:ext cx="4071858" cy="3429757"/>
           </a:xfrm>
           <a:prstGeom prst="rect">
@@ -6485,7 +6609,7 @@
         </p:nvSpPr>
         <p:spPr>
           <a:xfrm>
-            <a:off x="683568" y="5274581"/>
+            <a:off x="778134" y="5058557"/>
             <a:ext cx="2880320" cy="324000"/>
           </a:xfrm>
           <a:prstGeom prst="rect">
@@ -6531,7 +6655,7 @@
         </p:nvSpPr>
         <p:spPr>
           <a:xfrm>
-            <a:off x="4788024" y="3825080"/>
+            <a:off x="4643439" y="3609056"/>
             <a:ext cx="1020194" cy="324000"/>
           </a:xfrm>
           <a:prstGeom prst="rect">
@@ -6577,7 +6701,7 @@
         </p:nvSpPr>
         <p:spPr>
           <a:xfrm>
-            <a:off x="4859600" y="2132856"/>
+            <a:off x="4715015" y="1916832"/>
             <a:ext cx="1020194" cy="324000"/>
           </a:xfrm>
           <a:prstGeom prst="rect">
@@ -6623,7 +6747,7 @@
         </p:nvSpPr>
         <p:spPr>
           <a:xfrm>
-            <a:off x="4188833" y="2515742"/>
+            <a:off x="4211391" y="2299718"/>
             <a:ext cx="576064" cy="648072"/>
           </a:xfrm>
           <a:prstGeom prst="rightArrow">
@@ -6736,20 +6860,7 @@
                 <a:latin typeface="微软雅黑" pitchFamily="34" charset="-122"/>
                 <a:ea typeface="微软雅黑" pitchFamily="34" charset="-122"/>
               </a:rPr>
-              <a:t>:extend</a:t>
-            </a:r>
-            <a:r>
-              <a:rPr lang="en-US" altLang="zh-CN" sz="2400" dirty="0" smtClean="0">
-                <a:solidFill>
-                  <a:schemeClr val="tx1">
-                    <a:lumMod val="75000"/>
-                    <a:lumOff val="25000"/>
-                  </a:schemeClr>
-                </a:solidFill>
-                <a:latin typeface="微软雅黑" pitchFamily="34" charset="-122"/>
-                <a:ea typeface="微软雅黑" pitchFamily="34" charset="-122"/>
-              </a:rPr>
-              <a:t>()</a:t>
+              <a:t>:extend()</a:t>
             </a:r>
             <a:r>
               <a:rPr lang="zh-CN" altLang="en-US" sz="2400" dirty="0" smtClean="0">
@@ -7174,7 +7285,7 @@
         </p:blipFill>
         <p:spPr>
           <a:xfrm>
-            <a:off x="1290860" y="4241123"/>
+            <a:off x="1259632" y="4241123"/>
             <a:ext cx="2591162" cy="2048161"/>
           </a:xfrm>
           <a:prstGeom prst="rect">
@@ -7254,6 +7365,98 @@
           </a:fillRef>
           <a:effectRef idx="2">
             <a:schemeClr val="accent3"/>
+          </a:effectRef>
+          <a:fontRef idx="minor">
+            <a:schemeClr val="lt1"/>
+          </a:fontRef>
+        </p:style>
+        <p:txBody>
+          <a:bodyPr rtlCol="0" anchor="ctr"/>
+          <a:lstStyle/>
+          <a:p>
+            <a:pPr algn="ctr"/>
+            <a:endParaRPr lang="zh-CN" altLang="en-US"/>
+          </a:p>
+        </p:txBody>
+      </p:sp>
+      <p:sp>
+        <p:nvSpPr>
+          <p:cNvPr id="9" name="矩形 8"/>
+          <p:cNvSpPr/>
+          <p:nvPr/>
+        </p:nvSpPr>
+        <p:spPr>
+          <a:xfrm>
+            <a:off x="5004048" y="5108255"/>
+            <a:ext cx="2458328" cy="318947"/>
+          </a:xfrm>
+          <a:prstGeom prst="rect">
+            <a:avLst/>
+          </a:prstGeom>
+          <a:noFill/>
+          <a:ln w="38100">
+            <a:solidFill>
+              <a:srgbClr val="FFFF00"/>
+            </a:solidFill>
+          </a:ln>
+        </p:spPr>
+        <p:style>
+          <a:lnRef idx="2">
+            <a:schemeClr val="accent1">
+              <a:shade val="50000"/>
+            </a:schemeClr>
+          </a:lnRef>
+          <a:fillRef idx="1">
+            <a:schemeClr val="accent1"/>
+          </a:fillRef>
+          <a:effectRef idx="0">
+            <a:schemeClr val="accent1"/>
+          </a:effectRef>
+          <a:fontRef idx="minor">
+            <a:schemeClr val="lt1"/>
+          </a:fontRef>
+        </p:style>
+        <p:txBody>
+          <a:bodyPr rtlCol="0" anchor="ctr"/>
+          <a:lstStyle/>
+          <a:p>
+            <a:pPr algn="ctr"/>
+            <a:endParaRPr lang="zh-CN" altLang="en-US"/>
+          </a:p>
+        </p:txBody>
+      </p:sp>
+      <p:sp>
+        <p:nvSpPr>
+          <p:cNvPr id="11" name="矩形 10"/>
+          <p:cNvSpPr/>
+          <p:nvPr/>
+        </p:nvSpPr>
+        <p:spPr>
+          <a:xfrm>
+            <a:off x="5004048" y="6021288"/>
+            <a:ext cx="2458328" cy="318947"/>
+          </a:xfrm>
+          <a:prstGeom prst="rect">
+            <a:avLst/>
+          </a:prstGeom>
+          <a:noFill/>
+          <a:ln w="38100">
+            <a:solidFill>
+              <a:srgbClr val="FFFF00"/>
+            </a:solidFill>
+          </a:ln>
+        </p:spPr>
+        <p:style>
+          <a:lnRef idx="2">
+            <a:schemeClr val="accent1">
+              <a:shade val="50000"/>
+            </a:schemeClr>
+          </a:lnRef>
+          <a:fillRef idx="1">
+            <a:schemeClr val="accent1"/>
+          </a:fillRef>
+          <a:effectRef idx="0">
+            <a:schemeClr val="accent1"/>
           </a:effectRef>
           <a:fontRef idx="minor">
             <a:schemeClr val="lt1"/>
@@ -7410,7 +7613,59 @@
                 <a:latin typeface="微软雅黑" pitchFamily="34" charset="-122"/>
                 <a:ea typeface="微软雅黑" pitchFamily="34" charset="-122"/>
               </a:rPr>
-              <a:t>中很多属性属于复合属性，就是一个属性，多个属性值</a:t>
+              <a:t>中很多属性属于复合属性，就是一个</a:t>
+            </a:r>
+            <a:r>
+              <a:rPr lang="zh-CN" altLang="en-US" sz="2400" dirty="0" smtClean="0">
+                <a:solidFill>
+                  <a:schemeClr val="tx1">
+                    <a:lumMod val="75000"/>
+                    <a:lumOff val="25000"/>
+                  </a:schemeClr>
+                </a:solidFill>
+                <a:latin typeface="微软雅黑" pitchFamily="34" charset="-122"/>
+                <a:ea typeface="微软雅黑" pitchFamily="34" charset="-122"/>
+              </a:rPr>
+              <a:t>属性</a:t>
+            </a:r>
+            <a:r>
+              <a:rPr lang="zh-CN" altLang="en-US" sz="2400" dirty="0">
+                <a:solidFill>
+                  <a:schemeClr val="tx1">
+                    <a:lumMod val="75000"/>
+                    <a:lumOff val="25000"/>
+                  </a:schemeClr>
+                </a:solidFill>
+                <a:latin typeface="微软雅黑" pitchFamily="34" charset="-122"/>
+                <a:ea typeface="微软雅黑" pitchFamily="34" charset="-122"/>
+              </a:rPr>
+              <a:t>名</a:t>
+            </a:r>
+            <a:r>
+              <a:rPr lang="zh-CN" altLang="en-US" sz="2400" dirty="0" smtClean="0">
+                <a:solidFill>
+                  <a:schemeClr val="tx1">
+                    <a:lumMod val="75000"/>
+                    <a:lumOff val="25000"/>
+                  </a:schemeClr>
+                </a:solidFill>
+                <a:latin typeface="微软雅黑" pitchFamily="34" charset="-122"/>
+                <a:ea typeface="微软雅黑" pitchFamily="34" charset="-122"/>
+              </a:rPr>
+              <a:t>，</a:t>
+            </a:r>
+            <a:r>
+              <a:rPr lang="zh-CN" altLang="en-US" sz="2400" dirty="0" smtClean="0">
+                <a:solidFill>
+                  <a:schemeClr val="tx1">
+                    <a:lumMod val="75000"/>
+                    <a:lumOff val="25000"/>
+                  </a:schemeClr>
+                </a:solidFill>
+                <a:latin typeface="微软雅黑" pitchFamily="34" charset="-122"/>
+                <a:ea typeface="微软雅黑" pitchFamily="34" charset="-122"/>
+              </a:rPr>
+              <a:t>多个属性值</a:t>
             </a:r>
             <a:r>
               <a:rPr lang="en-US" altLang="zh-CN" sz="2400" dirty="0" smtClean="0">
@@ -7939,6 +8194,273 @@
           </a:prstGeom>
         </p:spPr>
       </p:pic>
+      <p:sp>
+        <p:nvSpPr>
+          <p:cNvPr id="9" name="圆角矩形标注 8"/>
+          <p:cNvSpPr/>
+          <p:nvPr/>
+        </p:nvSpPr>
+        <p:spPr>
+          <a:xfrm>
+            <a:off x="2964629" y="276454"/>
+            <a:ext cx="1751387" cy="432048"/>
+          </a:xfrm>
+          <a:prstGeom prst="wedgeRoundRectCallout">
+            <a:avLst>
+              <a:gd name="adj1" fmla="val -22537"/>
+              <a:gd name="adj2" fmla="val 82036"/>
+              <a:gd name="adj3" fmla="val 16667"/>
+            </a:avLst>
+          </a:prstGeom>
+        </p:spPr>
+        <p:style>
+          <a:lnRef idx="2">
+            <a:schemeClr val="accent5"/>
+          </a:lnRef>
+          <a:fillRef idx="1">
+            <a:schemeClr val="lt1"/>
+          </a:fillRef>
+          <a:effectRef idx="0">
+            <a:schemeClr val="accent5"/>
+          </a:effectRef>
+          <a:fontRef idx="minor">
+            <a:schemeClr val="dk1"/>
+          </a:fontRef>
+        </p:style>
+        <p:txBody>
+          <a:bodyPr rtlCol="0" anchor="ctr"/>
+          <a:lstStyle/>
+          <a:p>
+            <a:pPr algn="ctr"/>
+            <a:r>
+              <a:rPr lang="zh-CN" altLang="en-US" dirty="0">
+                <a:latin typeface="微软雅黑" pitchFamily="34" charset="-122"/>
+                <a:ea typeface="微软雅黑" pitchFamily="34" charset="-122"/>
+              </a:rPr>
+              <a:t>第</a:t>
+            </a:r>
+            <a:r>
+              <a:rPr lang="zh-CN" altLang="en-US" dirty="0" smtClean="0">
+                <a:latin typeface="微软雅黑" pitchFamily="34" charset="-122"/>
+                <a:ea typeface="微软雅黑" pitchFamily="34" charset="-122"/>
+              </a:rPr>
+              <a:t>一部分属性</a:t>
+            </a:r>
+            <a:endParaRPr lang="zh-CN" altLang="en-US" dirty="0">
+              <a:latin typeface="微软雅黑" pitchFamily="34" charset="-122"/>
+              <a:ea typeface="微软雅黑" pitchFamily="34" charset="-122"/>
+            </a:endParaRPr>
+          </a:p>
+        </p:txBody>
+      </p:sp>
+      <p:sp>
+        <p:nvSpPr>
+          <p:cNvPr id="10" name="圆角矩形标注 9"/>
+          <p:cNvSpPr/>
+          <p:nvPr/>
+        </p:nvSpPr>
+        <p:spPr>
+          <a:xfrm>
+            <a:off x="2997526" y="1680631"/>
+            <a:ext cx="1718490" cy="432048"/>
+          </a:xfrm>
+          <a:prstGeom prst="wedgeRoundRectCallout">
+            <a:avLst>
+              <a:gd name="adj1" fmla="val -20707"/>
+              <a:gd name="adj2" fmla="val 75524"/>
+              <a:gd name="adj3" fmla="val 16667"/>
+            </a:avLst>
+          </a:prstGeom>
+        </p:spPr>
+        <p:style>
+          <a:lnRef idx="2">
+            <a:schemeClr val="accent5"/>
+          </a:lnRef>
+          <a:fillRef idx="1">
+            <a:schemeClr val="lt1"/>
+          </a:fillRef>
+          <a:effectRef idx="0">
+            <a:schemeClr val="accent5"/>
+          </a:effectRef>
+          <a:fontRef idx="minor">
+            <a:schemeClr val="dk1"/>
+          </a:fontRef>
+        </p:style>
+        <p:txBody>
+          <a:bodyPr rtlCol="0" anchor="ctr"/>
+          <a:lstStyle/>
+          <a:p>
+            <a:pPr algn="ctr"/>
+            <a:r>
+              <a:rPr lang="zh-CN" altLang="en-US" dirty="0" smtClean="0">
+                <a:latin typeface="微软雅黑" pitchFamily="34" charset="-122"/>
+                <a:ea typeface="微软雅黑" pitchFamily="34" charset="-122"/>
+              </a:rPr>
+              <a:t>第二部分属性</a:t>
+            </a:r>
+            <a:endParaRPr lang="zh-CN" altLang="en-US" dirty="0">
+              <a:latin typeface="微软雅黑" pitchFamily="34" charset="-122"/>
+              <a:ea typeface="微软雅黑" pitchFamily="34" charset="-122"/>
+            </a:endParaRPr>
+          </a:p>
+        </p:txBody>
+      </p:sp>
+      <p:sp>
+        <p:nvSpPr>
+          <p:cNvPr id="11" name="圆角矩形标注 10"/>
+          <p:cNvSpPr/>
+          <p:nvPr/>
+        </p:nvSpPr>
+        <p:spPr>
+          <a:xfrm>
+            <a:off x="4216811" y="2866028"/>
+            <a:ext cx="2922538" cy="432048"/>
+          </a:xfrm>
+          <a:prstGeom prst="wedgeRoundRectCallout">
+            <a:avLst>
+              <a:gd name="adj1" fmla="val -20707"/>
+              <a:gd name="adj2" fmla="val 75524"/>
+              <a:gd name="adj3" fmla="val 16667"/>
+            </a:avLst>
+          </a:prstGeom>
+        </p:spPr>
+        <p:style>
+          <a:lnRef idx="2">
+            <a:schemeClr val="accent5"/>
+          </a:lnRef>
+          <a:fillRef idx="1">
+            <a:schemeClr val="lt1"/>
+          </a:fillRef>
+          <a:effectRef idx="0">
+            <a:schemeClr val="accent5"/>
+          </a:effectRef>
+          <a:fontRef idx="minor">
+            <a:schemeClr val="dk1"/>
+          </a:fontRef>
+        </p:style>
+        <p:txBody>
+          <a:bodyPr rtlCol="0" anchor="ctr"/>
+          <a:lstStyle/>
+          <a:p>
+            <a:pPr algn="ctr"/>
+            <a:r>
+              <a:rPr lang="zh-CN" altLang="en-US" dirty="0" smtClean="0">
+                <a:latin typeface="微软雅黑" pitchFamily="34" charset="-122"/>
+                <a:ea typeface="微软雅黑" pitchFamily="34" charset="-122"/>
+              </a:rPr>
+              <a:t>两部分属性通过都好连接</a:t>
+            </a:r>
+            <a:endParaRPr lang="zh-CN" altLang="en-US" dirty="0">
+              <a:latin typeface="微软雅黑" pitchFamily="34" charset="-122"/>
+              <a:ea typeface="微软雅黑" pitchFamily="34" charset="-122"/>
+            </a:endParaRPr>
+          </a:p>
+        </p:txBody>
+      </p:sp>
+      <p:sp>
+        <p:nvSpPr>
+          <p:cNvPr id="12" name="圆角矩形标注 11"/>
+          <p:cNvSpPr/>
+          <p:nvPr/>
+        </p:nvSpPr>
+        <p:spPr>
+          <a:xfrm>
+            <a:off x="5461641" y="849219"/>
+            <a:ext cx="838551" cy="432048"/>
+          </a:xfrm>
+          <a:prstGeom prst="wedgeRoundRectCallout">
+            <a:avLst>
+              <a:gd name="adj1" fmla="val -57879"/>
+              <a:gd name="adj2" fmla="val 13659"/>
+              <a:gd name="adj3" fmla="val 16667"/>
+            </a:avLst>
+          </a:prstGeom>
+        </p:spPr>
+        <p:style>
+          <a:lnRef idx="2">
+            <a:schemeClr val="accent5"/>
+          </a:lnRef>
+          <a:fillRef idx="1">
+            <a:schemeClr val="lt1"/>
+          </a:fillRef>
+          <a:effectRef idx="0">
+            <a:schemeClr val="accent5"/>
+          </a:effectRef>
+          <a:fontRef idx="minor">
+            <a:schemeClr val="dk1"/>
+          </a:fontRef>
+        </p:style>
+        <p:txBody>
+          <a:bodyPr rtlCol="0" anchor="ctr"/>
+          <a:lstStyle/>
+          <a:p>
+            <a:pPr algn="ctr"/>
+            <a:r>
+              <a:rPr lang="en-US" altLang="zh-CN" dirty="0">
+                <a:latin typeface="微软雅黑" pitchFamily="34" charset="-122"/>
+                <a:ea typeface="微软雅黑" pitchFamily="34" charset="-122"/>
+              </a:rPr>
+              <a:t>less</a:t>
+            </a:r>
+            <a:endParaRPr lang="zh-CN" altLang="en-US" dirty="0">
+              <a:latin typeface="微软雅黑" pitchFamily="34" charset="-122"/>
+              <a:ea typeface="微软雅黑" pitchFamily="34" charset="-122"/>
+            </a:endParaRPr>
+          </a:p>
+        </p:txBody>
+      </p:sp>
+      <p:sp>
+        <p:nvSpPr>
+          <p:cNvPr id="13" name="圆角矩形标注 12"/>
+          <p:cNvSpPr/>
+          <p:nvPr/>
+        </p:nvSpPr>
+        <p:spPr>
+          <a:xfrm>
+            <a:off x="7139348" y="3356992"/>
+            <a:ext cx="838551" cy="432048"/>
+          </a:xfrm>
+          <a:prstGeom prst="wedgeRoundRectCallout">
+            <a:avLst>
+              <a:gd name="adj1" fmla="val -57879"/>
+              <a:gd name="adj2" fmla="val 13659"/>
+              <a:gd name="adj3" fmla="val 16667"/>
+            </a:avLst>
+          </a:prstGeom>
+        </p:spPr>
+        <p:style>
+          <a:lnRef idx="2">
+            <a:schemeClr val="accent5"/>
+          </a:lnRef>
+          <a:fillRef idx="1">
+            <a:schemeClr val="lt1"/>
+          </a:fillRef>
+          <a:effectRef idx="0">
+            <a:schemeClr val="accent5"/>
+          </a:effectRef>
+          <a:fontRef idx="minor">
+            <a:schemeClr val="dk1"/>
+          </a:fontRef>
+        </p:style>
+        <p:txBody>
+          <a:bodyPr rtlCol="0" anchor="ctr"/>
+          <a:lstStyle/>
+          <a:p>
+            <a:pPr algn="ctr"/>
+            <a:r>
+              <a:rPr lang="en-US" altLang="zh-CN" dirty="0" err="1" smtClean="0">
+                <a:latin typeface="微软雅黑" pitchFamily="34" charset="-122"/>
+                <a:ea typeface="微软雅黑" pitchFamily="34" charset="-122"/>
+              </a:rPr>
+              <a:t>css</a:t>
+            </a:r>
+            <a:endParaRPr lang="zh-CN" altLang="en-US" dirty="0">
+              <a:latin typeface="微软雅黑" pitchFamily="34" charset="-122"/>
+              <a:ea typeface="微软雅黑" pitchFamily="34" charset="-122"/>
+            </a:endParaRPr>
+          </a:p>
+        </p:txBody>
+      </p:sp>
     </p:spTree>
     <p:extLst>
       <p:ext uri="{BB962C8B-B14F-4D97-AF65-F5344CB8AC3E}">
@@ -8095,8 +8617,8 @@
         </p:nvSpPr>
         <p:spPr>
           <a:xfrm>
-            <a:off x="5290108" y="4797152"/>
-            <a:ext cx="2882291" cy="432048"/>
+            <a:off x="5290109" y="4797152"/>
+            <a:ext cx="2306228" cy="432048"/>
           </a:xfrm>
           <a:prstGeom prst="wedgeRoundRectCallout">
             <a:avLst>
@@ -8407,7 +8929,7 @@
         </p:blipFill>
         <p:spPr>
           <a:xfrm>
-            <a:off x="6919967" y="443305"/>
+            <a:off x="7019698" y="476672"/>
             <a:ext cx="1343212" cy="647790"/>
           </a:xfrm>
           <a:prstGeom prst="rect">
@@ -8544,10 +9066,10 @@
                 <a:latin typeface="微软雅黑" pitchFamily="34" charset="-122"/>
                 <a:ea typeface="微软雅黑" pitchFamily="34" charset="-122"/>
               </a:rPr>
-              <a:t>可以为某选择器添加</a:t>
-            </a:r>
-            <a:r>
-              <a:rPr lang="en-US" altLang="zh-CN" sz="2400" dirty="0" smtClean="0">
+              <a:t>可为选择</a:t>
+            </a:r>
+            <a:r>
+              <a:rPr lang="zh-CN" altLang="en-US" sz="2400" dirty="0" smtClean="0">
                 <a:solidFill>
                   <a:schemeClr val="tx1">
                     <a:lumMod val="75000"/>
@@ -8557,10 +9079,10 @@
                 <a:latin typeface="微软雅黑" pitchFamily="34" charset="-122"/>
                 <a:ea typeface="微软雅黑" pitchFamily="34" charset="-122"/>
               </a:rPr>
-              <a:t>less</a:t>
-            </a:r>
-            <a:r>
-              <a:rPr lang="zh-CN" altLang="en-US" sz="2400" dirty="0" smtClean="0">
+              <a:t>器添加</a:t>
+            </a:r>
+            <a:r>
+              <a:rPr lang="en-US" altLang="zh-CN" sz="2400" dirty="0" smtClean="0">
                 <a:solidFill>
                   <a:schemeClr val="tx1">
                     <a:lumMod val="75000"/>
@@ -8570,10 +9092,10 @@
                 <a:latin typeface="微软雅黑" pitchFamily="34" charset="-122"/>
                 <a:ea typeface="微软雅黑" pitchFamily="34" charset="-122"/>
               </a:rPr>
-              <a:t>的</a:t>
-            </a:r>
-            <a:r>
-              <a:rPr lang="en-US" altLang="zh-CN" sz="2400" b="1" dirty="0" smtClean="0">
+              <a:t>less</a:t>
+            </a:r>
+            <a:r>
+              <a:rPr lang="zh-CN" altLang="en-US" sz="2400" dirty="0" smtClean="0">
                 <a:solidFill>
                   <a:schemeClr val="tx1">
                     <a:lumMod val="75000"/>
@@ -8583,10 +9105,10 @@
                 <a:latin typeface="微软雅黑" pitchFamily="34" charset="-122"/>
                 <a:ea typeface="微软雅黑" pitchFamily="34" charset="-122"/>
               </a:rPr>
-              <a:t>extend(selector)</a:t>
-            </a:r>
-            <a:r>
-              <a:rPr lang="zh-CN" altLang="en-US" sz="2400" dirty="0" smtClean="0">
+              <a:t>的</a:t>
+            </a:r>
+            <a:r>
+              <a:rPr lang="en-US" altLang="zh-CN" sz="2400" b="1" dirty="0" smtClean="0">
                 <a:solidFill>
                   <a:schemeClr val="tx1">
                     <a:lumMod val="75000"/>
@@ -8596,7 +9118,46 @@
                 <a:latin typeface="微软雅黑" pitchFamily="34" charset="-122"/>
                 <a:ea typeface="微软雅黑" pitchFamily="34" charset="-122"/>
               </a:rPr>
-              <a:t>伪类，然后让该类型可以直接拥有选择器</a:t>
+              <a:t>extend(selector)</a:t>
+            </a:r>
+            <a:r>
+              <a:rPr lang="zh-CN" altLang="en-US" sz="2400" dirty="0" smtClean="0">
+                <a:solidFill>
+                  <a:schemeClr val="tx1">
+                    <a:lumMod val="75000"/>
+                    <a:lumOff val="25000"/>
+                  </a:schemeClr>
+                </a:solidFill>
+                <a:latin typeface="微软雅黑" pitchFamily="34" charset="-122"/>
+                <a:ea typeface="微软雅黑" pitchFamily="34" charset="-122"/>
+              </a:rPr>
+              <a:t>伪类，</a:t>
+            </a:r>
+            <a:r>
+              <a:rPr lang="zh-CN" altLang="en-US" sz="2400" dirty="0" smtClean="0">
+                <a:solidFill>
+                  <a:schemeClr val="tx1">
+                    <a:lumMod val="75000"/>
+                    <a:lumOff val="25000"/>
+                  </a:schemeClr>
+                </a:solidFill>
+                <a:latin typeface="微软雅黑" pitchFamily="34" charset="-122"/>
+                <a:ea typeface="微软雅黑" pitchFamily="34" charset="-122"/>
+              </a:rPr>
+              <a:t>然后该类型就直接拥有了选择</a:t>
+            </a:r>
+            <a:r>
+              <a:rPr lang="zh-CN" altLang="en-US" sz="2400" dirty="0" smtClean="0">
+                <a:solidFill>
+                  <a:schemeClr val="tx1">
+                    <a:lumMod val="75000"/>
+                    <a:lumOff val="25000"/>
+                  </a:schemeClr>
+                </a:solidFill>
+                <a:latin typeface="微软雅黑" pitchFamily="34" charset="-122"/>
+                <a:ea typeface="微软雅黑" pitchFamily="34" charset="-122"/>
+              </a:rPr>
+              <a:t>器</a:t>
             </a:r>
             <a:r>
               <a:rPr lang="en-US" altLang="zh-CN" sz="2400" dirty="0" smtClean="0">
@@ -8986,6 +9547,170 @@
           </a:effectLst>
         </p:spPr>
       </p:pic>
+      <p:sp>
+        <p:nvSpPr>
+          <p:cNvPr id="12" name="矩形 11"/>
+          <p:cNvSpPr/>
+          <p:nvPr/>
+        </p:nvSpPr>
+        <p:spPr>
+          <a:xfrm>
+            <a:off x="827584" y="2690001"/>
+            <a:ext cx="2160240" cy="378959"/>
+          </a:xfrm>
+          <a:prstGeom prst="rect">
+            <a:avLst/>
+          </a:prstGeom>
+          <a:noFill/>
+          <a:ln w="38100">
+            <a:solidFill>
+              <a:srgbClr val="FFFF00"/>
+            </a:solidFill>
+          </a:ln>
+        </p:spPr>
+        <p:style>
+          <a:lnRef idx="2">
+            <a:schemeClr val="accent1">
+              <a:shade val="50000"/>
+            </a:schemeClr>
+          </a:lnRef>
+          <a:fillRef idx="1">
+            <a:schemeClr val="accent1"/>
+          </a:fillRef>
+          <a:effectRef idx="0">
+            <a:schemeClr val="accent1"/>
+          </a:effectRef>
+          <a:fontRef idx="minor">
+            <a:schemeClr val="lt1"/>
+          </a:fontRef>
+        </p:style>
+        <p:txBody>
+          <a:bodyPr rtlCol="0" anchor="ctr"/>
+          <a:lstStyle/>
+          <a:p>
+            <a:pPr algn="ctr"/>
+            <a:endParaRPr lang="zh-CN" altLang="en-US"/>
+          </a:p>
+        </p:txBody>
+      </p:sp>
+      <p:cxnSp>
+        <p:nvCxnSpPr>
+          <p:cNvPr id="9" name="曲线连接符 8"/>
+          <p:cNvCxnSpPr>
+            <a:endCxn id="19" idx="1"/>
+          </p:cNvCxnSpPr>
+          <p:nvPr/>
+        </p:nvCxnSpPr>
+        <p:spPr>
+          <a:xfrm>
+            <a:off x="2987824" y="2780455"/>
+            <a:ext cx="1584175" cy="178967"/>
+          </a:xfrm>
+          <a:prstGeom prst="curvedConnector3">
+            <a:avLst/>
+          </a:prstGeom>
+          <a:ln w="38100">
+            <a:solidFill>
+              <a:srgbClr val="FF0000"/>
+            </a:solidFill>
+            <a:tailEnd type="arrow"/>
+          </a:ln>
+        </p:spPr>
+        <p:style>
+          <a:lnRef idx="1">
+            <a:schemeClr val="accent1"/>
+          </a:lnRef>
+          <a:fillRef idx="0">
+            <a:schemeClr val="accent1"/>
+          </a:fillRef>
+          <a:effectRef idx="0">
+            <a:schemeClr val="accent1"/>
+          </a:effectRef>
+          <a:fontRef idx="minor">
+            <a:schemeClr val="tx1"/>
+          </a:fontRef>
+        </p:style>
+      </p:cxnSp>
+      <p:sp>
+        <p:nvSpPr>
+          <p:cNvPr id="22" name="圆角矩形标注 21"/>
+          <p:cNvSpPr/>
+          <p:nvPr/>
+        </p:nvSpPr>
+        <p:spPr>
+          <a:xfrm>
+            <a:off x="1952912" y="3369605"/>
+            <a:ext cx="2475675" cy="432048"/>
+          </a:xfrm>
+          <a:prstGeom prst="wedgeRoundRectCallout">
+            <a:avLst>
+              <a:gd name="adj1" fmla="val -31322"/>
+              <a:gd name="adj2" fmla="val -90534"/>
+              <a:gd name="adj3" fmla="val 16667"/>
+            </a:avLst>
+          </a:prstGeom>
+        </p:spPr>
+        <p:style>
+          <a:lnRef idx="2">
+            <a:schemeClr val="accent5"/>
+          </a:lnRef>
+          <a:fillRef idx="1">
+            <a:schemeClr val="lt1"/>
+          </a:fillRef>
+          <a:effectRef idx="0">
+            <a:schemeClr val="accent5"/>
+          </a:effectRef>
+          <a:fontRef idx="minor">
+            <a:schemeClr val="dk1"/>
+          </a:fontRef>
+        </p:style>
+        <p:txBody>
+          <a:bodyPr rtlCol="0" anchor="ctr"/>
+          <a:lstStyle/>
+          <a:p>
+            <a:pPr algn="ctr"/>
+            <a:r>
+              <a:rPr lang="en-US" altLang="zh-CN" dirty="0" smtClean="0">
+                <a:latin typeface="微软雅黑" pitchFamily="34" charset="-122"/>
+                <a:ea typeface="微软雅黑" pitchFamily="34" charset="-122"/>
+              </a:rPr>
+              <a:t>#p4</a:t>
+            </a:r>
+            <a:r>
+              <a:rPr lang="zh-CN" altLang="en-US" dirty="0" smtClean="0">
+                <a:latin typeface="微软雅黑" pitchFamily="34" charset="-122"/>
+                <a:ea typeface="微软雅黑" pitchFamily="34" charset="-122"/>
+              </a:rPr>
+              <a:t>就有了</a:t>
+            </a:r>
+            <a:r>
+              <a:rPr lang="en-US" altLang="zh-CN" dirty="0" smtClean="0">
+                <a:latin typeface="微软雅黑" pitchFamily="34" charset="-122"/>
+                <a:ea typeface="微软雅黑" pitchFamily="34" charset="-122"/>
+              </a:rPr>
+              <a:t>#</a:t>
+            </a:r>
+            <a:r>
+              <a:rPr lang="en-US" altLang="zh-CN" dirty="0" smtClean="0">
+                <a:latin typeface="微软雅黑" pitchFamily="34" charset="-122"/>
+                <a:ea typeface="微软雅黑" pitchFamily="34" charset="-122"/>
+              </a:rPr>
+              <a:t>p5</a:t>
+            </a:r>
+            <a:r>
+              <a:rPr lang="zh-CN" altLang="en-US" dirty="0" smtClean="0">
+                <a:latin typeface="微软雅黑" pitchFamily="34" charset="-122"/>
+                <a:ea typeface="微软雅黑" pitchFamily="34" charset="-122"/>
+              </a:rPr>
+              <a:t>的属性</a:t>
+            </a:r>
+            <a:endParaRPr lang="zh-CN" altLang="en-US" dirty="0">
+              <a:latin typeface="微软雅黑" pitchFamily="34" charset="-122"/>
+              <a:ea typeface="微软雅黑" pitchFamily="34" charset="-122"/>
+            </a:endParaRPr>
+          </a:p>
+        </p:txBody>
+      </p:sp>
     </p:spTree>
     <p:extLst>
       <p:ext uri="{BB962C8B-B14F-4D97-AF65-F5344CB8AC3E}">
@@ -9087,7 +9812,33 @@
                 <a:latin typeface="微软雅黑" pitchFamily="34" charset="-122"/>
                 <a:ea typeface="微软雅黑" pitchFamily="34" charset="-122"/>
               </a:rPr>
-              <a:t>可以添加多个选择器作为参数，这样就会具有多个选择器下的样式</a:t>
+              <a:t>可以添加多个选择器作为参数，这样就会具有多个选择</a:t>
+            </a:r>
+            <a:r>
+              <a:rPr lang="zh-CN" altLang="en-US" sz="2400" dirty="0" smtClean="0">
+                <a:solidFill>
+                  <a:schemeClr val="tx1">
+                    <a:lumMod val="75000"/>
+                    <a:lumOff val="25000"/>
+                  </a:schemeClr>
+                </a:solidFill>
+                <a:latin typeface="微软雅黑" pitchFamily="34" charset="-122"/>
+                <a:ea typeface="微软雅黑" pitchFamily="34" charset="-122"/>
+              </a:rPr>
+              <a:t>器的</a:t>
+            </a:r>
+            <a:r>
+              <a:rPr lang="zh-CN" altLang="en-US" sz="2400" dirty="0" smtClean="0">
+                <a:solidFill>
+                  <a:schemeClr val="tx1">
+                    <a:lumMod val="75000"/>
+                    <a:lumOff val="25000"/>
+                  </a:schemeClr>
+                </a:solidFill>
+                <a:latin typeface="微软雅黑" pitchFamily="34" charset="-122"/>
+                <a:ea typeface="微软雅黑" pitchFamily="34" charset="-122"/>
+              </a:rPr>
+              <a:t>样式</a:t>
             </a:r>
             <a:endParaRPr lang="en-US" altLang="zh-CN" sz="2400" dirty="0" smtClean="0">
               <a:solidFill>
@@ -9233,13 +9984,13 @@
         </p:nvSpPr>
         <p:spPr>
           <a:xfrm>
-            <a:off x="1407862" y="5600158"/>
-            <a:ext cx="2882291" cy="432048"/>
+            <a:off x="1233687" y="5425597"/>
+            <a:ext cx="2882291" cy="781170"/>
           </a:xfrm>
           <a:prstGeom prst="wedgeRoundRectCallout">
             <a:avLst>
-              <a:gd name="adj1" fmla="val -31322"/>
-              <a:gd name="adj2" fmla="val -90534"/>
+              <a:gd name="adj1" fmla="val -27417"/>
+              <a:gd name="adj2" fmla="val -68924"/>
               <a:gd name="adj3" fmla="val 16667"/>
             </a:avLst>
           </a:prstGeom>
@@ -9262,7 +10013,11 @@
           <a:bodyPr rtlCol="0" anchor="ctr"/>
           <a:lstStyle/>
           <a:p>
-            <a:pPr algn="ctr"/>
+            <a:pPr>
+              <a:lnSpc>
+                <a:spcPct val="150000"/>
+              </a:lnSpc>
+            </a:pPr>
             <a:r>
               <a:rPr lang="en-US" altLang="zh-CN" dirty="0" smtClean="0">
                 <a:latin typeface="微软雅黑" pitchFamily="34" charset="-122"/>
@@ -9275,12 +10030,238 @@
                 <a:latin typeface="微软雅黑" pitchFamily="34" charset="-122"/>
                 <a:ea typeface="微软雅黑" pitchFamily="34" charset="-122"/>
               </a:rPr>
-              <a:t>表示所有包含该类型的</a:t>
+              <a:t>表示所有</a:t>
+            </a:r>
+            <a:r>
+              <a:rPr lang="zh-CN" altLang="en-US" dirty="0" smtClean="0">
+                <a:latin typeface="微软雅黑" pitchFamily="34" charset="-122"/>
+                <a:ea typeface="微软雅黑" pitchFamily="34" charset="-122"/>
+              </a:rPr>
+              <a:t>包含</a:t>
+            </a:r>
+            <a:r>
+              <a:rPr lang="en-US" altLang="zh-CN" dirty="0" smtClean="0">
+                <a:latin typeface="微软雅黑" pitchFamily="34" charset="-122"/>
+                <a:ea typeface="微软雅黑" pitchFamily="34" charset="-122"/>
+              </a:rPr>
+              <a:t>.p6-1</a:t>
+            </a:r>
+            <a:r>
+              <a:rPr lang="zh-CN" altLang="en-US" dirty="0" smtClean="0">
+                <a:latin typeface="微软雅黑" pitchFamily="34" charset="-122"/>
+                <a:ea typeface="微软雅黑" pitchFamily="34" charset="-122"/>
+              </a:rPr>
+              <a:t>的</a:t>
+            </a:r>
+            <a:r>
+              <a:rPr lang="zh-CN" altLang="en-US" dirty="0">
+                <a:latin typeface="微软雅黑" pitchFamily="34" charset="-122"/>
+                <a:ea typeface="微软雅黑" pitchFamily="34" charset="-122"/>
+              </a:rPr>
+              <a:t>选择</a:t>
+            </a:r>
+            <a:r>
+              <a:rPr lang="zh-CN" altLang="en-US" dirty="0" smtClean="0">
+                <a:latin typeface="微软雅黑" pitchFamily="34" charset="-122"/>
+                <a:ea typeface="微软雅黑" pitchFamily="34" charset="-122"/>
+              </a:rPr>
+              <a:t>器，都将出现</a:t>
+            </a:r>
+            <a:r>
+              <a:rPr lang="en-US" altLang="zh-CN" dirty="0" smtClean="0">
+                <a:latin typeface="微软雅黑" pitchFamily="34" charset="-122"/>
+                <a:ea typeface="微软雅黑" pitchFamily="34" charset="-122"/>
+              </a:rPr>
+              <a:t>#p6</a:t>
             </a:r>
             <a:endParaRPr lang="zh-CN" altLang="en-US" dirty="0">
               <a:latin typeface="微软雅黑" pitchFamily="34" charset="-122"/>
               <a:ea typeface="微软雅黑" pitchFamily="34" charset="-122"/>
             </a:endParaRPr>
+          </a:p>
+        </p:txBody>
+      </p:sp>
+      <p:sp>
+        <p:nvSpPr>
+          <p:cNvPr id="8" name="矩形 7"/>
+          <p:cNvSpPr/>
+          <p:nvPr/>
+        </p:nvSpPr>
+        <p:spPr>
+          <a:xfrm>
+            <a:off x="755575" y="4797152"/>
+            <a:ext cx="3534577" cy="360040"/>
+          </a:xfrm>
+          <a:prstGeom prst="rect">
+            <a:avLst/>
+          </a:prstGeom>
+          <a:noFill/>
+          <a:ln w="38100">
+            <a:solidFill>
+              <a:srgbClr val="FFFF00"/>
+            </a:solidFill>
+          </a:ln>
+        </p:spPr>
+        <p:style>
+          <a:lnRef idx="2">
+            <a:schemeClr val="accent1">
+              <a:shade val="50000"/>
+            </a:schemeClr>
+          </a:lnRef>
+          <a:fillRef idx="1">
+            <a:schemeClr val="accent1"/>
+          </a:fillRef>
+          <a:effectRef idx="0">
+            <a:schemeClr val="accent1"/>
+          </a:effectRef>
+          <a:fontRef idx="minor">
+            <a:schemeClr val="lt1"/>
+          </a:fontRef>
+        </p:style>
+        <p:txBody>
+          <a:bodyPr rtlCol="0" anchor="ctr"/>
+          <a:lstStyle/>
+          <a:p>
+            <a:pPr algn="ctr"/>
+            <a:endParaRPr lang="zh-CN" altLang="en-US"/>
+          </a:p>
+        </p:txBody>
+      </p:sp>
+      <p:sp>
+        <p:nvSpPr>
+          <p:cNvPr id="9" name="矩形 8"/>
+          <p:cNvSpPr/>
+          <p:nvPr/>
+        </p:nvSpPr>
+        <p:spPr>
+          <a:xfrm>
+            <a:off x="4713947" y="2060848"/>
+            <a:ext cx="866166" cy="360040"/>
+          </a:xfrm>
+          <a:prstGeom prst="rect">
+            <a:avLst/>
+          </a:prstGeom>
+          <a:noFill/>
+          <a:ln w="38100">
+            <a:solidFill>
+              <a:srgbClr val="FFFF00"/>
+            </a:solidFill>
+          </a:ln>
+        </p:spPr>
+        <p:style>
+          <a:lnRef idx="2">
+            <a:schemeClr val="accent1">
+              <a:shade val="50000"/>
+            </a:schemeClr>
+          </a:lnRef>
+          <a:fillRef idx="1">
+            <a:schemeClr val="accent1"/>
+          </a:fillRef>
+          <a:effectRef idx="0">
+            <a:schemeClr val="accent1"/>
+          </a:effectRef>
+          <a:fontRef idx="minor">
+            <a:schemeClr val="lt1"/>
+          </a:fontRef>
+        </p:style>
+        <p:txBody>
+          <a:bodyPr rtlCol="0" anchor="ctr"/>
+          <a:lstStyle/>
+          <a:p>
+            <a:pPr algn="ctr"/>
+            <a:endParaRPr lang="zh-CN" altLang="en-US"/>
+          </a:p>
+        </p:txBody>
+      </p:sp>
+      <p:sp>
+        <p:nvSpPr>
+          <p:cNvPr id="10" name="矩形 9"/>
+          <p:cNvSpPr/>
+          <p:nvPr/>
+        </p:nvSpPr>
+        <p:spPr>
+          <a:xfrm>
+            <a:off x="4683338" y="3423516"/>
+            <a:ext cx="866166" cy="360040"/>
+          </a:xfrm>
+          <a:prstGeom prst="rect">
+            <a:avLst/>
+          </a:prstGeom>
+          <a:noFill/>
+          <a:ln w="38100">
+            <a:solidFill>
+              <a:srgbClr val="FFFF00"/>
+            </a:solidFill>
+          </a:ln>
+        </p:spPr>
+        <p:style>
+          <a:lnRef idx="2">
+            <a:schemeClr val="accent1">
+              <a:shade val="50000"/>
+            </a:schemeClr>
+          </a:lnRef>
+          <a:fillRef idx="1">
+            <a:schemeClr val="accent1"/>
+          </a:fillRef>
+          <a:effectRef idx="0">
+            <a:schemeClr val="accent1"/>
+          </a:effectRef>
+          <a:fontRef idx="minor">
+            <a:schemeClr val="lt1"/>
+          </a:fontRef>
+        </p:style>
+        <p:txBody>
+          <a:bodyPr rtlCol="0" anchor="ctr"/>
+          <a:lstStyle/>
+          <a:p>
+            <a:pPr algn="ctr"/>
+            <a:endParaRPr lang="zh-CN" altLang="en-US"/>
+          </a:p>
+        </p:txBody>
+      </p:sp>
+      <p:sp>
+        <p:nvSpPr>
+          <p:cNvPr id="11" name="矩形 10"/>
+          <p:cNvSpPr/>
+          <p:nvPr/>
+        </p:nvSpPr>
+        <p:spPr>
+          <a:xfrm>
+            <a:off x="4683338" y="4797152"/>
+            <a:ext cx="866166" cy="360040"/>
+          </a:xfrm>
+          <a:prstGeom prst="rect">
+            <a:avLst/>
+          </a:prstGeom>
+          <a:noFill/>
+          <a:ln w="38100">
+            <a:solidFill>
+              <a:srgbClr val="FFFF00"/>
+            </a:solidFill>
+          </a:ln>
+        </p:spPr>
+        <p:style>
+          <a:lnRef idx="2">
+            <a:schemeClr val="accent1">
+              <a:shade val="50000"/>
+            </a:schemeClr>
+          </a:lnRef>
+          <a:fillRef idx="1">
+            <a:schemeClr val="accent1"/>
+          </a:fillRef>
+          <a:effectRef idx="0">
+            <a:schemeClr val="accent1"/>
+          </a:effectRef>
+          <a:fontRef idx="minor">
+            <a:schemeClr val="lt1"/>
+          </a:fontRef>
+        </p:style>
+        <p:txBody>
+          <a:bodyPr rtlCol="0" anchor="ctr"/>
+          <a:lstStyle/>
+          <a:p>
+            <a:pPr algn="ctr"/>
+            <a:endParaRPr lang="zh-CN" altLang="en-US"/>
           </a:p>
         </p:txBody>
       </p:sp>
@@ -9448,7 +10429,7 @@
               <a:buChar char="•"/>
             </a:pPr>
             <a:r>
-              <a:rPr lang="en-US" altLang="zh-CN" sz="2400" dirty="0" smtClean="0">
+              <a:rPr lang="en-US" altLang="zh-CN" sz="2400" dirty="0">
                 <a:solidFill>
                   <a:schemeClr val="tx1">
                     <a:lumMod val="75000"/>
@@ -9458,7 +10439,20 @@
                 <a:latin typeface="微软雅黑" pitchFamily="34" charset="-122"/>
                 <a:ea typeface="微软雅黑" pitchFamily="34" charset="-122"/>
               </a:rPr>
-              <a:t>Extend</a:t>
+              <a:t>e</a:t>
+            </a:r>
+            <a:r>
+              <a:rPr lang="en-US" altLang="zh-CN" sz="2400" dirty="0" smtClean="0">
+                <a:solidFill>
+                  <a:schemeClr val="tx1">
+                    <a:lumMod val="75000"/>
+                    <a:lumOff val="25000"/>
+                  </a:schemeClr>
+                </a:solidFill>
+                <a:latin typeface="微软雅黑" pitchFamily="34" charset="-122"/>
+                <a:ea typeface="微软雅黑" pitchFamily="34" charset="-122"/>
+              </a:rPr>
+              <a:t>xtend</a:t>
             </a:r>
             <a:r>
               <a:rPr lang="zh-CN" altLang="en-US" sz="2400" dirty="0" smtClean="0">
@@ -9588,7 +10582,33 @@
                 <a:latin typeface="微软雅黑" pitchFamily="34" charset="-122"/>
                 <a:ea typeface="微软雅黑" pitchFamily="34" charset="-122"/>
               </a:rPr>
-              <a:t>在选择器内部，表示对每个选择应用伪类</a:t>
+              <a:t>在选择器</a:t>
+            </a:r>
+            <a:r>
+              <a:rPr lang="zh-CN" altLang="en-US" sz="2400" b="1" dirty="0" smtClean="0">
+                <a:solidFill>
+                  <a:schemeClr val="tx1">
+                    <a:lumMod val="75000"/>
+                    <a:lumOff val="25000"/>
+                  </a:schemeClr>
+                </a:solidFill>
+                <a:latin typeface="微软雅黑" pitchFamily="34" charset="-122"/>
+                <a:ea typeface="微软雅黑" pitchFamily="34" charset="-122"/>
+              </a:rPr>
+              <a:t>内部</a:t>
+            </a:r>
+            <a:r>
+              <a:rPr lang="zh-CN" altLang="en-US" sz="2400" dirty="0" smtClean="0">
+                <a:solidFill>
+                  <a:schemeClr val="tx1">
+                    <a:lumMod val="75000"/>
+                    <a:lumOff val="25000"/>
+                  </a:schemeClr>
+                </a:solidFill>
+                <a:latin typeface="微软雅黑" pitchFamily="34" charset="-122"/>
+                <a:ea typeface="微软雅黑" pitchFamily="34" charset="-122"/>
+              </a:rPr>
+              <a:t>，表示对每个选择应用伪类</a:t>
             </a:r>
             <a:r>
               <a:rPr lang="en-US" altLang="zh-CN" sz="2400" dirty="0" smtClean="0">
@@ -9786,6 +10806,144 @@
           </a:fillRef>
           <a:effectRef idx="2">
             <a:schemeClr val="accent3"/>
+          </a:effectRef>
+          <a:fontRef idx="minor">
+            <a:schemeClr val="lt1"/>
+          </a:fontRef>
+        </p:style>
+        <p:txBody>
+          <a:bodyPr rtlCol="0" anchor="ctr"/>
+          <a:lstStyle/>
+          <a:p>
+            <a:pPr algn="ctr"/>
+            <a:endParaRPr lang="zh-CN" altLang="en-US"/>
+          </a:p>
+        </p:txBody>
+      </p:sp>
+      <p:sp>
+        <p:nvSpPr>
+          <p:cNvPr id="8" name="矩形 7"/>
+          <p:cNvSpPr/>
+          <p:nvPr/>
+        </p:nvSpPr>
+        <p:spPr>
+          <a:xfrm>
+            <a:off x="896283" y="5317063"/>
+            <a:ext cx="3027645" cy="360040"/>
+          </a:xfrm>
+          <a:prstGeom prst="rect">
+            <a:avLst/>
+          </a:prstGeom>
+          <a:noFill/>
+          <a:ln w="38100">
+            <a:solidFill>
+              <a:srgbClr val="FFFF00"/>
+            </a:solidFill>
+          </a:ln>
+        </p:spPr>
+        <p:style>
+          <a:lnRef idx="2">
+            <a:schemeClr val="accent1">
+              <a:shade val="50000"/>
+            </a:schemeClr>
+          </a:lnRef>
+          <a:fillRef idx="1">
+            <a:schemeClr val="accent1"/>
+          </a:fillRef>
+          <a:effectRef idx="0">
+            <a:schemeClr val="accent1"/>
+          </a:effectRef>
+          <a:fontRef idx="minor">
+            <a:schemeClr val="lt1"/>
+          </a:fontRef>
+        </p:style>
+        <p:txBody>
+          <a:bodyPr rtlCol="0" anchor="ctr"/>
+          <a:lstStyle/>
+          <a:p>
+            <a:pPr algn="ctr"/>
+            <a:endParaRPr lang="zh-CN" altLang="en-US"/>
+          </a:p>
+        </p:txBody>
+      </p:sp>
+      <p:sp>
+        <p:nvSpPr>
+          <p:cNvPr id="9" name="矩形 8"/>
+          <p:cNvSpPr/>
+          <p:nvPr/>
+        </p:nvSpPr>
+        <p:spPr>
+          <a:xfrm>
+            <a:off x="4854711" y="3646516"/>
+            <a:ext cx="581386" cy="574572"/>
+          </a:xfrm>
+          <a:prstGeom prst="rect">
+            <a:avLst/>
+          </a:prstGeom>
+          <a:noFill/>
+          <a:ln w="38100">
+            <a:solidFill>
+              <a:srgbClr val="FFFF00"/>
+            </a:solidFill>
+          </a:ln>
+        </p:spPr>
+        <p:style>
+          <a:lnRef idx="2">
+            <a:schemeClr val="accent1">
+              <a:shade val="50000"/>
+            </a:schemeClr>
+          </a:lnRef>
+          <a:fillRef idx="1">
+            <a:schemeClr val="accent1"/>
+          </a:fillRef>
+          <a:effectRef idx="0">
+            <a:schemeClr val="accent1"/>
+          </a:effectRef>
+          <a:fontRef idx="minor">
+            <a:schemeClr val="lt1"/>
+          </a:fontRef>
+        </p:style>
+        <p:txBody>
+          <a:bodyPr rtlCol="0" anchor="ctr"/>
+          <a:lstStyle/>
+          <a:p>
+            <a:pPr algn="ctr"/>
+            <a:endParaRPr lang="zh-CN" altLang="en-US"/>
+          </a:p>
+        </p:txBody>
+      </p:sp>
+      <p:sp>
+        <p:nvSpPr>
+          <p:cNvPr id="11" name="矩形 10"/>
+          <p:cNvSpPr/>
+          <p:nvPr/>
+        </p:nvSpPr>
+        <p:spPr>
+          <a:xfrm>
+            <a:off x="4854711" y="5137167"/>
+            <a:ext cx="581386" cy="574572"/>
+          </a:xfrm>
+          <a:prstGeom prst="rect">
+            <a:avLst/>
+          </a:prstGeom>
+          <a:noFill/>
+          <a:ln w="38100">
+            <a:solidFill>
+              <a:srgbClr val="FFFF00"/>
+            </a:solidFill>
+          </a:ln>
+        </p:spPr>
+        <p:style>
+          <a:lnRef idx="2">
+            <a:schemeClr val="accent1">
+              <a:shade val="50000"/>
+            </a:schemeClr>
+          </a:lnRef>
+          <a:fillRef idx="1">
+            <a:schemeClr val="accent1"/>
+          </a:fillRef>
+          <a:effectRef idx="0">
+            <a:schemeClr val="accent1"/>
           </a:effectRef>
           <a:fontRef idx="minor">
             <a:schemeClr val="lt1"/>
@@ -9839,7 +10997,7 @@
         <p:spPr>
           <a:xfrm>
             <a:off x="684000" y="260648"/>
-            <a:ext cx="7776000" cy="1200329"/>
+            <a:ext cx="7776000" cy="646331"/>
           </a:xfrm>
           <a:prstGeom prst="rect">
             <a:avLst/>
@@ -9883,10 +11041,10 @@
                 <a:latin typeface="微软雅黑" pitchFamily="34" charset="-122"/>
                 <a:ea typeface="微软雅黑" pitchFamily="34" charset="-122"/>
               </a:rPr>
-              <a:t>可以查找嵌入的选择器</a:t>
-            </a:r>
-            <a:r>
-              <a:rPr lang="en-US" altLang="zh-CN" sz="2400" dirty="0" smtClean="0">
+              <a:t>可以查找嵌入的选择</a:t>
+            </a:r>
+            <a:r>
+              <a:rPr lang="zh-CN" altLang="en-US" sz="2400" dirty="0" smtClean="0">
                 <a:solidFill>
                   <a:schemeClr val="tx1">
                     <a:lumMod val="75000"/>
@@ -9896,38 +11054,8 @@
                 <a:latin typeface="微软雅黑" pitchFamily="34" charset="-122"/>
                 <a:ea typeface="微软雅黑" pitchFamily="34" charset="-122"/>
               </a:rPr>
-              <a:t>,</a:t>
-            </a:r>
-            <a:r>
-              <a:rPr lang="zh-CN" altLang="en-US" sz="2400" dirty="0" smtClean="0">
-                <a:solidFill>
-                  <a:schemeClr val="tx1">
-                    <a:lumMod val="75000"/>
-                    <a:lumOff val="25000"/>
-                  </a:schemeClr>
-                </a:solidFill>
-                <a:latin typeface="微软雅黑" pitchFamily="34" charset="-122"/>
-                <a:ea typeface="微软雅黑" pitchFamily="34" charset="-122"/>
-              </a:rPr>
-              <a:t>并且是编译后的</a:t>
-            </a:r>
-            <a:endParaRPr lang="en-US" altLang="zh-CN" sz="2400" dirty="0" smtClean="0">
-              <a:solidFill>
-                <a:schemeClr val="tx1">
-                  <a:lumMod val="75000"/>
-                  <a:lumOff val="25000"/>
-                </a:schemeClr>
-              </a:solidFill>
-              <a:latin typeface="微软雅黑" pitchFamily="34" charset="-122"/>
-              <a:ea typeface="微软雅黑" pitchFamily="34" charset="-122"/>
-            </a:endParaRPr>
-          </a:p>
-          <a:p>
-            <a:pPr>
-              <a:lnSpc>
-                <a:spcPct val="150000"/>
-              </a:lnSpc>
-            </a:pPr>
+              <a:t>器</a:t>
+            </a:r>
             <a:endParaRPr lang="en-US" altLang="zh-CN" sz="2400" dirty="0" smtClean="0">
               <a:solidFill>
                 <a:schemeClr val="tx1">
@@ -10046,8 +11174,8 @@
         </p:blipFill>
         <p:spPr>
           <a:xfrm>
-            <a:off x="5387187" y="967408"/>
-            <a:ext cx="3258005" cy="4182059"/>
+            <a:off x="5387188" y="967409"/>
+            <a:ext cx="3039634" cy="3901752"/>
           </a:xfrm>
           <a:prstGeom prst="rect">
             <a:avLst/>
@@ -10104,6 +11232,419 @@
           <a:p>
             <a:pPr algn="ctr"/>
             <a:endParaRPr lang="zh-CN" altLang="en-US"/>
+          </a:p>
+        </p:txBody>
+      </p:sp>
+      <p:sp>
+        <p:nvSpPr>
+          <p:cNvPr id="7" name="圆角矩形标注 6"/>
+          <p:cNvSpPr/>
+          <p:nvPr/>
+        </p:nvSpPr>
+        <p:spPr>
+          <a:xfrm>
+            <a:off x="1979712" y="4293096"/>
+            <a:ext cx="2880320" cy="432048"/>
+          </a:xfrm>
+          <a:prstGeom prst="wedgeRoundRectCallout">
+            <a:avLst>
+              <a:gd name="adj1" fmla="val -31322"/>
+              <a:gd name="adj2" fmla="val -90534"/>
+              <a:gd name="adj3" fmla="val 16667"/>
+            </a:avLst>
+          </a:prstGeom>
+        </p:spPr>
+        <p:style>
+          <a:lnRef idx="2">
+            <a:schemeClr val="accent5"/>
+          </a:lnRef>
+          <a:fillRef idx="1">
+            <a:schemeClr val="lt1"/>
+          </a:fillRef>
+          <a:effectRef idx="0">
+            <a:schemeClr val="accent5"/>
+          </a:effectRef>
+          <a:fontRef idx="minor">
+            <a:schemeClr val="dk1"/>
+          </a:fontRef>
+        </p:style>
+        <p:txBody>
+          <a:bodyPr rtlCol="0" anchor="ctr"/>
+          <a:lstStyle/>
+          <a:p>
+            <a:pPr algn="ctr"/>
+            <a:r>
+              <a:rPr lang="zh-CN" altLang="en-US" dirty="0" smtClean="0">
+                <a:latin typeface="微软雅黑" pitchFamily="34" charset="-122"/>
+                <a:ea typeface="微软雅黑" pitchFamily="34" charset="-122"/>
+              </a:rPr>
+              <a:t>注意这里的分隔符是逗号</a:t>
+            </a:r>
+            <a:endParaRPr lang="zh-CN" altLang="en-US" dirty="0">
+              <a:latin typeface="微软雅黑" pitchFamily="34" charset="-122"/>
+              <a:ea typeface="微软雅黑" pitchFamily="34" charset="-122"/>
+            </a:endParaRPr>
+          </a:p>
+        </p:txBody>
+      </p:sp>
+      <p:sp>
+        <p:nvSpPr>
+          <p:cNvPr id="12" name="矩形 11"/>
+          <p:cNvSpPr/>
+          <p:nvPr/>
+        </p:nvSpPr>
+        <p:spPr>
+          <a:xfrm>
+            <a:off x="5364088" y="1268760"/>
+            <a:ext cx="866166" cy="360040"/>
+          </a:xfrm>
+          <a:prstGeom prst="rect">
+            <a:avLst/>
+          </a:prstGeom>
+          <a:noFill/>
+          <a:ln w="38100">
+            <a:solidFill>
+              <a:srgbClr val="FFFF00"/>
+            </a:solidFill>
+          </a:ln>
+        </p:spPr>
+        <p:style>
+          <a:lnRef idx="2">
+            <a:schemeClr val="accent1">
+              <a:shade val="50000"/>
+            </a:schemeClr>
+          </a:lnRef>
+          <a:fillRef idx="1">
+            <a:schemeClr val="accent1"/>
+          </a:fillRef>
+          <a:effectRef idx="0">
+            <a:schemeClr val="accent1"/>
+          </a:effectRef>
+          <a:fontRef idx="minor">
+            <a:schemeClr val="lt1"/>
+          </a:fontRef>
+        </p:style>
+        <p:txBody>
+          <a:bodyPr rtlCol="0" anchor="ctr"/>
+          <a:lstStyle/>
+          <a:p>
+            <a:pPr algn="ctr"/>
+            <a:endParaRPr lang="zh-CN" altLang="en-US"/>
+          </a:p>
+        </p:txBody>
+      </p:sp>
+      <p:sp>
+        <p:nvSpPr>
+          <p:cNvPr id="13" name="矩形 12"/>
+          <p:cNvSpPr/>
+          <p:nvPr/>
+        </p:nvSpPr>
+        <p:spPr>
+          <a:xfrm>
+            <a:off x="5364088" y="2708920"/>
+            <a:ext cx="866166" cy="360040"/>
+          </a:xfrm>
+          <a:prstGeom prst="rect">
+            <a:avLst/>
+          </a:prstGeom>
+          <a:noFill/>
+          <a:ln w="38100">
+            <a:solidFill>
+              <a:srgbClr val="FFFF00"/>
+            </a:solidFill>
+          </a:ln>
+        </p:spPr>
+        <p:style>
+          <a:lnRef idx="2">
+            <a:schemeClr val="accent1">
+              <a:shade val="50000"/>
+            </a:schemeClr>
+          </a:lnRef>
+          <a:fillRef idx="1">
+            <a:schemeClr val="accent1"/>
+          </a:fillRef>
+          <a:effectRef idx="0">
+            <a:schemeClr val="accent1"/>
+          </a:effectRef>
+          <a:fontRef idx="minor">
+            <a:schemeClr val="lt1"/>
+          </a:fontRef>
+        </p:style>
+        <p:txBody>
+          <a:bodyPr rtlCol="0" anchor="ctr"/>
+          <a:lstStyle/>
+          <a:p>
+            <a:pPr algn="ctr"/>
+            <a:endParaRPr lang="zh-CN" altLang="en-US"/>
+          </a:p>
+        </p:txBody>
+      </p:sp>
+      <p:sp>
+        <p:nvSpPr>
+          <p:cNvPr id="14" name="矩形 13"/>
+          <p:cNvSpPr/>
+          <p:nvPr/>
+        </p:nvSpPr>
+        <p:spPr>
+          <a:xfrm>
+            <a:off x="5364088" y="3789040"/>
+            <a:ext cx="866166" cy="360040"/>
+          </a:xfrm>
+          <a:prstGeom prst="rect">
+            <a:avLst/>
+          </a:prstGeom>
+          <a:noFill/>
+          <a:ln w="38100">
+            <a:solidFill>
+              <a:srgbClr val="FFFF00"/>
+            </a:solidFill>
+          </a:ln>
+        </p:spPr>
+        <p:style>
+          <a:lnRef idx="2">
+            <a:schemeClr val="accent1">
+              <a:shade val="50000"/>
+            </a:schemeClr>
+          </a:lnRef>
+          <a:fillRef idx="1">
+            <a:schemeClr val="accent1"/>
+          </a:fillRef>
+          <a:effectRef idx="0">
+            <a:schemeClr val="accent1"/>
+          </a:effectRef>
+          <a:fontRef idx="minor">
+            <a:schemeClr val="lt1"/>
+          </a:fontRef>
+        </p:style>
+        <p:txBody>
+          <a:bodyPr rtlCol="0" anchor="ctr"/>
+          <a:lstStyle/>
+          <a:p>
+            <a:pPr algn="ctr"/>
+            <a:endParaRPr lang="zh-CN" altLang="en-US"/>
+          </a:p>
+        </p:txBody>
+      </p:sp>
+      <p:sp>
+        <p:nvSpPr>
+          <p:cNvPr id="15" name="矩形 14"/>
+          <p:cNvSpPr/>
+          <p:nvPr/>
+        </p:nvSpPr>
+        <p:spPr>
+          <a:xfrm>
+            <a:off x="825514" y="3356992"/>
+            <a:ext cx="4322550" cy="360040"/>
+          </a:xfrm>
+          <a:prstGeom prst="rect">
+            <a:avLst/>
+          </a:prstGeom>
+          <a:noFill/>
+          <a:ln w="38100">
+            <a:solidFill>
+              <a:srgbClr val="FFFF00"/>
+            </a:solidFill>
+          </a:ln>
+        </p:spPr>
+        <p:style>
+          <a:lnRef idx="2">
+            <a:schemeClr val="accent1">
+              <a:shade val="50000"/>
+            </a:schemeClr>
+          </a:lnRef>
+          <a:fillRef idx="1">
+            <a:schemeClr val="accent1"/>
+          </a:fillRef>
+          <a:effectRef idx="0">
+            <a:schemeClr val="accent1"/>
+          </a:effectRef>
+          <a:fontRef idx="minor">
+            <a:schemeClr val="lt1"/>
+          </a:fontRef>
+        </p:style>
+        <p:txBody>
+          <a:bodyPr rtlCol="0" anchor="ctr"/>
+          <a:lstStyle/>
+          <a:p>
+            <a:pPr algn="ctr"/>
+            <a:endParaRPr lang="zh-CN" altLang="en-US"/>
+          </a:p>
+        </p:txBody>
+      </p:sp>
+      <p:sp>
+        <p:nvSpPr>
+          <p:cNvPr id="16" name="圆角矩形标注 15"/>
+          <p:cNvSpPr/>
+          <p:nvPr/>
+        </p:nvSpPr>
+        <p:spPr>
+          <a:xfrm>
+            <a:off x="5580112" y="4653136"/>
+            <a:ext cx="1800200" cy="432048"/>
+          </a:xfrm>
+          <a:prstGeom prst="wedgeRoundRectCallout">
+            <a:avLst>
+              <a:gd name="adj1" fmla="val -31322"/>
+              <a:gd name="adj2" fmla="val -90534"/>
+              <a:gd name="adj3" fmla="val 16667"/>
+            </a:avLst>
+          </a:prstGeom>
+        </p:spPr>
+        <p:style>
+          <a:lnRef idx="2">
+            <a:schemeClr val="accent5"/>
+          </a:lnRef>
+          <a:fillRef idx="1">
+            <a:schemeClr val="lt1"/>
+          </a:fillRef>
+          <a:effectRef idx="0">
+            <a:schemeClr val="accent5"/>
+          </a:effectRef>
+          <a:fontRef idx="minor">
+            <a:schemeClr val="dk1"/>
+          </a:fontRef>
+        </p:style>
+        <p:txBody>
+          <a:bodyPr rtlCol="0" anchor="ctr"/>
+          <a:lstStyle/>
+          <a:p>
+            <a:pPr algn="ctr"/>
+            <a:r>
+              <a:rPr lang="en-US" altLang="zh-CN" dirty="0" smtClean="0">
+                <a:latin typeface="微软雅黑" pitchFamily="34" charset="-122"/>
+                <a:ea typeface="微软雅黑" pitchFamily="34" charset="-122"/>
+              </a:rPr>
+              <a:t>.ex</a:t>
+            </a:r>
+            <a:r>
+              <a:rPr lang="zh-CN" altLang="en-US" dirty="0" smtClean="0">
+                <a:latin typeface="微软雅黑" pitchFamily="34" charset="-122"/>
+                <a:ea typeface="微软雅黑" pitchFamily="34" charset="-122"/>
+              </a:rPr>
+              <a:t>自己的样式</a:t>
+            </a:r>
+            <a:endParaRPr lang="zh-CN" altLang="en-US" dirty="0">
+              <a:latin typeface="微软雅黑" pitchFamily="34" charset="-122"/>
+              <a:ea typeface="微软雅黑" pitchFamily="34" charset="-122"/>
+            </a:endParaRPr>
+          </a:p>
+        </p:txBody>
+      </p:sp>
+      <p:sp>
+        <p:nvSpPr>
+          <p:cNvPr id="17" name="圆角矩形标注 16"/>
+          <p:cNvSpPr/>
+          <p:nvPr/>
+        </p:nvSpPr>
+        <p:spPr>
+          <a:xfrm>
+            <a:off x="6299760" y="1268760"/>
+            <a:ext cx="2088664" cy="432048"/>
+          </a:xfrm>
+          <a:prstGeom prst="wedgeRoundRectCallout">
+            <a:avLst>
+              <a:gd name="adj1" fmla="val -54739"/>
+              <a:gd name="adj2" fmla="val -22157"/>
+              <a:gd name="adj3" fmla="val 16667"/>
+            </a:avLst>
+          </a:prstGeom>
+        </p:spPr>
+        <p:style>
+          <a:lnRef idx="2">
+            <a:schemeClr val="accent5"/>
+          </a:lnRef>
+          <a:fillRef idx="1">
+            <a:schemeClr val="lt1"/>
+          </a:fillRef>
+          <a:effectRef idx="0">
+            <a:schemeClr val="accent5"/>
+          </a:effectRef>
+          <a:fontRef idx="minor">
+            <a:schemeClr val="dk1"/>
+          </a:fontRef>
+        </p:style>
+        <p:txBody>
+          <a:bodyPr rtlCol="0" anchor="ctr"/>
+          <a:lstStyle/>
+          <a:p>
+            <a:pPr algn="ctr"/>
+            <a:r>
+              <a:rPr lang="en-US" altLang="zh-CN" dirty="0" smtClean="0">
+                <a:latin typeface="微软雅黑" pitchFamily="34" charset="-122"/>
+                <a:ea typeface="微软雅黑" pitchFamily="34" charset="-122"/>
+              </a:rPr>
+              <a:t>.outer .inner</a:t>
+            </a:r>
+            <a:r>
+              <a:rPr lang="zh-CN" altLang="en-US" dirty="0">
+                <a:latin typeface="微软雅黑" pitchFamily="34" charset="-122"/>
+                <a:ea typeface="微软雅黑" pitchFamily="34" charset="-122"/>
+              </a:rPr>
+              <a:t>样式</a:t>
+            </a:r>
+            <a:endParaRPr lang="zh-CN" altLang="en-US" dirty="0">
+              <a:latin typeface="微软雅黑" pitchFamily="34" charset="-122"/>
+              <a:ea typeface="微软雅黑" pitchFamily="34" charset="-122"/>
+            </a:endParaRPr>
+          </a:p>
+        </p:txBody>
+      </p:sp>
+      <p:sp>
+        <p:nvSpPr>
+          <p:cNvPr id="18" name="圆角矩形标注 17"/>
+          <p:cNvSpPr/>
+          <p:nvPr/>
+        </p:nvSpPr>
+        <p:spPr>
+          <a:xfrm>
+            <a:off x="6373746" y="2636912"/>
+            <a:ext cx="2088664" cy="432048"/>
+          </a:xfrm>
+          <a:prstGeom prst="wedgeRoundRectCallout">
+            <a:avLst>
+              <a:gd name="adj1" fmla="val -54739"/>
+              <a:gd name="adj2" fmla="val -22157"/>
+              <a:gd name="adj3" fmla="val 16667"/>
+            </a:avLst>
+          </a:prstGeom>
+        </p:spPr>
+        <p:style>
+          <a:lnRef idx="2">
+            <a:schemeClr val="accent5"/>
+          </a:lnRef>
+          <a:fillRef idx="1">
+            <a:schemeClr val="lt1"/>
+          </a:fillRef>
+          <a:effectRef idx="0">
+            <a:schemeClr val="accent5"/>
+          </a:effectRef>
+          <a:fontRef idx="minor">
+            <a:schemeClr val="dk1"/>
+          </a:fontRef>
+        </p:style>
+        <p:txBody>
+          <a:bodyPr rtlCol="0" anchor="ctr"/>
+          <a:lstStyle/>
+          <a:p>
+            <a:pPr algn="ctr"/>
+            <a:r>
+              <a:rPr lang="en-US" altLang="zh-CN" dirty="0">
+                <a:latin typeface="微软雅黑" pitchFamily="34" charset="-122"/>
+                <a:ea typeface="微软雅黑" pitchFamily="34" charset="-122"/>
+              </a:rPr>
+              <a:t>.inner .outer</a:t>
+            </a:r>
+            <a:r>
+              <a:rPr lang="zh-CN" altLang="en-US" dirty="0" smtClean="0">
+                <a:latin typeface="微软雅黑" pitchFamily="34" charset="-122"/>
+                <a:ea typeface="微软雅黑" pitchFamily="34" charset="-122"/>
+              </a:rPr>
+              <a:t>样式</a:t>
+            </a:r>
+            <a:endParaRPr lang="zh-CN" altLang="en-US" dirty="0">
+              <a:latin typeface="微软雅黑" pitchFamily="34" charset="-122"/>
+              <a:ea typeface="微软雅黑" pitchFamily="34" charset="-122"/>
+            </a:endParaRPr>
           </a:p>
         </p:txBody>
       </p:sp>
@@ -10660,7 +12201,7 @@
   <a:extraClrSchemeLst/>
   <a:extLst>
     <a:ext uri="{05A4C25C-085E-4340-85A3-A5531E510DB2}">
-      <thm15:themeFamily xmlns:thm15="http://schemas.microsoft.com/office/thememl/2012/main" xmlns="" name="Office Theme" id="{62F939B6-93AF-4DB8-9C6B-D6C7DFDC589F}" vid="{4A3C46E8-61CC-4603-A589-7422A47A8E4A}"/>
+      <thm15:themeFamily xmlns="" xmlns:thm15="http://schemas.microsoft.com/office/thememl/2012/main" name="Office Theme" id="{62F939B6-93AF-4DB8-9C6B-D6C7DFDC589F}" vid="{4A3C46E8-61CC-4603-A589-7422A47A8E4A}"/>
     </a:ext>
   </a:extLst>
 </a:theme>
